--- a/1-2/CB1501010/Introduction to Electrical and Electronic Engineering/003/EE_ch3_CircuitAnalyissTechniques.pptx
+++ b/1-2/CB1501010/Introduction to Electrical and Electronic Engineering/003/EE_ch3_CircuitAnalyissTechniques.pptx
@@ -478,11 +478,6 @@
         </p:txBody>
       </p:sp>
     </p:spTree>
-    <p:extLst>
-      <p:ext uri="{BB962C8B-B14F-4D97-AF65-F5344CB8AC3E}">
-        <p14:creationId xmlns:p14="http://schemas.microsoft.com/office/powerpoint/2010/main" val="1"/>
-      </p:ext>
-    </p:extLst>
   </p:cSld>
   <p:clrMap bg1="lt1" tx1="dk1" bg2="lt2" tx2="dk2" accent1="accent1" accent2="accent2" accent3="accent3" accent4="accent4" accent5="accent5" accent6="accent6" hlink="hlink" folHlink="folHlink"/>
 </p:handoutMaster>
@@ -686,35 +681,35 @@
           <a:p>
             <a:pPr lvl="0"/>
             <a:r>
-              <a:rPr lang="ko-KR" altLang="en-US" noProof="0"/>
+              <a:rPr lang="ko-KR" altLang="en-US" noProof="0" smtClean="0"/>
               <a:t>마스터 텍스트 스타일을 편집합니다</a:t>
             </a:r>
           </a:p>
           <a:p>
             <a:pPr lvl="1"/>
             <a:r>
-              <a:rPr lang="ko-KR" altLang="en-US" noProof="0"/>
+              <a:rPr lang="ko-KR" altLang="en-US" noProof="0" smtClean="0"/>
               <a:t>둘째 수준</a:t>
             </a:r>
           </a:p>
           <a:p>
             <a:pPr lvl="2"/>
             <a:r>
-              <a:rPr lang="ko-KR" altLang="en-US" noProof="0"/>
+              <a:rPr lang="ko-KR" altLang="en-US" noProof="0" smtClean="0"/>
               <a:t>셋째 수준</a:t>
             </a:r>
           </a:p>
           <a:p>
             <a:pPr lvl="3"/>
             <a:r>
-              <a:rPr lang="ko-KR" altLang="en-US" noProof="0"/>
+              <a:rPr lang="ko-KR" altLang="en-US" noProof="0" smtClean="0"/>
               <a:t>넷째 수준</a:t>
             </a:r>
           </a:p>
           <a:p>
             <a:pPr lvl="4"/>
             <a:r>
-              <a:rPr lang="ko-KR" altLang="en-US" noProof="0"/>
+              <a:rPr lang="ko-KR" altLang="en-US" noProof="0" smtClean="0"/>
               <a:t>다섯째 수준</a:t>
             </a:r>
           </a:p>
@@ -1118,7 +1113,7 @@
             <a:pPr eaLnBrk="1" latinLnBrk="1" hangingPunct="1">
               <a:defRPr/>
             </a:pPr>
-            <a:endParaRPr lang="ko-KR" altLang="ko-KR" sz="1800">
+            <a:endParaRPr lang="ko-KR" altLang="ko-KR" sz="1800" smtClean="0">
               <a:solidFill>
                 <a:schemeClr val="bg1"/>
               </a:solidFill>
@@ -1443,14 +1438,14 @@
               <a:defRPr/>
             </a:pPr>
             <a:r>
-              <a:rPr lang="en-US" altLang="ko-KR" sz="1600" i="1">
+              <a:rPr lang="en-US" altLang="ko-KR" sz="1600" i="1" smtClean="0">
                 <a:solidFill>
                   <a:schemeClr val="bg1"/>
                 </a:solidFill>
               </a:rPr>
               <a:t>Pusan National University </a:t>
             </a:r>
-            <a:endParaRPr lang="en-US" altLang="ko-KR" sz="1000">
+            <a:endParaRPr lang="en-US" altLang="ko-KR" sz="1000" smtClean="0">
               <a:solidFill>
                 <a:schemeClr val="bg1"/>
               </a:solidFill>
@@ -1937,7 +1932,7 @@
               <a:defRPr/>
             </a:pPr>
             <a:r>
-              <a:rPr lang="en-US" altLang="ko-KR" sz="3400" i="1">
+              <a:rPr lang="en-US" altLang="ko-KR" sz="3400" i="1" smtClean="0">
                 <a:solidFill>
                   <a:srgbClr val="99CC00"/>
                 </a:solidFill>
@@ -2104,7 +2099,7 @@
               <a:defRPr/>
             </a:pPr>
             <a:r>
-              <a:rPr lang="en-US" altLang="ko-KR" sz="4600" i="1">
+              <a:rPr lang="en-US" altLang="ko-KR" sz="4600" i="1" smtClean="0">
                 <a:latin typeface="Arial Black" pitchFamily="34" charset="0"/>
               </a:rPr>
               <a:t>PNU</a:t>
@@ -2268,7 +2263,7 @@
               <a:defRPr/>
             </a:pPr>
             <a:r>
-              <a:rPr lang="en-US" altLang="ko-KR" sz="1600" i="1">
+              <a:rPr lang="en-US" altLang="ko-KR" sz="1600" i="1" smtClean="0">
                 <a:solidFill>
                   <a:schemeClr val="bg2"/>
                 </a:solidFill>
@@ -2277,7 +2272,7 @@
               <a:t> </a:t>
             </a:r>
             <a:r>
-              <a:rPr lang="ko-KR" altLang="en-US" sz="1600" i="1">
+              <a:rPr lang="ko-KR" altLang="en-US" sz="1600" i="1" smtClean="0">
                 <a:solidFill>
                   <a:schemeClr val="bg2"/>
                 </a:solidFill>
@@ -2401,18 +2396,7 @@
   <p:clrMapOvr>
     <a:masterClrMapping/>
   </p:clrMapOvr>
-  <mc:AlternateContent xmlns:mc="http://schemas.openxmlformats.org/markup-compatibility/2006">
-    <mc:Choice xmlns:p159="http://schemas.microsoft.com/office/powerpoint/2015/09/main" Requires="p159">
-      <p:transition>
-        <p159:morph option="byChar"/>
-      </p:transition>
-    </mc:Choice>
-    <mc:Fallback>
-      <p:transition>
-        <p:fade/>
-      </p:transition>
-    </mc:Fallback>
-  </mc:AlternateContent>
+  <p:transition spd="med"/>
 </p:sldLayout>
 </file>
 
@@ -2454,9 +2438,10 @@
           <a:lstStyle/>
           <a:p>
             <a:r>
-              <a:rPr lang="ko-KR" altLang="en-US"/>
+              <a:rPr lang="ko-KR" altLang="en-US" smtClean="0"/>
               <a:t>마스터 제목 스타일 편집</a:t>
             </a:r>
+            <a:endParaRPr lang="ko-KR" altLang="en-US"/>
           </a:p>
         </p:txBody>
       </p:sp>
@@ -2482,37 +2467,38 @@
           <a:p>
             <a:pPr lvl="0"/>
             <a:r>
-              <a:rPr lang="ko-KR" altLang="en-US"/>
+              <a:rPr lang="ko-KR" altLang="en-US" smtClean="0"/>
               <a:t>마스터 텍스트 스타일을 편집합니다</a:t>
             </a:r>
           </a:p>
           <a:p>
             <a:pPr lvl="1"/>
             <a:r>
-              <a:rPr lang="ko-KR" altLang="en-US"/>
+              <a:rPr lang="ko-KR" altLang="en-US" smtClean="0"/>
               <a:t>둘째 수준</a:t>
             </a:r>
           </a:p>
           <a:p>
             <a:pPr lvl="2"/>
             <a:r>
-              <a:rPr lang="ko-KR" altLang="en-US"/>
+              <a:rPr lang="ko-KR" altLang="en-US" smtClean="0"/>
               <a:t>셋째 수준</a:t>
             </a:r>
           </a:p>
           <a:p>
             <a:pPr lvl="3"/>
             <a:r>
-              <a:rPr lang="ko-KR" altLang="en-US"/>
+              <a:rPr lang="ko-KR" altLang="en-US" smtClean="0"/>
               <a:t>넷째 수준</a:t>
             </a:r>
           </a:p>
           <a:p>
             <a:pPr lvl="4"/>
             <a:r>
-              <a:rPr lang="ko-KR" altLang="en-US"/>
+              <a:rPr lang="ko-KR" altLang="en-US" smtClean="0"/>
               <a:t>다섯째 수준</a:t>
             </a:r>
+            <a:endParaRPr lang="ko-KR" altLang="en-US"/>
           </a:p>
         </p:txBody>
       </p:sp>
@@ -2526,18 +2512,7 @@
   <p:clrMapOvr>
     <a:masterClrMapping/>
   </p:clrMapOvr>
-  <mc:AlternateContent xmlns:mc="http://schemas.openxmlformats.org/markup-compatibility/2006">
-    <mc:Choice xmlns:p159="http://schemas.microsoft.com/office/powerpoint/2015/09/main" Requires="p159">
-      <p:transition>
-        <p159:morph option="byChar"/>
-      </p:transition>
-    </mc:Choice>
-    <mc:Fallback>
-      <p:transition>
-        <p:fade/>
-      </p:transition>
-    </mc:Fallback>
-  </mc:AlternateContent>
+  <p:transition spd="med"/>
 </p:sldLayout>
 </file>
 
@@ -2579,9 +2554,10 @@
           <a:lstStyle/>
           <a:p>
             <a:r>
-              <a:rPr lang="ko-KR" altLang="en-US"/>
+              <a:rPr lang="ko-KR" altLang="en-US" smtClean="0"/>
               <a:t>마스터 제목 스타일 편집</a:t>
             </a:r>
+            <a:endParaRPr lang="ko-KR" altLang="en-US"/>
           </a:p>
         </p:txBody>
       </p:sp>
@@ -2607,37 +2583,38 @@
           <a:p>
             <a:pPr lvl="0"/>
             <a:r>
-              <a:rPr lang="ko-KR" altLang="en-US"/>
+              <a:rPr lang="ko-KR" altLang="en-US" smtClean="0"/>
               <a:t>마스터 텍스트 스타일을 편집합니다</a:t>
             </a:r>
           </a:p>
           <a:p>
             <a:pPr lvl="1"/>
             <a:r>
-              <a:rPr lang="ko-KR" altLang="en-US"/>
+              <a:rPr lang="ko-KR" altLang="en-US" smtClean="0"/>
               <a:t>둘째 수준</a:t>
             </a:r>
           </a:p>
           <a:p>
             <a:pPr lvl="2"/>
             <a:r>
-              <a:rPr lang="ko-KR" altLang="en-US"/>
+              <a:rPr lang="ko-KR" altLang="en-US" smtClean="0"/>
               <a:t>셋째 수준</a:t>
             </a:r>
           </a:p>
           <a:p>
             <a:pPr lvl="3"/>
             <a:r>
-              <a:rPr lang="ko-KR" altLang="en-US"/>
+              <a:rPr lang="ko-KR" altLang="en-US" smtClean="0"/>
               <a:t>넷째 수준</a:t>
             </a:r>
           </a:p>
           <a:p>
             <a:pPr lvl="4"/>
             <a:r>
-              <a:rPr lang="ko-KR" altLang="en-US"/>
+              <a:rPr lang="ko-KR" altLang="en-US" smtClean="0"/>
               <a:t>다섯째 수준</a:t>
             </a:r>
+            <a:endParaRPr lang="ko-KR" altLang="en-US"/>
           </a:p>
         </p:txBody>
       </p:sp>
@@ -2663,37 +2640,38 @@
           <a:p>
             <a:pPr lvl="0"/>
             <a:r>
-              <a:rPr lang="ko-KR" altLang="en-US"/>
+              <a:rPr lang="ko-KR" altLang="en-US" smtClean="0"/>
               <a:t>마스터 텍스트 스타일을 편집합니다</a:t>
             </a:r>
           </a:p>
           <a:p>
             <a:pPr lvl="1"/>
             <a:r>
-              <a:rPr lang="ko-KR" altLang="en-US"/>
+              <a:rPr lang="ko-KR" altLang="en-US" smtClean="0"/>
               <a:t>둘째 수준</a:t>
             </a:r>
           </a:p>
           <a:p>
             <a:pPr lvl="2"/>
             <a:r>
-              <a:rPr lang="ko-KR" altLang="en-US"/>
+              <a:rPr lang="ko-KR" altLang="en-US" smtClean="0"/>
               <a:t>셋째 수준</a:t>
             </a:r>
           </a:p>
           <a:p>
             <a:pPr lvl="3"/>
             <a:r>
-              <a:rPr lang="ko-KR" altLang="en-US"/>
+              <a:rPr lang="ko-KR" altLang="en-US" smtClean="0"/>
               <a:t>넷째 수준</a:t>
             </a:r>
           </a:p>
           <a:p>
             <a:pPr lvl="4"/>
             <a:r>
-              <a:rPr lang="ko-KR" altLang="en-US"/>
+              <a:rPr lang="ko-KR" altLang="en-US" smtClean="0"/>
               <a:t>다섯째 수준</a:t>
             </a:r>
+            <a:endParaRPr lang="ko-KR" altLang="en-US"/>
           </a:p>
         </p:txBody>
       </p:sp>
@@ -2707,18 +2685,7 @@
   <p:clrMapOvr>
     <a:masterClrMapping/>
   </p:clrMapOvr>
-  <mc:AlternateContent xmlns:mc="http://schemas.openxmlformats.org/markup-compatibility/2006">
-    <mc:Choice xmlns:p159="http://schemas.microsoft.com/office/powerpoint/2015/09/main" Requires="p159">
-      <p:transition>
-        <p159:morph option="byChar"/>
-      </p:transition>
-    </mc:Choice>
-    <mc:Fallback>
-      <p:transition>
-        <p:fade/>
-      </p:transition>
-    </mc:Fallback>
-  </mc:AlternateContent>
+  <p:transition spd="med"/>
 </p:sldLayout>
 </file>
 
@@ -2760,9 +2727,10 @@
           <a:lstStyle/>
           <a:p>
             <a:r>
-              <a:rPr lang="ko-KR" altLang="en-US"/>
+              <a:rPr lang="ko-KR" altLang="en-US" smtClean="0"/>
               <a:t>마스터 제목 스타일 편집</a:t>
             </a:r>
+            <a:endParaRPr lang="ko-KR" altLang="en-US"/>
           </a:p>
         </p:txBody>
       </p:sp>
@@ -2788,37 +2756,38 @@
           <a:p>
             <a:pPr lvl="0"/>
             <a:r>
-              <a:rPr lang="ko-KR" altLang="en-US"/>
+              <a:rPr lang="ko-KR" altLang="en-US" smtClean="0"/>
               <a:t>마스터 텍스트 스타일을 편집합니다</a:t>
             </a:r>
           </a:p>
           <a:p>
             <a:pPr lvl="1"/>
             <a:r>
-              <a:rPr lang="ko-KR" altLang="en-US"/>
+              <a:rPr lang="ko-KR" altLang="en-US" smtClean="0"/>
               <a:t>둘째 수준</a:t>
             </a:r>
           </a:p>
           <a:p>
             <a:pPr lvl="2"/>
             <a:r>
-              <a:rPr lang="ko-KR" altLang="en-US"/>
+              <a:rPr lang="ko-KR" altLang="en-US" smtClean="0"/>
               <a:t>셋째 수준</a:t>
             </a:r>
           </a:p>
           <a:p>
             <a:pPr lvl="3"/>
             <a:r>
-              <a:rPr lang="ko-KR" altLang="en-US"/>
+              <a:rPr lang="ko-KR" altLang="en-US" smtClean="0"/>
               <a:t>넷째 수준</a:t>
             </a:r>
           </a:p>
           <a:p>
             <a:pPr lvl="4"/>
             <a:r>
-              <a:rPr lang="ko-KR" altLang="en-US"/>
+              <a:rPr lang="ko-KR" altLang="en-US" smtClean="0"/>
               <a:t>다섯째 수준</a:t>
             </a:r>
+            <a:endParaRPr lang="ko-KR" altLang="en-US"/>
           </a:p>
         </p:txBody>
       </p:sp>
@@ -2844,37 +2813,38 @@
           <a:p>
             <a:pPr lvl="0"/>
             <a:r>
-              <a:rPr lang="ko-KR" altLang="en-US"/>
+              <a:rPr lang="ko-KR" altLang="en-US" smtClean="0"/>
               <a:t>마스터 텍스트 스타일을 편집합니다</a:t>
             </a:r>
           </a:p>
           <a:p>
             <a:pPr lvl="1"/>
             <a:r>
-              <a:rPr lang="ko-KR" altLang="en-US"/>
+              <a:rPr lang="ko-KR" altLang="en-US" smtClean="0"/>
               <a:t>둘째 수준</a:t>
             </a:r>
           </a:p>
           <a:p>
             <a:pPr lvl="2"/>
             <a:r>
-              <a:rPr lang="ko-KR" altLang="en-US"/>
+              <a:rPr lang="ko-KR" altLang="en-US" smtClean="0"/>
               <a:t>셋째 수준</a:t>
             </a:r>
           </a:p>
           <a:p>
             <a:pPr lvl="3"/>
             <a:r>
-              <a:rPr lang="ko-KR" altLang="en-US"/>
+              <a:rPr lang="ko-KR" altLang="en-US" smtClean="0"/>
               <a:t>넷째 수준</a:t>
             </a:r>
           </a:p>
           <a:p>
             <a:pPr lvl="4"/>
             <a:r>
-              <a:rPr lang="ko-KR" altLang="en-US"/>
+              <a:rPr lang="ko-KR" altLang="en-US" smtClean="0"/>
               <a:t>다섯째 수준</a:t>
             </a:r>
+            <a:endParaRPr lang="ko-KR" altLang="en-US"/>
           </a:p>
         </p:txBody>
       </p:sp>
@@ -2900,37 +2870,38 @@
           <a:p>
             <a:pPr lvl="0"/>
             <a:r>
-              <a:rPr lang="ko-KR" altLang="en-US"/>
+              <a:rPr lang="ko-KR" altLang="en-US" smtClean="0"/>
               <a:t>마스터 텍스트 스타일을 편집합니다</a:t>
             </a:r>
           </a:p>
           <a:p>
             <a:pPr lvl="1"/>
             <a:r>
-              <a:rPr lang="ko-KR" altLang="en-US"/>
+              <a:rPr lang="ko-KR" altLang="en-US" smtClean="0"/>
               <a:t>둘째 수준</a:t>
             </a:r>
           </a:p>
           <a:p>
             <a:pPr lvl="2"/>
             <a:r>
-              <a:rPr lang="ko-KR" altLang="en-US"/>
+              <a:rPr lang="ko-KR" altLang="en-US" smtClean="0"/>
               <a:t>셋째 수준</a:t>
             </a:r>
           </a:p>
           <a:p>
             <a:pPr lvl="3"/>
             <a:r>
-              <a:rPr lang="ko-KR" altLang="en-US"/>
+              <a:rPr lang="ko-KR" altLang="en-US" smtClean="0"/>
               <a:t>넷째 수준</a:t>
             </a:r>
           </a:p>
           <a:p>
             <a:pPr lvl="4"/>
             <a:r>
-              <a:rPr lang="ko-KR" altLang="en-US"/>
+              <a:rPr lang="ko-KR" altLang="en-US" smtClean="0"/>
               <a:t>다섯째 수준</a:t>
             </a:r>
+            <a:endParaRPr lang="ko-KR" altLang="en-US"/>
           </a:p>
         </p:txBody>
       </p:sp>
@@ -2944,18 +2915,7 @@
   <p:clrMapOvr>
     <a:masterClrMapping/>
   </p:clrMapOvr>
-  <mc:AlternateContent xmlns:mc="http://schemas.openxmlformats.org/markup-compatibility/2006">
-    <mc:Choice xmlns:p159="http://schemas.microsoft.com/office/powerpoint/2015/09/main" Requires="p159">
-      <p:transition>
-        <p159:morph option="byChar"/>
-      </p:transition>
-    </mc:Choice>
-    <mc:Fallback>
-      <p:transition>
-        <p:fade/>
-      </p:transition>
-    </mc:Fallback>
-  </mc:AlternateContent>
+  <p:transition spd="med"/>
 </p:sldLayout>
 </file>
 
@@ -2997,9 +2957,10 @@
           <a:lstStyle/>
           <a:p>
             <a:r>
-              <a:rPr lang="ko-KR" altLang="en-US"/>
+              <a:rPr lang="ko-KR" altLang="en-US" smtClean="0"/>
               <a:t>마스터 제목 스타일 편집</a:t>
             </a:r>
+            <a:endParaRPr lang="ko-KR" altLang="en-US"/>
           </a:p>
         </p:txBody>
       </p:sp>
@@ -3061,9 +3022,10 @@
           </a:lstStyle>
           <a:p>
             <a:r>
-              <a:rPr lang="ko-KR" altLang="en-US"/>
+              <a:rPr lang="ko-KR" altLang="en-US" smtClean="0"/>
               <a:t>마스터 부제목 스타일 편집</a:t>
             </a:r>
+            <a:endParaRPr lang="ko-KR" altLang="en-US"/>
           </a:p>
         </p:txBody>
       </p:sp>
@@ -3077,18 +3039,7 @@
   <p:clrMapOvr>
     <a:masterClrMapping/>
   </p:clrMapOvr>
-  <mc:AlternateContent xmlns:mc="http://schemas.openxmlformats.org/markup-compatibility/2006">
-    <mc:Choice xmlns:p159="http://schemas.microsoft.com/office/powerpoint/2015/09/main" Requires="p159">
-      <p:transition>
-        <p159:morph option="byChar"/>
-      </p:transition>
-    </mc:Choice>
-    <mc:Fallback>
-      <p:transition>
-        <p:fade/>
-      </p:transition>
-    </mc:Fallback>
-  </mc:AlternateContent>
+  <p:transition spd="med"/>
 </p:sldLayout>
 </file>
 
@@ -3125,9 +3076,10 @@
           <a:lstStyle/>
           <a:p>
             <a:r>
-              <a:rPr lang="ko-KR" altLang="en-US"/>
+              <a:rPr lang="ko-KR" altLang="en-US" smtClean="0"/>
               <a:t>마스터 제목 스타일 편집</a:t>
             </a:r>
+            <a:endParaRPr lang="ko-KR" altLang="en-US"/>
           </a:p>
         </p:txBody>
       </p:sp>
@@ -3148,37 +3100,38 @@
           <a:p>
             <a:pPr lvl="0"/>
             <a:r>
-              <a:rPr lang="ko-KR" altLang="en-US"/>
+              <a:rPr lang="ko-KR" altLang="en-US" smtClean="0"/>
               <a:t>마스터 텍스트 스타일을 편집합니다</a:t>
             </a:r>
           </a:p>
           <a:p>
             <a:pPr lvl="1"/>
             <a:r>
-              <a:rPr lang="ko-KR" altLang="en-US"/>
+              <a:rPr lang="ko-KR" altLang="en-US" smtClean="0"/>
               <a:t>둘째 수준</a:t>
             </a:r>
           </a:p>
           <a:p>
             <a:pPr lvl="2"/>
             <a:r>
-              <a:rPr lang="ko-KR" altLang="en-US"/>
+              <a:rPr lang="ko-KR" altLang="en-US" smtClean="0"/>
               <a:t>셋째 수준</a:t>
             </a:r>
           </a:p>
           <a:p>
             <a:pPr lvl="3"/>
             <a:r>
-              <a:rPr lang="ko-KR" altLang="en-US"/>
+              <a:rPr lang="ko-KR" altLang="en-US" smtClean="0"/>
               <a:t>넷째 수준</a:t>
             </a:r>
           </a:p>
           <a:p>
             <a:pPr lvl="4"/>
             <a:r>
-              <a:rPr lang="ko-KR" altLang="en-US"/>
+              <a:rPr lang="ko-KR" altLang="en-US" smtClean="0"/>
               <a:t>다섯째 수준</a:t>
             </a:r>
+            <a:endParaRPr lang="ko-KR" altLang="en-US"/>
           </a:p>
         </p:txBody>
       </p:sp>
@@ -3192,18 +3145,7 @@
   <p:clrMapOvr>
     <a:masterClrMapping/>
   </p:clrMapOvr>
-  <mc:AlternateContent xmlns:mc="http://schemas.openxmlformats.org/markup-compatibility/2006">
-    <mc:Choice xmlns:p159="http://schemas.microsoft.com/office/powerpoint/2015/09/main" Requires="p159">
-      <p:transition>
-        <p159:morph option="byChar"/>
-      </p:transition>
-    </mc:Choice>
-    <mc:Fallback>
-      <p:transition>
-        <p:fade/>
-      </p:transition>
-    </mc:Fallback>
-  </mc:AlternateContent>
+  <p:transition spd="med"/>
 </p:sldLayout>
 </file>
 
@@ -3249,9 +3191,10 @@
           </a:lstStyle>
           <a:p>
             <a:r>
-              <a:rPr lang="ko-KR" altLang="en-US"/>
+              <a:rPr lang="ko-KR" altLang="en-US" smtClean="0"/>
               <a:t>마스터 제목 스타일 편집</a:t>
             </a:r>
+            <a:endParaRPr lang="ko-KR" altLang="en-US"/>
           </a:p>
         </p:txBody>
       </p:sp>
@@ -3314,7 +3257,7 @@
           <a:p>
             <a:pPr lvl="0"/>
             <a:r>
-              <a:rPr lang="ko-KR" altLang="en-US"/>
+              <a:rPr lang="ko-KR" altLang="en-US" smtClean="0"/>
               <a:t>마스터 텍스트 스타일을 편집합니다</a:t>
             </a:r>
           </a:p>
@@ -3330,18 +3273,7 @@
   <p:clrMapOvr>
     <a:masterClrMapping/>
   </p:clrMapOvr>
-  <mc:AlternateContent xmlns:mc="http://schemas.openxmlformats.org/markup-compatibility/2006">
-    <mc:Choice xmlns:p159="http://schemas.microsoft.com/office/powerpoint/2015/09/main" Requires="p159">
-      <p:transition>
-        <p159:morph option="byChar"/>
-      </p:transition>
-    </mc:Choice>
-    <mc:Fallback>
-      <p:transition>
-        <p:fade/>
-      </p:transition>
-    </mc:Fallback>
-  </mc:AlternateContent>
+  <p:transition spd="med"/>
 </p:sldLayout>
 </file>
 
@@ -3378,9 +3310,10 @@
           <a:lstStyle/>
           <a:p>
             <a:r>
-              <a:rPr lang="ko-KR" altLang="en-US"/>
+              <a:rPr lang="ko-KR" altLang="en-US" smtClean="0"/>
               <a:t>마스터 제목 스타일 편집</a:t>
             </a:r>
+            <a:endParaRPr lang="ko-KR" altLang="en-US"/>
           </a:p>
         </p:txBody>
       </p:sp>
@@ -3434,37 +3367,38 @@
           <a:p>
             <a:pPr lvl="0"/>
             <a:r>
-              <a:rPr lang="ko-KR" altLang="en-US"/>
+              <a:rPr lang="ko-KR" altLang="en-US" smtClean="0"/>
               <a:t>마스터 텍스트 스타일을 편집합니다</a:t>
             </a:r>
           </a:p>
           <a:p>
             <a:pPr lvl="1"/>
             <a:r>
-              <a:rPr lang="ko-KR" altLang="en-US"/>
+              <a:rPr lang="ko-KR" altLang="en-US" smtClean="0"/>
               <a:t>둘째 수준</a:t>
             </a:r>
           </a:p>
           <a:p>
             <a:pPr lvl="2"/>
             <a:r>
-              <a:rPr lang="ko-KR" altLang="en-US"/>
+              <a:rPr lang="ko-KR" altLang="en-US" smtClean="0"/>
               <a:t>셋째 수준</a:t>
             </a:r>
           </a:p>
           <a:p>
             <a:pPr lvl="3"/>
             <a:r>
-              <a:rPr lang="ko-KR" altLang="en-US"/>
+              <a:rPr lang="ko-KR" altLang="en-US" smtClean="0"/>
               <a:t>넷째 수준</a:t>
             </a:r>
           </a:p>
           <a:p>
             <a:pPr lvl="4"/>
             <a:r>
-              <a:rPr lang="ko-KR" altLang="en-US"/>
+              <a:rPr lang="ko-KR" altLang="en-US" smtClean="0"/>
               <a:t>다섯째 수준</a:t>
             </a:r>
+            <a:endParaRPr lang="ko-KR" altLang="en-US"/>
           </a:p>
         </p:txBody>
       </p:sp>
@@ -3518,37 +3452,38 @@
           <a:p>
             <a:pPr lvl="0"/>
             <a:r>
-              <a:rPr lang="ko-KR" altLang="en-US"/>
+              <a:rPr lang="ko-KR" altLang="en-US" smtClean="0"/>
               <a:t>마스터 텍스트 스타일을 편집합니다</a:t>
             </a:r>
           </a:p>
           <a:p>
             <a:pPr lvl="1"/>
             <a:r>
-              <a:rPr lang="ko-KR" altLang="en-US"/>
+              <a:rPr lang="ko-KR" altLang="en-US" smtClean="0"/>
               <a:t>둘째 수준</a:t>
             </a:r>
           </a:p>
           <a:p>
             <a:pPr lvl="2"/>
             <a:r>
-              <a:rPr lang="ko-KR" altLang="en-US"/>
+              <a:rPr lang="ko-KR" altLang="en-US" smtClean="0"/>
               <a:t>셋째 수준</a:t>
             </a:r>
           </a:p>
           <a:p>
             <a:pPr lvl="3"/>
             <a:r>
-              <a:rPr lang="ko-KR" altLang="en-US"/>
+              <a:rPr lang="ko-KR" altLang="en-US" smtClean="0"/>
               <a:t>넷째 수준</a:t>
             </a:r>
           </a:p>
           <a:p>
             <a:pPr lvl="4"/>
             <a:r>
-              <a:rPr lang="ko-KR" altLang="en-US"/>
+              <a:rPr lang="ko-KR" altLang="en-US" smtClean="0"/>
               <a:t>다섯째 수준</a:t>
             </a:r>
+            <a:endParaRPr lang="ko-KR" altLang="en-US"/>
           </a:p>
         </p:txBody>
       </p:sp>
@@ -3562,18 +3497,7 @@
   <p:clrMapOvr>
     <a:masterClrMapping/>
   </p:clrMapOvr>
-  <mc:AlternateContent xmlns:mc="http://schemas.openxmlformats.org/markup-compatibility/2006">
-    <mc:Choice xmlns:p159="http://schemas.microsoft.com/office/powerpoint/2015/09/main" Requires="p159">
-      <p:transition>
-        <p159:morph option="byChar"/>
-      </p:transition>
-    </mc:Choice>
-    <mc:Fallback>
-      <p:transition>
-        <p:fade/>
-      </p:transition>
-    </mc:Fallback>
-  </mc:AlternateContent>
+  <p:transition spd="med"/>
 </p:sldLayout>
 </file>
 
@@ -3619,9 +3543,10 @@
           </a:lstStyle>
           <a:p>
             <a:r>
-              <a:rPr lang="ko-KR" altLang="en-US"/>
+              <a:rPr lang="ko-KR" altLang="en-US" smtClean="0"/>
               <a:t>마스터 제목 스타일 편집</a:t>
             </a:r>
+            <a:endParaRPr lang="ko-KR" altLang="en-US"/>
           </a:p>
         </p:txBody>
       </p:sp>
@@ -3684,7 +3609,7 @@
           <a:p>
             <a:pPr lvl="0"/>
             <a:r>
-              <a:rPr lang="ko-KR" altLang="en-US"/>
+              <a:rPr lang="ko-KR" altLang="en-US" smtClean="0"/>
               <a:t>마스터 텍스트 스타일을 편집합니다</a:t>
             </a:r>
           </a:p>
@@ -3740,37 +3665,38 @@
           <a:p>
             <a:pPr lvl="0"/>
             <a:r>
-              <a:rPr lang="ko-KR" altLang="en-US"/>
+              <a:rPr lang="ko-KR" altLang="en-US" smtClean="0"/>
               <a:t>마스터 텍스트 스타일을 편집합니다</a:t>
             </a:r>
           </a:p>
           <a:p>
             <a:pPr lvl="1"/>
             <a:r>
-              <a:rPr lang="ko-KR" altLang="en-US"/>
+              <a:rPr lang="ko-KR" altLang="en-US" smtClean="0"/>
               <a:t>둘째 수준</a:t>
             </a:r>
           </a:p>
           <a:p>
             <a:pPr lvl="2"/>
             <a:r>
-              <a:rPr lang="ko-KR" altLang="en-US"/>
+              <a:rPr lang="ko-KR" altLang="en-US" smtClean="0"/>
               <a:t>셋째 수준</a:t>
             </a:r>
           </a:p>
           <a:p>
             <a:pPr lvl="3"/>
             <a:r>
-              <a:rPr lang="ko-KR" altLang="en-US"/>
+              <a:rPr lang="ko-KR" altLang="en-US" smtClean="0"/>
               <a:t>넷째 수준</a:t>
             </a:r>
           </a:p>
           <a:p>
             <a:pPr lvl="4"/>
             <a:r>
-              <a:rPr lang="ko-KR" altLang="en-US"/>
+              <a:rPr lang="ko-KR" altLang="en-US" smtClean="0"/>
               <a:t>다섯째 수준</a:t>
             </a:r>
+            <a:endParaRPr lang="ko-KR" altLang="en-US"/>
           </a:p>
         </p:txBody>
       </p:sp>
@@ -3833,7 +3759,7 @@
           <a:p>
             <a:pPr lvl="0"/>
             <a:r>
-              <a:rPr lang="ko-KR" altLang="en-US"/>
+              <a:rPr lang="ko-KR" altLang="en-US" smtClean="0"/>
               <a:t>마스터 텍스트 스타일을 편집합니다</a:t>
             </a:r>
           </a:p>
@@ -3889,37 +3815,38 @@
           <a:p>
             <a:pPr lvl="0"/>
             <a:r>
-              <a:rPr lang="ko-KR" altLang="en-US"/>
+              <a:rPr lang="ko-KR" altLang="en-US" smtClean="0"/>
               <a:t>마스터 텍스트 스타일을 편집합니다</a:t>
             </a:r>
           </a:p>
           <a:p>
             <a:pPr lvl="1"/>
             <a:r>
-              <a:rPr lang="ko-KR" altLang="en-US"/>
+              <a:rPr lang="ko-KR" altLang="en-US" smtClean="0"/>
               <a:t>둘째 수준</a:t>
             </a:r>
           </a:p>
           <a:p>
             <a:pPr lvl="2"/>
             <a:r>
-              <a:rPr lang="ko-KR" altLang="en-US"/>
+              <a:rPr lang="ko-KR" altLang="en-US" smtClean="0"/>
               <a:t>셋째 수준</a:t>
             </a:r>
           </a:p>
           <a:p>
             <a:pPr lvl="3"/>
             <a:r>
-              <a:rPr lang="ko-KR" altLang="en-US"/>
+              <a:rPr lang="ko-KR" altLang="en-US" smtClean="0"/>
               <a:t>넷째 수준</a:t>
             </a:r>
           </a:p>
           <a:p>
             <a:pPr lvl="4"/>
             <a:r>
-              <a:rPr lang="ko-KR" altLang="en-US"/>
+              <a:rPr lang="ko-KR" altLang="en-US" smtClean="0"/>
               <a:t>다섯째 수준</a:t>
             </a:r>
+            <a:endParaRPr lang="ko-KR" altLang="en-US"/>
           </a:p>
         </p:txBody>
       </p:sp>
@@ -3933,18 +3860,7 @@
   <p:clrMapOvr>
     <a:masterClrMapping/>
   </p:clrMapOvr>
-  <mc:AlternateContent xmlns:mc="http://schemas.openxmlformats.org/markup-compatibility/2006">
-    <mc:Choice xmlns:p159="http://schemas.microsoft.com/office/powerpoint/2015/09/main" Requires="p159">
-      <p:transition>
-        <p159:morph option="byChar"/>
-      </p:transition>
-    </mc:Choice>
-    <mc:Fallback>
-      <p:transition>
-        <p:fade/>
-      </p:transition>
-    </mc:Fallback>
-  </mc:AlternateContent>
+  <p:transition spd="med"/>
 </p:sldLayout>
 </file>
 
@@ -3981,9 +3897,10 @@
           <a:lstStyle/>
           <a:p>
             <a:r>
-              <a:rPr lang="ko-KR" altLang="en-US"/>
+              <a:rPr lang="ko-KR" altLang="en-US" smtClean="0"/>
               <a:t>마스터 제목 스타일 편집</a:t>
             </a:r>
+            <a:endParaRPr lang="ko-KR" altLang="en-US"/>
           </a:p>
         </p:txBody>
       </p:sp>
@@ -3997,18 +3914,7 @@
   <p:clrMapOvr>
     <a:masterClrMapping/>
   </p:clrMapOvr>
-  <mc:AlternateContent xmlns:mc="http://schemas.openxmlformats.org/markup-compatibility/2006">
-    <mc:Choice xmlns:p159="http://schemas.microsoft.com/office/powerpoint/2015/09/main" Requires="p159">
-      <p:transition>
-        <p159:morph option="byChar"/>
-      </p:transition>
-    </mc:Choice>
-    <mc:Fallback>
-      <p:transition>
-        <p:fade/>
-      </p:transition>
-    </mc:Fallback>
-  </mc:AlternateContent>
+  <p:transition spd="med"/>
 </p:sldLayout>
 </file>
 
@@ -4039,18 +3945,7 @@
   <p:clrMapOvr>
     <a:masterClrMapping/>
   </p:clrMapOvr>
-  <mc:AlternateContent xmlns:mc="http://schemas.openxmlformats.org/markup-compatibility/2006">
-    <mc:Choice xmlns:p159="http://schemas.microsoft.com/office/powerpoint/2015/09/main" Requires="p159">
-      <p:transition>
-        <p159:morph option="byChar"/>
-      </p:transition>
-    </mc:Choice>
-    <mc:Fallback>
-      <p:transition>
-        <p:fade/>
-      </p:transition>
-    </mc:Fallback>
-  </mc:AlternateContent>
+  <p:transition spd="med"/>
 </p:sldLayout>
 </file>
 
@@ -4127,9 +4022,10 @@
           </a:lstStyle>
           <a:p>
             <a:r>
-              <a:rPr lang="ko-KR" altLang="en-US"/>
+              <a:rPr lang="ko-KR" altLang="en-US" smtClean="0"/>
               <a:t>마스터 제목 스타일 편집</a:t>
             </a:r>
+            <a:endParaRPr lang="ko-KR" altLang="en-US"/>
           </a:p>
         </p:txBody>
       </p:sp>
@@ -4186,37 +4082,38 @@
           <a:p>
             <a:pPr lvl="0"/>
             <a:r>
-              <a:rPr lang="ko-KR" altLang="en-US" dirty="0"/>
+              <a:rPr lang="ko-KR" altLang="en-US" dirty="0" smtClean="0"/>
               <a:t>마스터 텍스트 스타일을 편집합니다</a:t>
             </a:r>
           </a:p>
           <a:p>
             <a:pPr lvl="1"/>
             <a:r>
-              <a:rPr lang="ko-KR" altLang="en-US" dirty="0"/>
+              <a:rPr lang="ko-KR" altLang="en-US" dirty="0" smtClean="0"/>
               <a:t>둘째 수준</a:t>
             </a:r>
           </a:p>
           <a:p>
             <a:pPr lvl="2"/>
             <a:r>
-              <a:rPr lang="ko-KR" altLang="en-US" dirty="0"/>
+              <a:rPr lang="ko-KR" altLang="en-US" dirty="0" smtClean="0"/>
               <a:t>셋째 수준</a:t>
             </a:r>
           </a:p>
           <a:p>
             <a:pPr lvl="3"/>
             <a:r>
-              <a:rPr lang="ko-KR" altLang="en-US" dirty="0"/>
+              <a:rPr lang="ko-KR" altLang="en-US" dirty="0" smtClean="0"/>
               <a:t>넷째 수준</a:t>
             </a:r>
           </a:p>
           <a:p>
             <a:pPr lvl="4"/>
             <a:r>
-              <a:rPr lang="ko-KR" altLang="en-US" dirty="0"/>
+              <a:rPr lang="ko-KR" altLang="en-US" dirty="0" smtClean="0"/>
               <a:t>다섯째 수준</a:t>
             </a:r>
+            <a:endParaRPr lang="ko-KR" altLang="en-US" dirty="0"/>
           </a:p>
         </p:txBody>
       </p:sp>
@@ -4230,18 +4127,7 @@
   <p:clrMapOvr>
     <a:masterClrMapping/>
   </p:clrMapOvr>
-  <mc:AlternateContent xmlns:mc="http://schemas.openxmlformats.org/markup-compatibility/2006">
-    <mc:Choice xmlns:p159="http://schemas.microsoft.com/office/powerpoint/2015/09/main" Requires="p159">
-      <p:transition>
-        <p159:morph option="byChar"/>
-      </p:transition>
-    </mc:Choice>
-    <mc:Fallback>
-      <p:transition>
-        <p:fade/>
-      </p:transition>
-    </mc:Fallback>
-  </mc:AlternateContent>
+  <p:transition spd="med"/>
 </p:sldLayout>
 </file>
 
@@ -4287,9 +4173,10 @@
           </a:lstStyle>
           <a:p>
             <a:r>
-              <a:rPr lang="ko-KR" altLang="en-US"/>
+              <a:rPr lang="ko-KR" altLang="en-US" smtClean="0"/>
               <a:t>마스터 제목 스타일 편집</a:t>
             </a:r>
+            <a:endParaRPr lang="ko-KR" altLang="en-US"/>
           </a:p>
         </p:txBody>
       </p:sp>
@@ -4343,37 +4230,38 @@
           <a:p>
             <a:pPr lvl="0"/>
             <a:r>
-              <a:rPr lang="ko-KR" altLang="en-US"/>
+              <a:rPr lang="ko-KR" altLang="en-US" smtClean="0"/>
               <a:t>마스터 텍스트 스타일을 편집합니다</a:t>
             </a:r>
           </a:p>
           <a:p>
             <a:pPr lvl="1"/>
             <a:r>
-              <a:rPr lang="ko-KR" altLang="en-US"/>
+              <a:rPr lang="ko-KR" altLang="en-US" smtClean="0"/>
               <a:t>둘째 수준</a:t>
             </a:r>
           </a:p>
           <a:p>
             <a:pPr lvl="2"/>
             <a:r>
-              <a:rPr lang="ko-KR" altLang="en-US"/>
+              <a:rPr lang="ko-KR" altLang="en-US" smtClean="0"/>
               <a:t>셋째 수준</a:t>
             </a:r>
           </a:p>
           <a:p>
             <a:pPr lvl="3"/>
             <a:r>
-              <a:rPr lang="ko-KR" altLang="en-US"/>
+              <a:rPr lang="ko-KR" altLang="en-US" smtClean="0"/>
               <a:t>넷째 수준</a:t>
             </a:r>
           </a:p>
           <a:p>
             <a:pPr lvl="4"/>
             <a:r>
-              <a:rPr lang="ko-KR" altLang="en-US"/>
+              <a:rPr lang="ko-KR" altLang="en-US" smtClean="0"/>
               <a:t>다섯째 수준</a:t>
             </a:r>
+            <a:endParaRPr lang="ko-KR" altLang="en-US"/>
           </a:p>
         </p:txBody>
       </p:sp>
@@ -4436,7 +4324,7 @@
           <a:p>
             <a:pPr lvl="0"/>
             <a:r>
-              <a:rPr lang="ko-KR" altLang="en-US"/>
+              <a:rPr lang="ko-KR" altLang="en-US" smtClean="0"/>
               <a:t>마스터 텍스트 스타일을 편집합니다</a:t>
             </a:r>
           </a:p>
@@ -4452,18 +4340,7 @@
   <p:clrMapOvr>
     <a:masterClrMapping/>
   </p:clrMapOvr>
-  <mc:AlternateContent xmlns:mc="http://schemas.openxmlformats.org/markup-compatibility/2006">
-    <mc:Choice xmlns:p159="http://schemas.microsoft.com/office/powerpoint/2015/09/main" Requires="p159">
-      <p:transition>
-        <p159:morph option="byChar"/>
-      </p:transition>
-    </mc:Choice>
-    <mc:Fallback>
-      <p:transition>
-        <p:fade/>
-      </p:transition>
-    </mc:Fallback>
-  </mc:AlternateContent>
+  <p:transition spd="med"/>
 </p:sldLayout>
 </file>
 
@@ -4509,9 +4386,10 @@
           </a:lstStyle>
           <a:p>
             <a:r>
-              <a:rPr lang="ko-KR" altLang="en-US"/>
+              <a:rPr lang="ko-KR" altLang="en-US" smtClean="0"/>
               <a:t>마스터 제목 스타일 편집</a:t>
             </a:r>
+            <a:endParaRPr lang="ko-KR" altLang="en-US"/>
           </a:p>
         </p:txBody>
       </p:sp>
@@ -4573,7 +4451,7 @@
           </a:lstStyle>
           <a:p>
             <a:pPr lvl="0"/>
-            <a:endParaRPr lang="ko-KR" altLang="en-US" noProof="0"/>
+            <a:endParaRPr lang="ko-KR" altLang="en-US" noProof="0" smtClean="0"/>
           </a:p>
         </p:txBody>
       </p:sp>
@@ -4636,7 +4514,7 @@
           <a:p>
             <a:pPr lvl="0"/>
             <a:r>
-              <a:rPr lang="ko-KR" altLang="en-US"/>
+              <a:rPr lang="ko-KR" altLang="en-US" smtClean="0"/>
               <a:t>마스터 텍스트 스타일을 편집합니다</a:t>
             </a:r>
           </a:p>
@@ -4652,18 +4530,7 @@
   <p:clrMapOvr>
     <a:masterClrMapping/>
   </p:clrMapOvr>
-  <mc:AlternateContent xmlns:mc="http://schemas.openxmlformats.org/markup-compatibility/2006">
-    <mc:Choice xmlns:p159="http://schemas.microsoft.com/office/powerpoint/2015/09/main" Requires="p159">
-      <p:transition>
-        <p159:morph option="byChar"/>
-      </p:transition>
-    </mc:Choice>
-    <mc:Fallback>
-      <p:transition>
-        <p:fade/>
-      </p:transition>
-    </mc:Fallback>
-  </mc:AlternateContent>
+  <p:transition spd="med"/>
 </p:sldLayout>
 </file>
 
@@ -4700,9 +4567,10 @@
           <a:lstStyle/>
           <a:p>
             <a:r>
-              <a:rPr lang="ko-KR" altLang="en-US"/>
+              <a:rPr lang="ko-KR" altLang="en-US" smtClean="0"/>
               <a:t>마스터 제목 스타일 편집</a:t>
             </a:r>
+            <a:endParaRPr lang="ko-KR" altLang="en-US"/>
           </a:p>
         </p:txBody>
       </p:sp>
@@ -4723,37 +4591,38 @@
           <a:p>
             <a:pPr lvl="0"/>
             <a:r>
-              <a:rPr lang="ko-KR" altLang="en-US"/>
+              <a:rPr lang="ko-KR" altLang="en-US" smtClean="0"/>
               <a:t>마스터 텍스트 스타일을 편집합니다</a:t>
             </a:r>
           </a:p>
           <a:p>
             <a:pPr lvl="1"/>
             <a:r>
-              <a:rPr lang="ko-KR" altLang="en-US"/>
+              <a:rPr lang="ko-KR" altLang="en-US" smtClean="0"/>
               <a:t>둘째 수준</a:t>
             </a:r>
           </a:p>
           <a:p>
             <a:pPr lvl="2"/>
             <a:r>
-              <a:rPr lang="ko-KR" altLang="en-US"/>
+              <a:rPr lang="ko-KR" altLang="en-US" smtClean="0"/>
               <a:t>셋째 수준</a:t>
             </a:r>
           </a:p>
           <a:p>
             <a:pPr lvl="3"/>
             <a:r>
-              <a:rPr lang="ko-KR" altLang="en-US"/>
+              <a:rPr lang="ko-KR" altLang="en-US" smtClean="0"/>
               <a:t>넷째 수준</a:t>
             </a:r>
           </a:p>
           <a:p>
             <a:pPr lvl="4"/>
             <a:r>
-              <a:rPr lang="ko-KR" altLang="en-US"/>
+              <a:rPr lang="ko-KR" altLang="en-US" smtClean="0"/>
               <a:t>다섯째 수준</a:t>
             </a:r>
+            <a:endParaRPr lang="ko-KR" altLang="en-US"/>
           </a:p>
         </p:txBody>
       </p:sp>
@@ -4767,18 +4636,7 @@
   <p:clrMapOvr>
     <a:masterClrMapping/>
   </p:clrMapOvr>
-  <mc:AlternateContent xmlns:mc="http://schemas.openxmlformats.org/markup-compatibility/2006">
-    <mc:Choice xmlns:p159="http://schemas.microsoft.com/office/powerpoint/2015/09/main" Requires="p159">
-      <p:transition>
-        <p159:morph option="byChar"/>
-      </p:transition>
-    </mc:Choice>
-    <mc:Fallback>
-      <p:transition>
-        <p:fade/>
-      </p:transition>
-    </mc:Fallback>
-  </mc:AlternateContent>
+  <p:transition spd="med"/>
 </p:sldLayout>
 </file>
 
@@ -4820,9 +4678,10 @@
           <a:lstStyle/>
           <a:p>
             <a:r>
-              <a:rPr lang="ko-KR" altLang="en-US"/>
+              <a:rPr lang="ko-KR" altLang="en-US" smtClean="0"/>
               <a:t>마스터 제목 스타일 편집</a:t>
             </a:r>
+            <a:endParaRPr lang="ko-KR" altLang="en-US"/>
           </a:p>
         </p:txBody>
       </p:sp>
@@ -4848,37 +4707,38 @@
           <a:p>
             <a:pPr lvl="0"/>
             <a:r>
-              <a:rPr lang="ko-KR" altLang="en-US"/>
+              <a:rPr lang="ko-KR" altLang="en-US" smtClean="0"/>
               <a:t>마스터 텍스트 스타일을 편집합니다</a:t>
             </a:r>
           </a:p>
           <a:p>
             <a:pPr lvl="1"/>
             <a:r>
-              <a:rPr lang="ko-KR" altLang="en-US"/>
+              <a:rPr lang="ko-KR" altLang="en-US" smtClean="0"/>
               <a:t>둘째 수준</a:t>
             </a:r>
           </a:p>
           <a:p>
             <a:pPr lvl="2"/>
             <a:r>
-              <a:rPr lang="ko-KR" altLang="en-US"/>
+              <a:rPr lang="ko-KR" altLang="en-US" smtClean="0"/>
               <a:t>셋째 수준</a:t>
             </a:r>
           </a:p>
           <a:p>
             <a:pPr lvl="3"/>
             <a:r>
-              <a:rPr lang="ko-KR" altLang="en-US"/>
+              <a:rPr lang="ko-KR" altLang="en-US" smtClean="0"/>
               <a:t>넷째 수준</a:t>
             </a:r>
           </a:p>
           <a:p>
             <a:pPr lvl="4"/>
             <a:r>
-              <a:rPr lang="ko-KR" altLang="en-US"/>
+              <a:rPr lang="ko-KR" altLang="en-US" smtClean="0"/>
               <a:t>다섯째 수준</a:t>
             </a:r>
+            <a:endParaRPr lang="ko-KR" altLang="en-US"/>
           </a:p>
         </p:txBody>
       </p:sp>
@@ -4892,18 +4752,7 @@
   <p:clrMapOvr>
     <a:masterClrMapping/>
   </p:clrMapOvr>
-  <mc:AlternateContent xmlns:mc="http://schemas.openxmlformats.org/markup-compatibility/2006">
-    <mc:Choice xmlns:p159="http://schemas.microsoft.com/office/powerpoint/2015/09/main" Requires="p159">
-      <p:transition>
-        <p159:morph option="byChar"/>
-      </p:transition>
-    </mc:Choice>
-    <mc:Fallback>
-      <p:transition>
-        <p:fade/>
-      </p:transition>
-    </mc:Fallback>
-  </mc:AlternateContent>
+  <p:transition spd="med"/>
 </p:sldLayout>
 </file>
 
@@ -4949,9 +4798,10 @@
           </a:lstStyle>
           <a:p>
             <a:r>
-              <a:rPr lang="ko-KR" altLang="en-US"/>
+              <a:rPr lang="ko-KR" altLang="en-US" smtClean="0"/>
               <a:t>마스터 제목 스타일 편집</a:t>
             </a:r>
+            <a:endParaRPr lang="ko-KR" altLang="en-US"/>
           </a:p>
         </p:txBody>
       </p:sp>
@@ -5014,7 +4864,7 @@
           <a:p>
             <a:pPr lvl="0"/>
             <a:r>
-              <a:rPr lang="ko-KR" altLang="en-US"/>
+              <a:rPr lang="ko-KR" altLang="en-US" smtClean="0"/>
               <a:t>마스터 텍스트 스타일을 편집합니다</a:t>
             </a:r>
           </a:p>
@@ -5030,18 +4880,7 @@
   <p:clrMapOvr>
     <a:masterClrMapping/>
   </p:clrMapOvr>
-  <mc:AlternateContent xmlns:mc="http://schemas.openxmlformats.org/markup-compatibility/2006">
-    <mc:Choice xmlns:p159="http://schemas.microsoft.com/office/powerpoint/2015/09/main" Requires="p159">
-      <p:transition>
-        <p159:morph option="byChar"/>
-      </p:transition>
-    </mc:Choice>
-    <mc:Fallback>
-      <p:transition>
-        <p:fade/>
-      </p:transition>
-    </mc:Fallback>
-  </mc:AlternateContent>
+  <p:transition spd="med"/>
 </p:sldLayout>
 </file>
 
@@ -5078,9 +4917,10 @@
           <a:lstStyle/>
           <a:p>
             <a:r>
-              <a:rPr lang="ko-KR" altLang="en-US"/>
+              <a:rPr lang="ko-KR" altLang="en-US" smtClean="0"/>
               <a:t>마스터 제목 스타일 편집</a:t>
             </a:r>
+            <a:endParaRPr lang="ko-KR" altLang="en-US"/>
           </a:p>
         </p:txBody>
       </p:sp>
@@ -5134,37 +4974,38 @@
           <a:p>
             <a:pPr lvl="0"/>
             <a:r>
-              <a:rPr lang="ko-KR" altLang="en-US"/>
+              <a:rPr lang="ko-KR" altLang="en-US" smtClean="0"/>
               <a:t>마스터 텍스트 스타일을 편집합니다</a:t>
             </a:r>
           </a:p>
           <a:p>
             <a:pPr lvl="1"/>
             <a:r>
-              <a:rPr lang="ko-KR" altLang="en-US"/>
+              <a:rPr lang="ko-KR" altLang="en-US" smtClean="0"/>
               <a:t>둘째 수준</a:t>
             </a:r>
           </a:p>
           <a:p>
             <a:pPr lvl="2"/>
             <a:r>
-              <a:rPr lang="ko-KR" altLang="en-US"/>
+              <a:rPr lang="ko-KR" altLang="en-US" smtClean="0"/>
               <a:t>셋째 수준</a:t>
             </a:r>
           </a:p>
           <a:p>
             <a:pPr lvl="3"/>
             <a:r>
-              <a:rPr lang="ko-KR" altLang="en-US"/>
+              <a:rPr lang="ko-KR" altLang="en-US" smtClean="0"/>
               <a:t>넷째 수준</a:t>
             </a:r>
           </a:p>
           <a:p>
             <a:pPr lvl="4"/>
             <a:r>
-              <a:rPr lang="ko-KR" altLang="en-US"/>
+              <a:rPr lang="ko-KR" altLang="en-US" smtClean="0"/>
               <a:t>다섯째 수준</a:t>
             </a:r>
+            <a:endParaRPr lang="ko-KR" altLang="en-US"/>
           </a:p>
         </p:txBody>
       </p:sp>
@@ -5218,37 +5059,38 @@
           <a:p>
             <a:pPr lvl="0"/>
             <a:r>
-              <a:rPr lang="ko-KR" altLang="en-US"/>
+              <a:rPr lang="ko-KR" altLang="en-US" smtClean="0"/>
               <a:t>마스터 텍스트 스타일을 편집합니다</a:t>
             </a:r>
           </a:p>
           <a:p>
             <a:pPr lvl="1"/>
             <a:r>
-              <a:rPr lang="ko-KR" altLang="en-US"/>
+              <a:rPr lang="ko-KR" altLang="en-US" smtClean="0"/>
               <a:t>둘째 수준</a:t>
             </a:r>
           </a:p>
           <a:p>
             <a:pPr lvl="2"/>
             <a:r>
-              <a:rPr lang="ko-KR" altLang="en-US"/>
+              <a:rPr lang="ko-KR" altLang="en-US" smtClean="0"/>
               <a:t>셋째 수준</a:t>
             </a:r>
           </a:p>
           <a:p>
             <a:pPr lvl="3"/>
             <a:r>
-              <a:rPr lang="ko-KR" altLang="en-US"/>
+              <a:rPr lang="ko-KR" altLang="en-US" smtClean="0"/>
               <a:t>넷째 수준</a:t>
             </a:r>
           </a:p>
           <a:p>
             <a:pPr lvl="4"/>
             <a:r>
-              <a:rPr lang="ko-KR" altLang="en-US"/>
+              <a:rPr lang="ko-KR" altLang="en-US" smtClean="0"/>
               <a:t>다섯째 수준</a:t>
             </a:r>
+            <a:endParaRPr lang="ko-KR" altLang="en-US"/>
           </a:p>
         </p:txBody>
       </p:sp>
@@ -5262,18 +5104,7 @@
   <p:clrMapOvr>
     <a:masterClrMapping/>
   </p:clrMapOvr>
-  <mc:AlternateContent xmlns:mc="http://schemas.openxmlformats.org/markup-compatibility/2006">
-    <mc:Choice xmlns:p159="http://schemas.microsoft.com/office/powerpoint/2015/09/main" Requires="p159">
-      <p:transition>
-        <p159:morph option="byChar"/>
-      </p:transition>
-    </mc:Choice>
-    <mc:Fallback>
-      <p:transition>
-        <p:fade/>
-      </p:transition>
-    </mc:Fallback>
-  </mc:AlternateContent>
+  <p:transition spd="med"/>
 </p:sldLayout>
 </file>
 
@@ -5310,9 +5141,10 @@
           <a:lstStyle/>
           <a:p>
             <a:r>
-              <a:rPr lang="ko-KR" altLang="en-US"/>
+              <a:rPr lang="ko-KR" altLang="en-US" smtClean="0"/>
               <a:t>마스터 제목 스타일 편집</a:t>
             </a:r>
+            <a:endParaRPr lang="ko-KR" altLang="en-US"/>
           </a:p>
         </p:txBody>
       </p:sp>
@@ -5326,18 +5158,7 @@
   <p:clrMapOvr>
     <a:masterClrMapping/>
   </p:clrMapOvr>
-  <mc:AlternateContent xmlns:mc="http://schemas.openxmlformats.org/markup-compatibility/2006">
-    <mc:Choice xmlns:p159="http://schemas.microsoft.com/office/powerpoint/2015/09/main" Requires="p159">
-      <p:transition>
-        <p159:morph option="byChar"/>
-      </p:transition>
-    </mc:Choice>
-    <mc:Fallback>
-      <p:transition>
-        <p:fade/>
-      </p:transition>
-    </mc:Fallback>
-  </mc:AlternateContent>
+  <p:transition spd="med"/>
 </p:sldLayout>
 </file>
 
@@ -5368,18 +5189,7 @@
   <p:clrMapOvr>
     <a:masterClrMapping/>
   </p:clrMapOvr>
-  <mc:AlternateContent xmlns:mc="http://schemas.openxmlformats.org/markup-compatibility/2006">
-    <mc:Choice xmlns:p159="http://schemas.microsoft.com/office/powerpoint/2015/09/main" Requires="p159">
-      <p:transition>
-        <p159:morph option="byChar"/>
-      </p:transition>
-    </mc:Choice>
-    <mc:Fallback>
-      <p:transition>
-        <p:fade/>
-      </p:transition>
-    </mc:Fallback>
-  </mc:AlternateContent>
+  <p:transition spd="med"/>
 </p:sldLayout>
 </file>
 
@@ -5425,9 +5235,10 @@
           </a:lstStyle>
           <a:p>
             <a:r>
-              <a:rPr lang="ko-KR" altLang="en-US"/>
+              <a:rPr lang="ko-KR" altLang="en-US" smtClean="0"/>
               <a:t>마스터 제목 스타일 편집</a:t>
             </a:r>
+            <a:endParaRPr lang="ko-KR" altLang="en-US"/>
           </a:p>
         </p:txBody>
       </p:sp>
@@ -5481,37 +5292,38 @@
           <a:p>
             <a:pPr lvl="0"/>
             <a:r>
-              <a:rPr lang="ko-KR" altLang="en-US"/>
+              <a:rPr lang="ko-KR" altLang="en-US" smtClean="0"/>
               <a:t>마스터 텍스트 스타일을 편집합니다</a:t>
             </a:r>
           </a:p>
           <a:p>
             <a:pPr lvl="1"/>
             <a:r>
-              <a:rPr lang="ko-KR" altLang="en-US"/>
+              <a:rPr lang="ko-KR" altLang="en-US" smtClean="0"/>
               <a:t>둘째 수준</a:t>
             </a:r>
           </a:p>
           <a:p>
             <a:pPr lvl="2"/>
             <a:r>
-              <a:rPr lang="ko-KR" altLang="en-US"/>
+              <a:rPr lang="ko-KR" altLang="en-US" smtClean="0"/>
               <a:t>셋째 수준</a:t>
             </a:r>
           </a:p>
           <a:p>
             <a:pPr lvl="3"/>
             <a:r>
-              <a:rPr lang="ko-KR" altLang="en-US"/>
+              <a:rPr lang="ko-KR" altLang="en-US" smtClean="0"/>
               <a:t>넷째 수준</a:t>
             </a:r>
           </a:p>
           <a:p>
             <a:pPr lvl="4"/>
             <a:r>
-              <a:rPr lang="ko-KR" altLang="en-US"/>
+              <a:rPr lang="ko-KR" altLang="en-US" smtClean="0"/>
               <a:t>다섯째 수준</a:t>
             </a:r>
+            <a:endParaRPr lang="ko-KR" altLang="en-US"/>
           </a:p>
         </p:txBody>
       </p:sp>
@@ -5574,7 +5386,7 @@
           <a:p>
             <a:pPr lvl="0"/>
             <a:r>
-              <a:rPr lang="ko-KR" altLang="en-US"/>
+              <a:rPr lang="ko-KR" altLang="en-US" smtClean="0"/>
               <a:t>마스터 텍스트 스타일을 편집합니다</a:t>
             </a:r>
           </a:p>
@@ -5590,18 +5402,7 @@
   <p:clrMapOvr>
     <a:masterClrMapping/>
   </p:clrMapOvr>
-  <mc:AlternateContent xmlns:mc="http://schemas.openxmlformats.org/markup-compatibility/2006">
-    <mc:Choice xmlns:p159="http://schemas.microsoft.com/office/powerpoint/2015/09/main" Requires="p159">
-      <p:transition>
-        <p159:morph option="byChar"/>
-      </p:transition>
-    </mc:Choice>
-    <mc:Fallback>
-      <p:transition>
-        <p:fade/>
-      </p:transition>
-    </mc:Fallback>
-  </mc:AlternateContent>
+  <p:transition spd="med"/>
 </p:sldLayout>
 </file>
 
@@ -5647,9 +5448,10 @@
           </a:lstStyle>
           <a:p>
             <a:r>
-              <a:rPr lang="ko-KR" altLang="en-US"/>
+              <a:rPr lang="ko-KR" altLang="en-US" smtClean="0"/>
               <a:t>마스터 제목 스타일 편집</a:t>
             </a:r>
+            <a:endParaRPr lang="ko-KR" altLang="en-US"/>
           </a:p>
         </p:txBody>
       </p:sp>
@@ -5711,7 +5513,7 @@
           </a:lstStyle>
           <a:p>
             <a:pPr lvl="0"/>
-            <a:endParaRPr lang="ko-KR" altLang="en-US" noProof="0"/>
+            <a:endParaRPr lang="ko-KR" altLang="en-US" noProof="0" smtClean="0"/>
           </a:p>
         </p:txBody>
       </p:sp>
@@ -5774,7 +5576,7 @@
           <a:p>
             <a:pPr lvl="0"/>
             <a:r>
-              <a:rPr lang="ko-KR" altLang="en-US"/>
+              <a:rPr lang="ko-KR" altLang="en-US" smtClean="0"/>
               <a:t>마스터 텍스트 스타일을 편집합니다</a:t>
             </a:r>
           </a:p>
@@ -5790,18 +5592,7 @@
   <p:clrMapOvr>
     <a:masterClrMapping/>
   </p:clrMapOvr>
-  <mc:AlternateContent xmlns:mc="http://schemas.openxmlformats.org/markup-compatibility/2006">
-    <mc:Choice xmlns:p159="http://schemas.microsoft.com/office/powerpoint/2015/09/main" Requires="p159">
-      <p:transition>
-        <p159:morph option="byChar"/>
-      </p:transition>
-    </mc:Choice>
-    <mc:Fallback>
-      <p:transition>
-        <p:fade/>
-      </p:transition>
-    </mc:Fallback>
-  </mc:AlternateContent>
+  <p:transition spd="med"/>
 </p:sldLayout>
 </file>
 
@@ -5843,9 +5634,10 @@
           <a:lstStyle/>
           <a:p>
             <a:r>
-              <a:rPr lang="ko-KR" altLang="en-US"/>
+              <a:rPr lang="ko-KR" altLang="en-US" smtClean="0"/>
               <a:t>마스터 제목 스타일 편집</a:t>
             </a:r>
+            <a:endParaRPr lang="ko-KR" altLang="en-US"/>
           </a:p>
         </p:txBody>
       </p:sp>
@@ -5866,37 +5658,38 @@
           <a:p>
             <a:pPr lvl="0"/>
             <a:r>
-              <a:rPr lang="ko-KR" altLang="en-US"/>
+              <a:rPr lang="ko-KR" altLang="en-US" smtClean="0"/>
               <a:t>마스터 텍스트 스타일을 편집합니다</a:t>
             </a:r>
           </a:p>
           <a:p>
             <a:pPr lvl="1"/>
             <a:r>
-              <a:rPr lang="ko-KR" altLang="en-US"/>
+              <a:rPr lang="ko-KR" altLang="en-US" smtClean="0"/>
               <a:t>둘째 수준</a:t>
             </a:r>
           </a:p>
           <a:p>
             <a:pPr lvl="2"/>
             <a:r>
-              <a:rPr lang="ko-KR" altLang="en-US"/>
+              <a:rPr lang="ko-KR" altLang="en-US" smtClean="0"/>
               <a:t>셋째 수준</a:t>
             </a:r>
           </a:p>
           <a:p>
             <a:pPr lvl="3"/>
             <a:r>
-              <a:rPr lang="ko-KR" altLang="en-US"/>
+              <a:rPr lang="ko-KR" altLang="en-US" smtClean="0"/>
               <a:t>넷째 수준</a:t>
             </a:r>
           </a:p>
           <a:p>
             <a:pPr lvl="4"/>
             <a:r>
-              <a:rPr lang="ko-KR" altLang="en-US"/>
+              <a:rPr lang="ko-KR" altLang="en-US" smtClean="0"/>
               <a:t>다섯째 수준</a:t>
             </a:r>
+            <a:endParaRPr lang="ko-KR" altLang="en-US"/>
           </a:p>
         </p:txBody>
       </p:sp>
@@ -5910,18 +5703,7 @@
   <p:clrMapOvr>
     <a:masterClrMapping/>
   </p:clrMapOvr>
-  <mc:AlternateContent xmlns:mc="http://schemas.openxmlformats.org/markup-compatibility/2006">
-    <mc:Choice xmlns:p159="http://schemas.microsoft.com/office/powerpoint/2015/09/main" Requires="p159">
-      <p:transition>
-        <p159:morph option="byChar"/>
-      </p:transition>
-    </mc:Choice>
-    <mc:Fallback>
-      <p:transition>
-        <p:fade/>
-      </p:transition>
-    </mc:Fallback>
-  </mc:AlternateContent>
+  <p:transition spd="med"/>
 </p:sldLayout>
 </file>
 
@@ -6098,7 +5880,7 @@
             <a:pPr algn="ctr" eaLnBrk="1" latinLnBrk="1" hangingPunct="1">
               <a:defRPr/>
             </a:pPr>
-            <a:endParaRPr lang="ko-KR" altLang="ko-KR" sz="1800">
+            <a:endParaRPr lang="ko-KR" altLang="ko-KR" sz="1800" smtClean="0">
               <a:solidFill>
                 <a:schemeClr val="bg1"/>
               </a:solidFill>
@@ -6158,7 +5940,7 @@
           <a:p>
             <a:pPr lvl="0"/>
             <a:r>
-              <a:rPr lang="ko-KR" altLang="en-US"/>
+              <a:rPr lang="ko-KR" altLang="en-US" smtClean="0"/>
               <a:t>마스터 제목 스타일 편집</a:t>
             </a:r>
           </a:p>
@@ -6216,42 +5998,42 @@
           <a:p>
             <a:pPr lvl="0"/>
             <a:r>
-              <a:rPr lang="en-US" altLang="ko-KR"/>
+              <a:rPr lang="en-US" altLang="ko-KR" smtClean="0"/>
               <a:t>1</a:t>
             </a:r>
-            <a:endParaRPr lang="ko-KR" altLang="en-US"/>
+            <a:endParaRPr lang="ko-KR" altLang="en-US" smtClean="0"/>
           </a:p>
           <a:p>
             <a:pPr lvl="1"/>
             <a:r>
-              <a:rPr lang="en-US" altLang="ko-KR"/>
+              <a:rPr lang="en-US" altLang="ko-KR" smtClean="0"/>
               <a:t>2</a:t>
             </a:r>
-            <a:endParaRPr lang="ko-KR" altLang="en-US"/>
+            <a:endParaRPr lang="ko-KR" altLang="en-US" smtClean="0"/>
           </a:p>
           <a:p>
             <a:pPr lvl="2"/>
             <a:r>
-              <a:rPr lang="en-US" altLang="ko-KR"/>
+              <a:rPr lang="en-US" altLang="ko-KR" smtClean="0"/>
               <a:t>3</a:t>
             </a:r>
-            <a:endParaRPr lang="ko-KR" altLang="en-US"/>
+            <a:endParaRPr lang="ko-KR" altLang="en-US" smtClean="0"/>
           </a:p>
           <a:p>
             <a:pPr lvl="3"/>
             <a:r>
-              <a:rPr lang="en-US" altLang="ko-KR"/>
+              <a:rPr lang="en-US" altLang="ko-KR" smtClean="0"/>
               <a:t>4</a:t>
             </a:r>
-            <a:endParaRPr lang="ko-KR" altLang="en-US"/>
+            <a:endParaRPr lang="ko-KR" altLang="en-US" smtClean="0"/>
           </a:p>
           <a:p>
             <a:pPr lvl="4"/>
             <a:r>
-              <a:rPr lang="en-US" altLang="ko-KR"/>
+              <a:rPr lang="en-US" altLang="ko-KR" smtClean="0"/>
               <a:t>5</a:t>
             </a:r>
-            <a:endParaRPr lang="ko-KR" altLang="en-US"/>
+            <a:endParaRPr lang="ko-KR" altLang="en-US" smtClean="0"/>
           </a:p>
         </p:txBody>
       </p:sp>
@@ -6404,7 +6186,7 @@
               <a:defRPr/>
             </a:pPr>
             <a:r>
-              <a:rPr lang="en-US" altLang="ko-KR" sz="1200">
+              <a:rPr lang="en-US" altLang="ko-KR" sz="1200" smtClean="0">
                 <a:solidFill>
                   <a:schemeClr val="bg1"/>
                 </a:solidFill>
@@ -6413,7 +6195,7 @@
               </a:rPr>
               <a:t>      Advanced Broadcasting &amp; Communications Lab.</a:t>
             </a:r>
-            <a:endParaRPr lang="en-US" altLang="ko-KR" sz="1800">
+            <a:endParaRPr lang="en-US" altLang="ko-KR" sz="1800" smtClean="0">
               <a:solidFill>
                 <a:schemeClr val="bg1"/>
               </a:solidFill>
@@ -6590,7 +6372,7 @@
               </a:pPr>
               <a:t>‹#›</a:t>
             </a:fld>
-            <a:endParaRPr lang="en-US" altLang="ko-KR" sz="1200">
+            <a:endParaRPr lang="en-US" altLang="ko-KR" sz="1200" smtClean="0">
               <a:solidFill>
                 <a:schemeClr val="bg1"/>
               </a:solidFill>
@@ -7083,7 +6865,7 @@
                 <a:defRPr/>
               </a:pPr>
               <a:r>
-                <a:rPr lang="en-US" altLang="ko-KR" sz="1600" i="1">
+                <a:rPr lang="en-US" altLang="ko-KR" sz="1600" i="1" smtClean="0">
                   <a:solidFill>
                     <a:srgbClr val="99CC00"/>
                   </a:solidFill>
@@ -7250,7 +7032,7 @@
                 <a:defRPr/>
               </a:pPr>
               <a:r>
-                <a:rPr lang="en-US" altLang="ko-KR" sz="2200" i="1">
+                <a:rPr lang="en-US" altLang="ko-KR" sz="2200" i="1" smtClean="0">
                   <a:solidFill>
                     <a:schemeClr val="bg1"/>
                   </a:solidFill>
@@ -7417,7 +7199,7 @@
                 <a:defRPr/>
               </a:pPr>
               <a:r>
-                <a:rPr lang="ko-KR" altLang="en-US" sz="900" i="1">
+                <a:rPr lang="ko-KR" altLang="en-US" sz="900" i="1" smtClean="0">
                   <a:solidFill>
                     <a:schemeClr val="bg1"/>
                   </a:solidFill>
@@ -7426,7 +7208,7 @@
                 <a:t>세계로</a:t>
               </a:r>
               <a:r>
-                <a:rPr lang="ko-KR" altLang="en-US" sz="900" i="1">
+                <a:rPr lang="ko-KR" altLang="en-US" sz="900" i="1" smtClean="0">
                   <a:solidFill>
                     <a:schemeClr val="bg2"/>
                   </a:solidFill>
@@ -7435,7 +7217,7 @@
                 <a:t> </a:t>
               </a:r>
               <a:r>
-                <a:rPr lang="ko-KR" altLang="en-US" sz="900" i="1">
+                <a:rPr lang="ko-KR" altLang="en-US" sz="900" i="1" smtClean="0">
                   <a:solidFill>
                     <a:schemeClr val="bg1"/>
                   </a:solidFill>
@@ -7464,18 +7246,14 @@
     <p:sldLayoutId id="2147484488" r:id="rId11"/>
     <p:sldLayoutId id="2147484489" r:id="rId12"/>
   </p:sldLayoutIdLst>
-  <mc:AlternateContent xmlns:mc="http://schemas.openxmlformats.org/markup-compatibility/2006">
-    <mc:Choice xmlns:p159="http://schemas.microsoft.com/office/powerpoint/2015/09/main" Requires="p159">
-      <p:transition>
-        <p159:morph option="byChar"/>
-      </p:transition>
-    </mc:Choice>
-    <mc:Fallback>
-      <p:transition>
-        <p:fade/>
-      </p:transition>
-    </mc:Fallback>
-  </mc:AlternateContent>
+  <p:transition spd="med"/>
+  <p:timing>
+    <p:tnLst>
+      <p:par>
+        <p:cTn id="1" dur="indefinite" restart="never" nodeType="tmRoot"/>
+      </p:par>
+    </p:tnLst>
+  </p:timing>
   <p:txStyles>
     <p:titleStyle>
       <a:lvl1pPr algn="r" rtl="0" eaLnBrk="0" fontAlgn="base" latinLnBrk="1" hangingPunct="0">
@@ -8043,14 +7821,14 @@
               <a:defRPr/>
             </a:pPr>
             <a:r>
-              <a:rPr lang="en-US" altLang="ko-KR" sz="1200">
+              <a:rPr lang="en-US" altLang="ko-KR" sz="1200" smtClean="0">
                 <a:solidFill>
                   <a:schemeClr val="bg1"/>
                 </a:solidFill>
               </a:rPr>
               <a:t>Broadcasting &amp; Communication Systems Lab.</a:t>
             </a:r>
-            <a:endParaRPr lang="en-US" altLang="ko-KR" sz="1800">
+            <a:endParaRPr lang="en-US" altLang="ko-KR" sz="1800" smtClean="0">
               <a:solidFill>
                 <a:schemeClr val="bg1"/>
               </a:solidFill>
@@ -8225,7 +8003,7 @@
               </a:pPr>
               <a:t>‹#›</a:t>
             </a:fld>
-            <a:endParaRPr lang="en-US" altLang="ko-KR" sz="1200">
+            <a:endParaRPr lang="en-US" altLang="ko-KR" sz="1200" smtClean="0">
               <a:solidFill>
                 <a:schemeClr val="bg1"/>
               </a:solidFill>
@@ -8467,7 +8245,7 @@
             <a:pPr algn="r" eaLnBrk="1" latinLnBrk="1" hangingPunct="1">
               <a:defRPr/>
             </a:pPr>
-            <a:endParaRPr lang="ko-KR" altLang="ko-KR" sz="1000">
+            <a:endParaRPr lang="ko-KR" altLang="ko-KR" sz="1000" smtClean="0">
               <a:solidFill>
                 <a:schemeClr val="bg1"/>
               </a:solidFill>
@@ -8796,42 +8574,42 @@
           <a:p>
             <a:pPr lvl="0"/>
             <a:r>
-              <a:rPr lang="ko-KR" altLang="en-US"/>
+              <a:rPr lang="ko-KR" altLang="en-US" smtClean="0"/>
               <a:t>마스터 텍스트 스타일을 편집합니다</a:t>
             </a:r>
           </a:p>
           <a:p>
             <a:pPr lvl="1"/>
             <a:r>
-              <a:rPr lang="ko-KR" altLang="en-US"/>
+              <a:rPr lang="ko-KR" altLang="en-US" smtClean="0"/>
               <a:t>둘째 수준</a:t>
             </a:r>
           </a:p>
           <a:p>
             <a:pPr lvl="2"/>
             <a:r>
-              <a:rPr lang="ko-KR" altLang="en-US"/>
+              <a:rPr lang="ko-KR" altLang="en-US" smtClean="0"/>
               <a:t>셋째 수준</a:t>
             </a:r>
           </a:p>
           <a:p>
             <a:pPr lvl="3"/>
             <a:r>
-              <a:rPr lang="ko-KR" altLang="en-US"/>
+              <a:rPr lang="ko-KR" altLang="en-US" smtClean="0"/>
               <a:t>넷째 수준</a:t>
             </a:r>
           </a:p>
           <a:p>
             <a:pPr lvl="4"/>
             <a:r>
-              <a:rPr lang="ko-KR" altLang="en-US"/>
+              <a:rPr lang="ko-KR" altLang="en-US" smtClean="0"/>
               <a:t>다섯째 수준</a:t>
             </a:r>
             <a:r>
-              <a:rPr lang="en-US" altLang="ko-KR"/>
+              <a:rPr lang="en-US" altLang="ko-KR" smtClean="0"/>
               <a:t>z</a:t>
             </a:r>
-            <a:endParaRPr lang="ko-KR" altLang="en-US"/>
+            <a:endParaRPr lang="ko-KR" altLang="en-US" smtClean="0"/>
           </a:p>
         </p:txBody>
       </p:sp>
@@ -8887,7 +8665,7 @@
           <a:p>
             <a:pPr lvl="0"/>
             <a:r>
-              <a:rPr lang="en-US" altLang="ko-KR"/>
+              <a:rPr lang="en-US" altLang="ko-KR" smtClean="0"/>
               <a:t>Contents</a:t>
             </a:r>
           </a:p>
@@ -9055,7 +8833,7 @@
               <a:defRPr/>
             </a:pPr>
             <a:r>
-              <a:rPr lang="ko-KR" altLang="en-US" sz="2000" i="0">
+              <a:rPr lang="ko-KR" altLang="en-US" sz="2000" i="0" smtClean="0">
                 <a:solidFill>
                   <a:schemeClr val="bg1"/>
                 </a:solidFill>
@@ -9064,6 +8842,13 @@
               </a:rPr>
               <a:t>마스터 제목 스타일 편집</a:t>
             </a:r>
+            <a:endParaRPr lang="ko-KR" altLang="en-US" sz="2000" i="0">
+              <a:solidFill>
+                <a:schemeClr val="bg1"/>
+              </a:solidFill>
+              <a:latin typeface="Arial Black" pitchFamily="34" charset="0"/>
+              <a:ea typeface="HY견고딕" pitchFamily="18" charset="-127"/>
+            </a:endParaRPr>
           </a:p>
         </p:txBody>
       </p:sp>
@@ -9239,7 +9024,7 @@
                 <a:defRPr/>
               </a:pPr>
               <a:r>
-                <a:rPr lang="en-US" altLang="ko-KR" sz="1600" i="1">
+                <a:rPr lang="en-US" altLang="ko-KR" sz="1600" i="1" smtClean="0">
                   <a:solidFill>
                     <a:srgbClr val="99CC00"/>
                   </a:solidFill>
@@ -9406,7 +9191,7 @@
                 <a:defRPr/>
               </a:pPr>
               <a:r>
-                <a:rPr lang="en-US" altLang="ko-KR" sz="2200" i="1">
+                <a:rPr lang="en-US" altLang="ko-KR" sz="2200" i="1" smtClean="0">
                   <a:solidFill>
                     <a:schemeClr val="bg1"/>
                   </a:solidFill>
@@ -9573,7 +9358,7 @@
                 <a:defRPr/>
               </a:pPr>
               <a:r>
-                <a:rPr lang="ko-KR" altLang="en-US" sz="900" i="1">
+                <a:rPr lang="ko-KR" altLang="en-US" sz="900" i="1" smtClean="0">
                   <a:solidFill>
                     <a:schemeClr val="bg1"/>
                   </a:solidFill>
@@ -9582,7 +9367,7 @@
                 <a:t>세계로</a:t>
               </a:r>
               <a:r>
-                <a:rPr lang="ko-KR" altLang="en-US" sz="900" i="1">
+                <a:rPr lang="ko-KR" altLang="en-US" sz="900" i="1" smtClean="0">
                   <a:solidFill>
                     <a:schemeClr val="bg2"/>
                   </a:solidFill>
@@ -9591,7 +9376,7 @@
                 <a:t> </a:t>
               </a:r>
               <a:r>
-                <a:rPr lang="ko-KR" altLang="en-US" sz="900" i="1">
+                <a:rPr lang="ko-KR" altLang="en-US" sz="900" i="1" smtClean="0">
                   <a:solidFill>
                     <a:schemeClr val="bg1"/>
                   </a:solidFill>
@@ -9619,18 +9404,14 @@
     <p:sldLayoutId id="2147484499" r:id="rId10"/>
     <p:sldLayoutId id="2147484500" r:id="rId11"/>
   </p:sldLayoutIdLst>
-  <mc:AlternateContent xmlns:mc="http://schemas.openxmlformats.org/markup-compatibility/2006">
-    <mc:Choice xmlns:p159="http://schemas.microsoft.com/office/powerpoint/2015/09/main" Requires="p159">
-      <p:transition>
-        <p159:morph option="byChar"/>
-      </p:transition>
-    </mc:Choice>
-    <mc:Fallback>
-      <p:transition>
-        <p:fade/>
-      </p:transition>
-    </mc:Fallback>
-  </mc:AlternateContent>
+  <p:transition spd="med"/>
+  <p:timing>
+    <p:tnLst>
+      <p:par>
+        <p:cTn id="1" dur="indefinite" restart="never" nodeType="tmRoot"/>
+      </p:par>
+    </p:tnLst>
+  </p:timing>
   <p:txStyles>
     <p:titleStyle>
       <a:lvl1pPr algn="l" rtl="0" eaLnBrk="0" fontAlgn="base" latinLnBrk="1" hangingPunct="0">
@@ -10097,7 +9878,7 @@
                 <a:latin typeface="Arial Black" panose="020B0A04020102020204" pitchFamily="34" charset="0"/>
               </a:rPr>
             </a:br>
-            <a:endParaRPr lang="en-US" altLang="ko-KR" sz="2800" b="0" dirty="0">
+            <a:endParaRPr lang="en-US" altLang="ko-KR" sz="2800" b="0" dirty="0" smtClean="0">
               <a:solidFill>
                 <a:srgbClr val="A50021"/>
               </a:solidFill>
@@ -10134,8 +9915,16 @@
               </a:lnSpc>
             </a:pPr>
             <a:r>
-              <a:rPr lang="en-US" altLang="ko-KR" dirty="0"/>
-              <a:t>Chapter 3 – </a:t>
+              <a:rPr lang="en-US" altLang="ko-KR" dirty="0" smtClean="0"/>
+              <a:t>Chapter </a:t>
+            </a:r>
+            <a:r>
+              <a:rPr lang="en-US" altLang="ko-KR" dirty="0" smtClean="0"/>
+              <a:t>3 </a:t>
+            </a:r>
+            <a:r>
+              <a:rPr lang="en-US" altLang="ko-KR" dirty="0" smtClean="0"/>
+              <a:t>– </a:t>
             </a:r>
           </a:p>
           <a:p>
@@ -10145,9 +9934,10 @@
               </a:lnSpc>
             </a:pPr>
             <a:r>
-              <a:rPr lang="en-US" altLang="ko-KR" dirty="0"/>
+              <a:rPr lang="en-US" altLang="ko-KR" dirty="0" smtClean="0"/>
               <a:t>Circuit Analysis Techniques</a:t>
             </a:r>
+            <a:endParaRPr lang="en-US" altLang="ko-KR" dirty="0" smtClean="0"/>
           </a:p>
           <a:p>
             <a:pPr eaLnBrk="1" hangingPunct="1">
@@ -10155,7 +9945,7 @@
                 <a:spcPct val="90000"/>
               </a:lnSpc>
             </a:pPr>
-            <a:endParaRPr lang="en-US" altLang="ko-KR" sz="3200" dirty="0"/>
+            <a:endParaRPr lang="en-US" altLang="ko-KR" sz="3200" dirty="0" smtClean="0"/>
           </a:p>
         </p:txBody>
       </p:sp>
@@ -10164,18 +9954,14 @@
   <p:clrMapOvr>
     <a:masterClrMapping/>
   </p:clrMapOvr>
-  <mc:AlternateContent xmlns:mc="http://schemas.openxmlformats.org/markup-compatibility/2006">
-    <mc:Choice xmlns:p159="http://schemas.microsoft.com/office/powerpoint/2015/09/main" Requires="p159">
-      <p:transition>
-        <p159:morph option="byChar"/>
-      </p:transition>
-    </mc:Choice>
-    <mc:Fallback>
-      <p:transition>
-        <p:fade/>
-      </p:transition>
-    </mc:Fallback>
-  </mc:AlternateContent>
+  <p:transition spd="med"/>
+  <p:timing>
+    <p:tnLst>
+      <p:par>
+        <p:cTn id="1" dur="indefinite" restart="never" nodeType="tmRoot"/>
+      </p:par>
+    </p:tnLst>
+  </p:timing>
 </p:sld>
 </file>
 
@@ -10216,11 +10002,14 @@
               <a:defRPr/>
             </a:pPr>
             <a:r>
-              <a:rPr lang="en-US" altLang="ko-KR" dirty="0">
+              <a:rPr lang="en-US" altLang="ko-KR" dirty="0" smtClean="0">
                 <a:ea typeface="굴림" pitchFamily="50" charset="-127"/>
               </a:rPr>
               <a:t>Supernode</a:t>
             </a:r>
+            <a:endParaRPr lang="en-US" altLang="ko-KR" dirty="0">
+              <a:ea typeface="굴림" pitchFamily="50" charset="-127"/>
+            </a:endParaRPr>
           </a:p>
         </p:txBody>
       </p:sp>
@@ -10249,7 +10038,7 @@
               <a:defRPr/>
             </a:pPr>
             <a:r>
-              <a:rPr lang="en-US" altLang="ko-KR" sz="2800" b="1" dirty="0">
+              <a:rPr lang="en-US" altLang="ko-KR" sz="2800" b="1" dirty="0" smtClean="0">
                 <a:solidFill>
                   <a:srgbClr val="0070C0"/>
                 </a:solidFill>
@@ -10257,6 +10046,12 @@
               </a:rPr>
               <a:t>Supernode</a:t>
             </a:r>
+            <a:endParaRPr lang="en-US" altLang="ko-KR" sz="2800" b="1" dirty="0" smtClean="0">
+              <a:solidFill>
+                <a:srgbClr val="0070C0"/>
+              </a:solidFill>
+              <a:ea typeface="굴림" pitchFamily="50" charset="-127"/>
+            </a:endParaRPr>
           </a:p>
           <a:p>
             <a:pPr eaLnBrk="1" hangingPunct="1">
@@ -10296,7 +10091,19 @@
               <a:rPr lang="en-US" altLang="ko-KR" b="1" dirty="0">
                 <a:ea typeface="굴림" panose="020B0600000101010101" pitchFamily="50" charset="-127"/>
               </a:rPr>
-              <a:t>(dependent or independent) connected between two non-reference nodes and any elements connected in parallel with it.</a:t>
+              <a:t>(</a:t>
+            </a:r>
+            <a:r>
+              <a:rPr lang="en-US" altLang="ko-KR" b="1" dirty="0" smtClean="0">
+                <a:ea typeface="굴림" panose="020B0600000101010101" pitchFamily="50" charset="-127"/>
+              </a:rPr>
+              <a:t>dependent </a:t>
+            </a:r>
+            <a:r>
+              <a:rPr lang="en-US" altLang="ko-KR" b="1" dirty="0">
+                <a:ea typeface="굴림" panose="020B0600000101010101" pitchFamily="50" charset="-127"/>
+              </a:rPr>
+              <a:t>or independent) connected between two non-reference nodes and any elements connected in parallel with it.</a:t>
             </a:r>
           </a:p>
           <a:p>
@@ -10362,7 +10169,7 @@
             <a:pPr>
               <a:defRPr/>
             </a:pPr>
-            <a:endParaRPr lang="en-US" altLang="ko-KR" sz="2000" b="1" dirty="0">
+            <a:endParaRPr lang="en-US" altLang="ko-KR" sz="2000" b="1" dirty="0" smtClean="0">
               <a:ea typeface="굴림" pitchFamily="50" charset="-127"/>
             </a:endParaRPr>
           </a:p>
@@ -10370,7 +10177,7 @@
             <a:pPr>
               <a:defRPr/>
             </a:pPr>
-            <a:endParaRPr lang="en-US" altLang="ko-KR" sz="2000" b="1" dirty="0">
+            <a:endParaRPr lang="en-US" altLang="ko-KR" sz="2000" b="1" dirty="0" smtClean="0">
               <a:ea typeface="굴림" pitchFamily="50" charset="-127"/>
             </a:endParaRPr>
           </a:p>
@@ -10386,18 +10193,14 @@
   <p:clrMapOvr>
     <a:masterClrMapping/>
   </p:clrMapOvr>
-  <mc:AlternateContent xmlns:mc="http://schemas.openxmlformats.org/markup-compatibility/2006">
-    <mc:Choice xmlns:p159="http://schemas.microsoft.com/office/powerpoint/2015/09/main" Requires="p159">
-      <p:transition>
-        <p159:morph option="byChar"/>
-      </p:transition>
-    </mc:Choice>
-    <mc:Fallback>
-      <p:transition>
-        <p:fade/>
-      </p:transition>
-    </mc:Fallback>
-  </mc:AlternateContent>
+  <p:transition spd="med"/>
+  <p:timing>
+    <p:tnLst>
+      <p:par>
+        <p:cTn id="1" dur="indefinite" restart="never" nodeType="tmRoot"/>
+      </p:par>
+    </p:tnLst>
+  </p:timing>
 </p:sld>
 </file>
 
@@ -10435,12 +10238,12 @@
           <a:p>
             <a:pPr eaLnBrk="1" hangingPunct="1"/>
             <a:r>
-              <a:rPr lang="en-US" altLang="ko-KR" sz="1800" dirty="0">
+              <a:rPr lang="en-US" altLang="ko-KR" sz="1800" dirty="0" smtClean="0">
                 <a:ea typeface="굴림" panose="020B0600000101010101" pitchFamily="50" charset="-127"/>
               </a:rPr>
               <a:t>Supernode</a:t>
             </a:r>
-            <a:endParaRPr lang="ko-KR" altLang="en-US" sz="1800" dirty="0"/>
+            <a:endParaRPr lang="ko-KR" altLang="en-US" sz="1800" dirty="0" smtClean="0"/>
           </a:p>
         </p:txBody>
       </p:sp>
@@ -10479,9 +10282,18 @@
                 </a:solidFill>
                 <a:ea typeface="굴림" panose="020B0600000101010101" pitchFamily="50" charset="-127"/>
               </a:rPr>
-              <a:t>Analysis with a Supernode</a:t>
-            </a:r>
-            <a:endParaRPr lang="en-US" altLang="ko-KR" sz="3200" b="1" dirty="0">
+              <a:t>Analysis with a </a:t>
+            </a:r>
+            <a:r>
+              <a:rPr lang="en-US" altLang="ko-KR" sz="3200" b="1" dirty="0" smtClean="0">
+                <a:solidFill>
+                  <a:srgbClr val="0070C0"/>
+                </a:solidFill>
+                <a:ea typeface="굴림" panose="020B0600000101010101" pitchFamily="50" charset="-127"/>
+              </a:rPr>
+              <a:t>Supernode</a:t>
+            </a:r>
+            <a:endParaRPr lang="en-US" altLang="ko-KR" sz="3200" b="1" dirty="0" smtClean="0">
               <a:solidFill>
                 <a:srgbClr val="0070C0"/>
               </a:solidFill>
@@ -10515,10 +10327,16 @@
               <a:defRPr/>
             </a:pPr>
             <a:r>
+              <a:rPr lang="en-US" altLang="ko-KR" b="1" dirty="0" smtClean="0">
+                <a:ea typeface="굴림" panose="020B0600000101010101" pitchFamily="50" charset="-127"/>
+              </a:rPr>
+              <a:t>Note </a:t>
+            </a:r>
+            <a:r>
               <a:rPr lang="en-US" altLang="ko-KR" b="1" dirty="0">
                 <a:ea typeface="굴림" panose="020B0600000101010101" pitchFamily="50" charset="-127"/>
               </a:rPr>
-              <a:t>Note the following properties of a supernode:</a:t>
+              <a:t>the following properties of a supernode:</a:t>
             </a:r>
           </a:p>
           <a:p>
@@ -10533,27 +10351,51 @@
               </a:rPr>
               <a:t>The voltage source inside the supernode </a:t>
             </a:r>
+            <a:r>
+              <a:rPr lang="en-US" altLang="ko-KR" sz="1800" b="1" dirty="0" smtClean="0">
+                <a:ea typeface="굴림" panose="020B0600000101010101" pitchFamily="50" charset="-127"/>
+              </a:rPr>
+              <a:t/>
+            </a:r>
             <a:br>
+              <a:rPr lang="en-US" altLang="ko-KR" sz="1800" b="1" dirty="0" smtClean="0">
+                <a:ea typeface="굴림" panose="020B0600000101010101" pitchFamily="50" charset="-127"/>
+              </a:rPr>
+            </a:br>
+            <a:r>
+              <a:rPr lang="en-US" altLang="ko-KR" sz="1800" b="1" dirty="0" smtClean="0">
+                <a:ea typeface="굴림" panose="020B0600000101010101" pitchFamily="50" charset="-127"/>
+              </a:rPr>
+              <a:t>provides </a:t>
+            </a:r>
+            <a:r>
               <a:rPr lang="en-US" altLang="ko-KR" sz="1800" b="1" dirty="0">
                 <a:ea typeface="굴림" panose="020B0600000101010101" pitchFamily="50" charset="-127"/>
               </a:rPr>
+              <a:t>a constraint equation needed </a:t>
+            </a:r>
+            <a:r>
+              <a:rPr lang="en-US" altLang="ko-KR" sz="1800" b="1" dirty="0" smtClean="0">
+                <a:ea typeface="굴림" panose="020B0600000101010101" pitchFamily="50" charset="-127"/>
+              </a:rPr>
+              <a:t/>
+            </a:r>
+            <a:br>
+              <a:rPr lang="en-US" altLang="ko-KR" sz="1800" b="1" dirty="0" smtClean="0">
+                <a:ea typeface="굴림" panose="020B0600000101010101" pitchFamily="50" charset="-127"/>
+              </a:rPr>
             </a:br>
             <a:r>
+              <a:rPr lang="en-US" altLang="ko-KR" sz="1800" b="1" dirty="0" smtClean="0">
+                <a:ea typeface="굴림" panose="020B0600000101010101" pitchFamily="50" charset="-127"/>
+              </a:rPr>
+              <a:t>to </a:t>
+            </a:r>
+            <a:r>
               <a:rPr lang="en-US" altLang="ko-KR" sz="1800" b="1" dirty="0">
                 <a:ea typeface="굴림" panose="020B0600000101010101" pitchFamily="50" charset="-127"/>
               </a:rPr>
-              <a:t>provides a constraint equation needed </a:t>
-            </a:r>
-            <a:br>
-              <a:rPr lang="en-US" altLang="ko-KR" sz="1800" b="1" dirty="0">
-                <a:ea typeface="굴림" panose="020B0600000101010101" pitchFamily="50" charset="-127"/>
-              </a:rPr>
-            </a:br>
-            <a:r>
-              <a:rPr lang="en-US" altLang="ko-KR" sz="1800" b="1" dirty="0">
-                <a:ea typeface="굴림" panose="020B0600000101010101" pitchFamily="50" charset="-127"/>
-              </a:rPr>
-              <a:t>to solve for the node voltages</a:t>
+              <a:t>solve for the node voltages</a:t>
             </a:r>
           </a:p>
           <a:p>
@@ -10581,16 +10423,28 @@
               </a:rPr>
               <a:t>A supernode requires the application </a:t>
             </a:r>
+            <a:r>
+              <a:rPr lang="en-US" altLang="ko-KR" sz="1800" b="1" dirty="0" smtClean="0">
+                <a:ea typeface="굴림" panose="020B0600000101010101" pitchFamily="50" charset="-127"/>
+              </a:rPr>
+              <a:t/>
+            </a:r>
             <a:br>
+              <a:rPr lang="en-US" altLang="ko-KR" sz="1800" b="1" dirty="0" smtClean="0">
+                <a:ea typeface="굴림" panose="020B0600000101010101" pitchFamily="50" charset="-127"/>
+              </a:rPr>
+            </a:br>
+            <a:r>
+              <a:rPr lang="en-US" altLang="ko-KR" sz="1800" b="1" dirty="0" smtClean="0">
+                <a:ea typeface="굴림" panose="020B0600000101010101" pitchFamily="50" charset="-127"/>
+              </a:rPr>
+              <a:t>of </a:t>
+            </a:r>
+            <a:r>
               <a:rPr lang="en-US" altLang="ko-KR" sz="1800" b="1" dirty="0">
                 <a:ea typeface="굴림" panose="020B0600000101010101" pitchFamily="50" charset="-127"/>
               </a:rPr>
-            </a:br>
-            <a:r>
-              <a:rPr lang="en-US" altLang="ko-KR" sz="1800" b="1" dirty="0">
-                <a:ea typeface="굴림" panose="020B0600000101010101" pitchFamily="50" charset="-127"/>
-              </a:rPr>
-              <a:t>of both KCL and KVL</a:t>
+              <a:t>both KCL and KVL</a:t>
             </a:r>
           </a:p>
         </p:txBody>
@@ -10659,18 +10513,14 @@
   <p:clrMapOvr>
     <a:masterClrMapping/>
   </p:clrMapOvr>
-  <mc:AlternateContent xmlns:mc="http://schemas.openxmlformats.org/markup-compatibility/2006">
-    <mc:Choice xmlns:p159="http://schemas.microsoft.com/office/powerpoint/2015/09/main" Requires="p159">
-      <p:transition>
-        <p159:morph option="byChar"/>
-      </p:transition>
-    </mc:Choice>
-    <mc:Fallback>
-      <p:transition>
-        <p:fade/>
-      </p:transition>
-    </mc:Fallback>
-  </mc:AlternateContent>
+  <p:transition spd="med"/>
+  <p:timing>
+    <p:tnLst>
+      <p:par>
+        <p:cTn id="1" dur="indefinite" restart="never" nodeType="tmRoot"/>
+      </p:par>
+    </p:tnLst>
+  </p:timing>
 </p:sld>
 </file>
 
@@ -10711,11 +10561,14 @@
               <a:defRPr/>
             </a:pPr>
             <a:r>
-              <a:rPr lang="en-US" altLang="ko-KR" dirty="0">
+              <a:rPr lang="en-US" altLang="ko-KR" dirty="0" smtClean="0">
                 <a:ea typeface="굴림" pitchFamily="50" charset="-127"/>
               </a:rPr>
               <a:t>Supernode</a:t>
             </a:r>
+            <a:endParaRPr lang="en-US" altLang="ko-KR" dirty="0">
+              <a:ea typeface="굴림" pitchFamily="50" charset="-127"/>
+            </a:endParaRPr>
           </a:p>
         </p:txBody>
       </p:sp>
@@ -10744,7 +10597,7 @@
               <a:defRPr/>
             </a:pPr>
             <a:r>
-              <a:rPr lang="en-US" altLang="ko-KR" sz="2800" b="1" dirty="0">
+              <a:rPr lang="en-US" altLang="ko-KR" sz="2800" b="1" dirty="0" smtClean="0">
                 <a:solidFill>
                   <a:srgbClr val="0070C0"/>
                 </a:solidFill>
@@ -10752,13 +10605,19 @@
               </a:rPr>
               <a:t>Example 3.4</a:t>
             </a:r>
+            <a:endParaRPr lang="en-US" altLang="ko-KR" sz="2800" b="1" dirty="0" smtClean="0">
+              <a:solidFill>
+                <a:srgbClr val="0070C0"/>
+              </a:solidFill>
+              <a:ea typeface="굴림" pitchFamily="50" charset="-127"/>
+            </a:endParaRPr>
           </a:p>
           <a:p>
             <a:pPr>
               <a:defRPr/>
             </a:pPr>
             <a:r>
-              <a:rPr lang="en-US" altLang="ko-KR" sz="2000" b="1" dirty="0">
+              <a:rPr lang="en-US" altLang="ko-KR" sz="2000" b="1" dirty="0" smtClean="0">
                 <a:ea typeface="굴림" pitchFamily="50" charset="-127"/>
               </a:rPr>
               <a:t>Consider the network below.</a:t>
@@ -10768,7 +10627,7 @@
             <a:pPr>
               <a:defRPr/>
             </a:pPr>
-            <a:endParaRPr lang="en-US" altLang="ko-KR" sz="2000" b="1" dirty="0">
+            <a:endParaRPr lang="en-US" altLang="ko-KR" sz="2000" b="1" dirty="0" smtClean="0">
               <a:ea typeface="굴림" pitchFamily="50" charset="-127"/>
             </a:endParaRPr>
           </a:p>
@@ -10814,18 +10673,14 @@
   <p:clrMapOvr>
     <a:masterClrMapping/>
   </p:clrMapOvr>
-  <mc:AlternateContent xmlns:mc="http://schemas.openxmlformats.org/markup-compatibility/2006">
-    <mc:Choice xmlns:p159="http://schemas.microsoft.com/office/powerpoint/2015/09/main" Requires="p159">
-      <p:transition>
-        <p159:morph option="byChar"/>
-      </p:transition>
-    </mc:Choice>
-    <mc:Fallback>
-      <p:transition>
-        <p:fade/>
-      </p:transition>
-    </mc:Fallback>
-  </mc:AlternateContent>
+  <p:transition spd="med"/>
+  <p:timing>
+    <p:tnLst>
+      <p:par>
+        <p:cTn id="1" dur="indefinite" restart="never" nodeType="tmRoot"/>
+      </p:par>
+    </p:tnLst>
+  </p:timing>
 </p:sld>
 </file>
 
@@ -10866,11 +10721,14 @@
               <a:defRPr/>
             </a:pPr>
             <a:r>
-              <a:rPr lang="en-US" altLang="ko-KR" dirty="0">
+              <a:rPr lang="en-US" altLang="ko-KR" dirty="0" smtClean="0">
                 <a:ea typeface="굴림" pitchFamily="50" charset="-127"/>
               </a:rPr>
               <a:t>Supernode</a:t>
             </a:r>
+            <a:endParaRPr lang="en-US" altLang="ko-KR" dirty="0">
+              <a:ea typeface="굴림" pitchFamily="50" charset="-127"/>
+            </a:endParaRPr>
           </a:p>
         </p:txBody>
       </p:sp>
@@ -10899,7 +10757,7 @@
               <a:defRPr/>
             </a:pPr>
             <a:r>
-              <a:rPr lang="en-US" altLang="ko-KR" sz="2800" b="1" dirty="0">
+              <a:rPr lang="en-US" altLang="ko-KR" sz="2800" b="1" dirty="0" smtClean="0">
                 <a:solidFill>
                   <a:srgbClr val="0070C0"/>
                 </a:solidFill>
@@ -10907,13 +10765,19 @@
               </a:rPr>
               <a:t>Example 3.5</a:t>
             </a:r>
+            <a:endParaRPr lang="en-US" altLang="ko-KR" sz="2800" b="1" dirty="0" smtClean="0">
+              <a:solidFill>
+                <a:srgbClr val="0070C0"/>
+              </a:solidFill>
+              <a:ea typeface="굴림" pitchFamily="50" charset="-127"/>
+            </a:endParaRPr>
           </a:p>
           <a:p>
             <a:pPr>
               <a:defRPr/>
             </a:pPr>
             <a:r>
-              <a:rPr lang="en-US" altLang="ko-KR" sz="2000" b="1" dirty="0">
+              <a:rPr lang="en-US" altLang="ko-KR" sz="2000" b="1" dirty="0" smtClean="0">
                 <a:ea typeface="굴림" pitchFamily="50" charset="-127"/>
               </a:rPr>
               <a:t>Consider the network below.</a:t>
@@ -10923,7 +10787,7 @@
             <a:pPr>
               <a:defRPr/>
             </a:pPr>
-            <a:endParaRPr lang="en-US" altLang="ko-KR" sz="2000" b="1" dirty="0">
+            <a:endParaRPr lang="en-US" altLang="ko-KR" sz="2000" b="1" dirty="0" smtClean="0">
               <a:ea typeface="굴림" pitchFamily="50" charset="-127"/>
             </a:endParaRPr>
           </a:p>
@@ -10969,18 +10833,14 @@
   <p:clrMapOvr>
     <a:masterClrMapping/>
   </p:clrMapOvr>
-  <mc:AlternateContent xmlns:mc="http://schemas.openxmlformats.org/markup-compatibility/2006">
-    <mc:Choice xmlns:p159="http://schemas.microsoft.com/office/powerpoint/2015/09/main" Requires="p159">
-      <p:transition>
-        <p159:morph option="byChar"/>
-      </p:transition>
-    </mc:Choice>
-    <mc:Fallback>
-      <p:transition>
-        <p:fade/>
-      </p:transition>
-    </mc:Fallback>
-  </mc:AlternateContent>
+  <p:transition spd="med"/>
+  <p:timing>
+    <p:tnLst>
+      <p:par>
+        <p:cTn id="1" dur="indefinite" restart="never" nodeType="tmRoot"/>
+      </p:par>
+    </p:tnLst>
+  </p:timing>
 </p:sld>
 </file>
 
@@ -11018,12 +10878,18 @@
           <a:p>
             <a:pPr eaLnBrk="1" hangingPunct="1"/>
             <a:r>
-              <a:rPr lang="en-US" altLang="ko-KR" sz="1800" dirty="0">
-                <a:ea typeface="굴림" panose="020B0600000101010101" pitchFamily="50" charset="-127"/>
-              </a:rPr>
-              <a:t>Loop/Mesh Analysis </a:t>
-            </a:r>
-            <a:endParaRPr lang="ko-KR" altLang="en-US" sz="1800" dirty="0"/>
+              <a:rPr lang="en-US" altLang="ko-KR" sz="1800" dirty="0" smtClean="0">
+                <a:ea typeface="굴림" panose="020B0600000101010101" pitchFamily="50" charset="-127"/>
+              </a:rPr>
+              <a:t>Loop/Mesh </a:t>
+            </a:r>
+            <a:r>
+              <a:rPr lang="en-US" altLang="ko-KR" sz="1800" dirty="0" smtClean="0">
+                <a:ea typeface="굴림" panose="020B0600000101010101" pitchFamily="50" charset="-127"/>
+              </a:rPr>
+              <a:t>Analysis </a:t>
+            </a:r>
+            <a:endParaRPr lang="ko-KR" altLang="en-US" sz="1800" dirty="0" smtClean="0"/>
           </a:p>
         </p:txBody>
       </p:sp>
@@ -11053,13 +10919,22 @@
               <a:defRPr/>
             </a:pPr>
             <a:r>
-              <a:rPr lang="en-US" altLang="ko-KR" sz="3200" b="1" dirty="0">
+              <a:rPr lang="en-US" altLang="ko-KR" sz="3200" b="1" dirty="0" smtClean="0">
                 <a:solidFill>
                   <a:srgbClr val="0070C0"/>
                 </a:solidFill>
                 <a:ea typeface="굴림" charset="-127"/>
               </a:rPr>
-              <a:t>Loop/Mesh Analysis </a:t>
+              <a:t>Loop/Mesh </a:t>
+            </a:r>
+            <a:r>
+              <a:rPr lang="en-US" altLang="ko-KR" sz="3200" b="1" dirty="0" smtClean="0">
+                <a:solidFill>
+                  <a:srgbClr val="0070C0"/>
+                </a:solidFill>
+                <a:ea typeface="굴림" charset="-127"/>
+              </a:rPr>
+              <a:t>Analysis </a:t>
             </a:r>
           </a:p>
           <a:p>
@@ -11073,13 +10948,22 @@
               <a:t>Another general procedure for analyzing circuits is to use the </a:t>
             </a:r>
             <a:r>
+              <a:rPr lang="en-US" altLang="ko-KR" b="1" i="1" dirty="0" smtClean="0">
+                <a:solidFill>
+                  <a:srgbClr val="A50021"/>
+                </a:solidFill>
+                <a:ea typeface="굴림" panose="020B0600000101010101" pitchFamily="50" charset="-127"/>
+              </a:rPr>
+              <a:t>loop/mesh </a:t>
+            </a:r>
+            <a:r>
               <a:rPr lang="en-US" altLang="ko-KR" b="1" i="1" dirty="0">
                 <a:solidFill>
                   <a:srgbClr val="A50021"/>
                 </a:solidFill>
                 <a:ea typeface="굴림" panose="020B0600000101010101" pitchFamily="50" charset="-127"/>
               </a:rPr>
-              <a:t>loop/mesh curre</a:t>
+              <a:t>curre</a:t>
             </a:r>
             <a:r>
               <a:rPr lang="en-US" altLang="ko-KR" b="1" dirty="0">
@@ -11290,18 +11174,14 @@
   <p:clrMapOvr>
     <a:masterClrMapping/>
   </p:clrMapOvr>
-  <mc:AlternateContent xmlns:mc="http://schemas.openxmlformats.org/markup-compatibility/2006">
-    <mc:Choice xmlns:p159="http://schemas.microsoft.com/office/powerpoint/2015/09/main" Requires="p159">
-      <p:transition>
-        <p159:morph option="byChar"/>
-      </p:transition>
-    </mc:Choice>
-    <mc:Fallback>
-      <p:transition>
-        <p:fade/>
-      </p:transition>
-    </mc:Fallback>
-  </mc:AlternateContent>
+  <p:transition spd="med"/>
+  <p:timing>
+    <p:tnLst>
+      <p:par>
+        <p:cTn id="1" dur="indefinite" restart="never" nodeType="tmRoot"/>
+      </p:par>
+    </p:tnLst>
+  </p:timing>
 </p:sld>
 </file>
 
@@ -11339,12 +11219,18 @@
           <a:p>
             <a:pPr eaLnBrk="1" hangingPunct="1"/>
             <a:r>
-              <a:rPr lang="en-US" altLang="ko-KR" sz="1800" dirty="0">
-                <a:ea typeface="굴림" panose="020B0600000101010101" pitchFamily="50" charset="-127"/>
-              </a:rPr>
-              <a:t>Loop/Mesh Analysis </a:t>
-            </a:r>
-            <a:endParaRPr lang="ko-KR" altLang="en-US" sz="1800" dirty="0"/>
+              <a:rPr lang="en-US" altLang="ko-KR" sz="1800" dirty="0" smtClean="0">
+                <a:ea typeface="굴림" panose="020B0600000101010101" pitchFamily="50" charset="-127"/>
+              </a:rPr>
+              <a:t>Loop/Mesh </a:t>
+            </a:r>
+            <a:r>
+              <a:rPr lang="en-US" altLang="ko-KR" sz="1800" dirty="0" smtClean="0">
+                <a:ea typeface="굴림" panose="020B0600000101010101" pitchFamily="50" charset="-127"/>
+              </a:rPr>
+              <a:t>Analysis </a:t>
+            </a:r>
+            <a:endParaRPr lang="ko-KR" altLang="en-US" sz="1800" dirty="0" smtClean="0"/>
           </a:p>
         </p:txBody>
       </p:sp>
@@ -11373,7 +11259,7 @@
               <a:buNone/>
             </a:pPr>
             <a:r>
-              <a:rPr lang="en-US" altLang="ko-KR" sz="3200" b="1" dirty="0">
+              <a:rPr lang="en-US" altLang="ko-KR" sz="3200" b="1" dirty="0" smtClean="0">
                 <a:solidFill>
                   <a:srgbClr val="0070C0"/>
                 </a:solidFill>
@@ -11387,7 +11273,7 @@
               <a:buFontTx/>
               <a:buNone/>
             </a:pPr>
-            <a:endParaRPr lang="en-US" altLang="ko-KR" sz="1800" b="1" dirty="0">
+            <a:endParaRPr lang="en-US" altLang="ko-KR" sz="1800" b="1" dirty="0" smtClean="0">
               <a:ea typeface="굴림" panose="020B0600000101010101" pitchFamily="50" charset="-127"/>
             </a:endParaRPr>
           </a:p>
@@ -12146,18 +12032,14 @@
   <p:clrMapOvr>
     <a:masterClrMapping/>
   </p:clrMapOvr>
-  <mc:AlternateContent xmlns:mc="http://schemas.openxmlformats.org/markup-compatibility/2006">
-    <mc:Choice xmlns:p159="http://schemas.microsoft.com/office/powerpoint/2015/09/main" Requires="p159">
-      <p:transition>
-        <p159:morph option="byChar"/>
-      </p:transition>
-    </mc:Choice>
-    <mc:Fallback>
-      <p:transition>
-        <p:fade/>
-      </p:transition>
-    </mc:Fallback>
-  </mc:AlternateContent>
+  <p:transition spd="med"/>
+  <p:timing>
+    <p:tnLst>
+      <p:par>
+        <p:cTn id="1" dur="indefinite" restart="never" nodeType="tmRoot"/>
+      </p:par>
+    </p:tnLst>
+  </p:timing>
 </p:sld>
 </file>
 
@@ -12195,12 +12077,18 @@
           <a:p>
             <a:pPr eaLnBrk="1" hangingPunct="1"/>
             <a:r>
-              <a:rPr lang="en-US" altLang="ko-KR" sz="1800" dirty="0">
-                <a:ea typeface="굴림" panose="020B0600000101010101" pitchFamily="50" charset="-127"/>
-              </a:rPr>
-              <a:t>Mesh Analysis </a:t>
-            </a:r>
-            <a:endParaRPr lang="ko-KR" altLang="en-US" sz="1800" dirty="0"/>
+              <a:rPr lang="en-US" altLang="ko-KR" sz="1800" dirty="0" smtClean="0">
+                <a:ea typeface="굴림" panose="020B0600000101010101" pitchFamily="50" charset="-127"/>
+              </a:rPr>
+              <a:t>Mesh </a:t>
+            </a:r>
+            <a:r>
+              <a:rPr lang="en-US" altLang="ko-KR" sz="1800" dirty="0" smtClean="0">
+                <a:ea typeface="굴림" panose="020B0600000101010101" pitchFamily="50" charset="-127"/>
+              </a:rPr>
+              <a:t>Analysis </a:t>
+            </a:r>
+            <a:endParaRPr lang="ko-KR" altLang="en-US" sz="1800" dirty="0" smtClean="0"/>
           </a:p>
         </p:txBody>
       </p:sp>
@@ -12230,7 +12118,7 @@
               <a:defRPr/>
             </a:pPr>
             <a:r>
-              <a:rPr lang="en-US" altLang="ko-KR" sz="3200" b="1" dirty="0">
+              <a:rPr lang="en-US" altLang="ko-KR" sz="3200" b="1" dirty="0" smtClean="0">
                 <a:solidFill>
                   <a:srgbClr val="0070C0"/>
                 </a:solidFill>
@@ -12244,10 +12132,22 @@
               <a:defRPr/>
             </a:pPr>
             <a:r>
+              <a:rPr lang="en-US" altLang="ko-KR" sz="2800" b="1" dirty="0" smtClean="0">
+                <a:ea typeface="굴림" panose="020B0600000101010101" pitchFamily="50" charset="-127"/>
+              </a:rPr>
+              <a:t>Mesh </a:t>
+            </a:r>
+            <a:r>
               <a:rPr lang="en-US" altLang="ko-KR" sz="2800" b="1" dirty="0">
                 <a:ea typeface="굴림" panose="020B0600000101010101" pitchFamily="50" charset="-127"/>
               </a:rPr>
-              <a:t>Mesh analysis follows these steps:</a:t>
+              <a:t>analysis follows these steps</a:t>
+            </a:r>
+            <a:r>
+              <a:rPr lang="en-US" altLang="ko-KR" sz="2800" b="1" dirty="0" smtClean="0">
+                <a:ea typeface="굴림" panose="020B0600000101010101" pitchFamily="50" charset="-127"/>
+              </a:rPr>
+              <a:t>:</a:t>
             </a:r>
           </a:p>
           <a:p>
@@ -12369,23 +12269,26 @@
               <a:defRPr/>
             </a:pPr>
             <a:r>
-              <a:rPr lang="en-US" altLang="ko-KR" sz="2400" b="1" dirty="0">
+              <a:rPr lang="en-US" altLang="ko-KR" sz="2400" b="1" dirty="0" smtClean="0">
                 <a:ea typeface="굴림" panose="020B0600000101010101" pitchFamily="50" charset="-127"/>
               </a:rPr>
               <a:t>Solve the resulting </a:t>
             </a:r>
             <a:r>
-              <a:rPr lang="en-US" altLang="ko-KR" sz="2400" b="1" i="1" dirty="0">
+              <a:rPr lang="en-US" altLang="ko-KR" sz="2400" b="1" i="1" dirty="0" smtClean="0">
                 <a:ea typeface="굴림" panose="020B0600000101010101" pitchFamily="50" charset="-127"/>
               </a:rPr>
               <a:t>n</a:t>
             </a:r>
             <a:r>
-              <a:rPr lang="en-US" altLang="ko-KR" sz="2400" b="1" dirty="0">
+              <a:rPr lang="en-US" altLang="ko-KR" sz="2400" b="1" dirty="0" smtClean="0">
                 <a:ea typeface="굴림" panose="020B0600000101010101" pitchFamily="50" charset="-127"/>
               </a:rPr>
               <a:t> simultaneous equations to get the mesh currents</a:t>
             </a:r>
+            <a:endParaRPr lang="en-US" altLang="ko-KR" sz="2400" b="1" dirty="0">
+              <a:ea typeface="굴림" panose="020B0600000101010101" pitchFamily="50" charset="-127"/>
+            </a:endParaRPr>
           </a:p>
         </p:txBody>
       </p:sp>
@@ -12399,18 +12302,14 @@
   <p:clrMapOvr>
     <a:masterClrMapping/>
   </p:clrMapOvr>
-  <mc:AlternateContent xmlns:mc="http://schemas.openxmlformats.org/markup-compatibility/2006">
-    <mc:Choice xmlns:p159="http://schemas.microsoft.com/office/powerpoint/2015/09/main" Requires="p159">
-      <p:transition>
-        <p159:morph option="byChar"/>
-      </p:transition>
-    </mc:Choice>
-    <mc:Fallback>
-      <p:transition>
-        <p:fade/>
-      </p:transition>
-    </mc:Fallback>
-  </mc:AlternateContent>
+  <p:transition spd="med"/>
+  <p:timing>
+    <p:tnLst>
+      <p:par>
+        <p:cTn id="1" dur="indefinite" restart="never" nodeType="tmRoot"/>
+      </p:par>
+    </p:tnLst>
+  </p:timing>
 </p:sld>
 </file>
 
@@ -12448,12 +12347,18 @@
           <a:p>
             <a:pPr eaLnBrk="1" hangingPunct="1"/>
             <a:r>
-              <a:rPr lang="en-US" altLang="ko-KR" sz="1800" dirty="0">
-                <a:ea typeface="굴림" panose="020B0600000101010101" pitchFamily="50" charset="-127"/>
-              </a:rPr>
-              <a:t>Loop/Mesh Analysis </a:t>
-            </a:r>
-            <a:endParaRPr lang="ko-KR" altLang="en-US" sz="1800" dirty="0"/>
+              <a:rPr lang="en-US" altLang="ko-KR" sz="1800" dirty="0" smtClean="0">
+                <a:ea typeface="굴림" panose="020B0600000101010101" pitchFamily="50" charset="-127"/>
+              </a:rPr>
+              <a:t>Loop/Mesh </a:t>
+            </a:r>
+            <a:r>
+              <a:rPr lang="en-US" altLang="ko-KR" sz="1800" dirty="0" smtClean="0">
+                <a:ea typeface="굴림" panose="020B0600000101010101" pitchFamily="50" charset="-127"/>
+              </a:rPr>
+              <a:t>Analysis </a:t>
+            </a:r>
+            <a:endParaRPr lang="ko-KR" altLang="en-US" sz="1800" dirty="0" smtClean="0"/>
           </a:p>
         </p:txBody>
       </p:sp>
@@ -12483,7 +12388,7 @@
               <a:defRPr/>
             </a:pPr>
             <a:r>
-              <a:rPr lang="en-US" altLang="ko-KR" sz="3200" b="1" dirty="0">
+              <a:rPr lang="en-US" altLang="ko-KR" sz="3200" b="1" dirty="0" smtClean="0">
                 <a:solidFill>
                   <a:srgbClr val="0070C0"/>
                 </a:solidFill>
@@ -12497,10 +12402,16 @@
               <a:defRPr/>
             </a:pPr>
             <a:r>
+              <a:rPr lang="en-US" altLang="ko-KR" b="1" dirty="0" smtClean="0">
+                <a:ea typeface="굴림" panose="020B0600000101010101" pitchFamily="50" charset="-127"/>
+              </a:rPr>
+              <a:t>The </a:t>
+            </a:r>
+            <a:r>
               <a:rPr lang="en-US" altLang="ko-KR" b="1" dirty="0">
                 <a:ea typeface="굴림" panose="020B0600000101010101" pitchFamily="50" charset="-127"/>
               </a:rPr>
-              <a:t>The above circuit has two paths that are meshes (</a:t>
+              <a:t>above circuit has two paths that are meshes (</a:t>
             </a:r>
             <a:r>
               <a:rPr lang="en-US" altLang="ko-KR" b="1" dirty="0" err="1">
@@ -12625,7 +12536,7 @@
           <p:nvPr/>
         </p:nvPicPr>
         <p:blipFill>
-          <a:blip r:embed="rId2">
+          <a:blip r:embed="rId3">
             <a:extLst>
               <a:ext uri="{28A0092B-C50C-407E-A947-70E740481C1C}">
                 <a14:useLocalDpi xmlns:a14="http://schemas.microsoft.com/office/drawing/2010/main" val="0"/>
@@ -12692,12 +12603,12 @@
           <a:graphicData uri="http://schemas.openxmlformats.org/presentationml/2006/ole">
             <mc:AlternateContent xmlns:mc="http://schemas.openxmlformats.org/markup-compatibility/2006">
               <mc:Choice xmlns:v="urn:schemas-microsoft-com:vml" Requires="v">
-                <p:oleObj name="Equation" r:id="rId3" imgW="3162300" imgH="685800" progId="Equation.3">
+                <p:oleObj spid="_x0000_s10245" name="Equation" r:id="rId4" imgW="3162300" imgH="685800" progId="Equation.3">
                   <p:embed/>
                 </p:oleObj>
               </mc:Choice>
               <mc:Fallback>
-                <p:oleObj name="Equation" r:id="rId3" imgW="3162300" imgH="685800" progId="Equation.3">
+                <p:oleObj name="Equation" r:id="rId4" imgW="3162300" imgH="685800" progId="Equation.3">
                   <p:embed/>
                   <p:pic>
                     <p:nvPicPr>
@@ -12708,7 +12619,7 @@
                       <p:nvPr/>
                     </p:nvPicPr>
                     <p:blipFill>
-                      <a:blip r:embed="rId4">
+                      <a:blip r:embed="rId5">
                         <a:extLst>
                           <a:ext uri="{28A0092B-C50C-407E-A947-70E740481C1C}">
                             <a14:useLocalDpi xmlns:a14="http://schemas.microsoft.com/office/drawing/2010/main" val="0"/>
@@ -12751,18 +12662,14 @@
   <p:clrMapOvr>
     <a:masterClrMapping/>
   </p:clrMapOvr>
-  <mc:AlternateContent xmlns:mc="http://schemas.openxmlformats.org/markup-compatibility/2006">
-    <mc:Choice xmlns:p159="http://schemas.microsoft.com/office/powerpoint/2015/09/main" Requires="p159">
-      <p:transition>
-        <p159:morph option="byChar"/>
-      </p:transition>
-    </mc:Choice>
-    <mc:Fallback>
-      <p:transition>
-        <p:fade/>
-      </p:transition>
-    </mc:Fallback>
-  </mc:AlternateContent>
+  <p:transition spd="med"/>
+  <p:timing>
+    <p:tnLst>
+      <p:par>
+        <p:cTn id="1" dur="indefinite" restart="never" nodeType="tmRoot"/>
+      </p:par>
+    </p:tnLst>
+  </p:timing>
 </p:sld>
 </file>
 
@@ -12800,12 +12707,18 @@
           <a:p>
             <a:pPr eaLnBrk="1" hangingPunct="1"/>
             <a:r>
-              <a:rPr lang="en-US" altLang="ko-KR" sz="1800" dirty="0">
-                <a:ea typeface="굴림" panose="020B0600000101010101" pitchFamily="50" charset="-127"/>
-              </a:rPr>
-              <a:t>Loop/Mesh Analysis </a:t>
-            </a:r>
-            <a:endParaRPr lang="ko-KR" altLang="en-US" sz="1800" dirty="0"/>
+              <a:rPr lang="en-US" altLang="ko-KR" sz="1800" dirty="0" smtClean="0">
+                <a:ea typeface="굴림" panose="020B0600000101010101" pitchFamily="50" charset="-127"/>
+              </a:rPr>
+              <a:t>Loop/Mesh </a:t>
+            </a:r>
+            <a:r>
+              <a:rPr lang="en-US" altLang="ko-KR" sz="1800" dirty="0" smtClean="0">
+                <a:ea typeface="굴림" panose="020B0600000101010101" pitchFamily="50" charset="-127"/>
+              </a:rPr>
+              <a:t>Analysis </a:t>
+            </a:r>
+            <a:endParaRPr lang="ko-KR" altLang="en-US" sz="1800" dirty="0" smtClean="0"/>
           </a:p>
         </p:txBody>
       </p:sp>
@@ -12835,7 +12748,7 @@
               <a:defRPr/>
             </a:pPr>
             <a:r>
-              <a:rPr lang="en-US" altLang="ko-KR" sz="3200" b="1" dirty="0">
+              <a:rPr lang="en-US" altLang="ko-KR" sz="3200" b="1" dirty="0" smtClean="0">
                 <a:solidFill>
                   <a:srgbClr val="0070C0"/>
                 </a:solidFill>
@@ -12843,6 +12756,25 @@
               </a:rPr>
               <a:t>Example 3.6</a:t>
             </a:r>
+            <a:endParaRPr lang="en-US" altLang="ko-KR" sz="3200" b="1" dirty="0" smtClean="0">
+              <a:solidFill>
+                <a:srgbClr val="0070C0"/>
+              </a:solidFill>
+              <a:ea typeface="굴림" charset="-127"/>
+            </a:endParaRPr>
+          </a:p>
+          <a:p>
+            <a:pPr marL="0" indent="0">
+              <a:lnSpc>
+                <a:spcPct val="150000"/>
+              </a:lnSpc>
+              <a:buFontTx/>
+              <a:buNone/>
+              <a:defRPr/>
+            </a:pPr>
+            <a:endParaRPr lang="en-US" altLang="ko-KR" sz="2800" dirty="0" smtClean="0">
+              <a:ea typeface="굴림" panose="020B0600000101010101" pitchFamily="50" charset="-127"/>
+            </a:endParaRPr>
           </a:p>
           <a:p>
             <a:pPr marL="0" indent="0">
@@ -12858,23 +12790,10 @@
             </a:endParaRPr>
           </a:p>
           <a:p>
-            <a:pPr marL="0" indent="0">
-              <a:lnSpc>
-                <a:spcPct val="150000"/>
-              </a:lnSpc>
-              <a:buFontTx/>
-              <a:buNone/>
-              <a:defRPr/>
-            </a:pPr>
-            <a:endParaRPr lang="en-US" altLang="ko-KR" sz="2800" dirty="0">
-              <a:ea typeface="굴림" panose="020B0600000101010101" pitchFamily="50" charset="-127"/>
-            </a:endParaRPr>
-          </a:p>
-          <a:p>
             <a:pPr>
               <a:defRPr/>
             </a:pPr>
-            <a:endParaRPr lang="en-US" altLang="ko-KR" sz="2000" dirty="0">
+            <a:endParaRPr lang="en-US" altLang="ko-KR" sz="2000" dirty="0" smtClean="0">
               <a:ea typeface="굴림" panose="020B0600000101010101" pitchFamily="50" charset="-127"/>
             </a:endParaRPr>
           </a:p>
@@ -12920,18 +12839,14 @@
   <p:clrMapOvr>
     <a:masterClrMapping/>
   </p:clrMapOvr>
-  <mc:AlternateContent xmlns:mc="http://schemas.openxmlformats.org/markup-compatibility/2006">
-    <mc:Choice xmlns:p159="http://schemas.microsoft.com/office/powerpoint/2015/09/main" Requires="p159">
-      <p:transition>
-        <p159:morph option="byChar"/>
-      </p:transition>
-    </mc:Choice>
-    <mc:Fallback>
-      <p:transition>
-        <p:fade/>
-      </p:transition>
-    </mc:Fallback>
-  </mc:AlternateContent>
+  <p:transition spd="med"/>
+  <p:timing>
+    <p:tnLst>
+      <p:par>
+        <p:cTn id="1" dur="indefinite" restart="never" nodeType="tmRoot"/>
+      </p:par>
+    </p:tnLst>
+  </p:timing>
 </p:sld>
 </file>
 
@@ -12969,17 +12884,29 @@
           <a:p>
             <a:pPr eaLnBrk="1" hangingPunct="1"/>
             <a:r>
-              <a:rPr lang="en-US" altLang="ko-KR" sz="1800" dirty="0">
-                <a:ea typeface="굴림" panose="020B0600000101010101" pitchFamily="50" charset="-127"/>
-              </a:rPr>
-              <a:t>Mesh Analysis with Current Source</a:t>
-            </a:r>
-            <a:endParaRPr lang="ko-KR" altLang="en-US" sz="1800" dirty="0"/>
+              <a:rPr lang="en-US" altLang="ko-KR" sz="1800" dirty="0" smtClean="0">
+                <a:ea typeface="굴림" panose="020B0600000101010101" pitchFamily="50" charset="-127"/>
+              </a:rPr>
+              <a:t>Mesh </a:t>
+            </a:r>
+            <a:r>
+              <a:rPr lang="en-US" altLang="ko-KR" sz="1800" dirty="0" smtClean="0">
+                <a:ea typeface="굴림" panose="020B0600000101010101" pitchFamily="50" charset="-127"/>
+              </a:rPr>
+              <a:t>Analysis </a:t>
+            </a:r>
+            <a:r>
+              <a:rPr lang="en-US" altLang="ko-KR" sz="1800" dirty="0" smtClean="0">
+                <a:ea typeface="굴림" panose="020B0600000101010101" pitchFamily="50" charset="-127"/>
+              </a:rPr>
+              <a:t>with Current Source</a:t>
+            </a:r>
+            <a:endParaRPr lang="ko-KR" altLang="en-US" sz="1800" dirty="0" smtClean="0"/>
           </a:p>
         </p:txBody>
       </p:sp>
-      <mc:AlternateContent xmlns:mc="http://schemas.openxmlformats.org/markup-compatibility/2006" xmlns:a14="http://schemas.microsoft.com/office/drawing/2010/main">
-        <mc:Choice Requires="a14">
+      <mc:AlternateContent xmlns:mc="http://schemas.openxmlformats.org/markup-compatibility/2006">
+        <mc:Choice xmlns:a14="http://schemas.microsoft.com/office/drawing/2010/main" Requires="a14">
           <p:sp>
             <p:nvSpPr>
               <p:cNvPr id="28675" name="Rectangle 3"/>
@@ -13006,7 +12933,7 @@
                   <a:defRPr/>
                 </a:pPr>
                 <a:r>
-                  <a:rPr lang="en-US" altLang="ko-KR" sz="3200" b="1" dirty="0">
+                  <a:rPr lang="en-US" altLang="ko-KR" sz="3200" b="1" dirty="0" smtClean="0">
                     <a:solidFill>
                       <a:srgbClr val="0070C0"/>
                     </a:solidFill>
@@ -13014,13 +12941,19 @@
                   </a:rPr>
                   <a:t>Mesh Analysis with Current Source</a:t>
                 </a:r>
+                <a:endParaRPr lang="en-US" altLang="ko-KR" sz="3200" b="1" dirty="0" smtClean="0">
+                  <a:solidFill>
+                    <a:srgbClr val="0070C0"/>
+                  </a:solidFill>
+                  <a:ea typeface="굴림" charset="-127"/>
+                </a:endParaRPr>
               </a:p>
               <a:p>
                 <a:pPr>
                   <a:defRPr/>
                 </a:pPr>
                 <a:r>
-                  <a:rPr lang="en-US" altLang="ko-KR" b="1" dirty="0">
+                  <a:rPr lang="en-US" altLang="ko-KR" b="1" dirty="0" smtClean="0">
                     <a:ea typeface="굴림" panose="020B0600000101010101" pitchFamily="50" charset="-127"/>
                   </a:rPr>
                   <a:t>Consider the circuit shown.</a:t>
@@ -13031,13 +12964,13 @@
                   <a:defRPr/>
                 </a:pPr>
                 <a:r>
-                  <a:rPr lang="en-US" altLang="ko-KR" b="1" dirty="0">
+                  <a:rPr lang="en-US" altLang="ko-KR" b="1" dirty="0" smtClean="0">
                     <a:ea typeface="굴림" panose="020B0600000101010101" pitchFamily="50" charset="-127"/>
                   </a:rPr>
                   <a:t>We know the current </a:t>
                 </a:r>
                 <a:r>
-                  <a:rPr lang="en-US" altLang="ko-KR" b="1" i="1" dirty="0">
+                  <a:rPr lang="en-US" altLang="ko-KR" b="1" i="1" dirty="0" smtClean="0">
                     <a:solidFill>
                       <a:srgbClr val="A50021"/>
                     </a:solidFill>
@@ -13046,7 +12979,7 @@
                   <a:t>I</a:t>
                 </a:r>
                 <a:r>
-                  <a:rPr lang="en-US" altLang="ko-KR" b="1" i="1" baseline="-25000" dirty="0">
+                  <a:rPr lang="en-US" altLang="ko-KR" b="1" i="1" baseline="-25000" dirty="0" smtClean="0">
                     <a:solidFill>
                       <a:srgbClr val="A50021"/>
                     </a:solidFill>
@@ -13055,7 +12988,7 @@
                   <a:t>1</a:t>
                 </a:r>
                 <a:r>
-                  <a:rPr lang="en-US" altLang="ko-KR" b="1" dirty="0">
+                  <a:rPr lang="en-US" altLang="ko-KR" b="1" dirty="0" smtClean="0">
                     <a:ea typeface="굴림" panose="020B0600000101010101" pitchFamily="50" charset="-127"/>
                   </a:rPr>
                   <a:t> already.  </a:t>
@@ -13120,7 +13053,7 @@
             </p:txBody>
           </p:sp>
         </mc:Choice>
-        <mc:Fallback xmlns="">
+        <mc:Fallback>
           <p:sp>
             <p:nvSpPr>
               <p:cNvPr id="28675" name="Rectangle 3"/>
@@ -13198,18 +13131,14 @@
   <p:clrMapOvr>
     <a:masterClrMapping/>
   </p:clrMapOvr>
-  <mc:AlternateContent xmlns:mc="http://schemas.openxmlformats.org/markup-compatibility/2006">
-    <mc:Choice xmlns:p159="http://schemas.microsoft.com/office/powerpoint/2015/09/main" Requires="p159">
-      <p:transition>
-        <p159:morph option="byChar"/>
-      </p:transition>
-    </mc:Choice>
-    <mc:Fallback>
-      <p:transition>
-        <p:fade/>
-      </p:transition>
-    </mc:Fallback>
-  </mc:AlternateContent>
+  <p:transition spd="med"/>
+  <p:timing>
+    <p:tnLst>
+      <p:par>
+        <p:cTn id="1" dur="indefinite" restart="never" nodeType="tmRoot"/>
+      </p:par>
+    </p:tnLst>
+  </p:timing>
 </p:sld>
 </file>
 
@@ -13250,7 +13179,7 @@
               <a:rPr lang="en-US" altLang="ko-KR" sz="2400" dirty="0"/>
               <a:t>Learning Objectives</a:t>
             </a:r>
-            <a:endParaRPr lang="ko-KR" altLang="en-US" sz="2400" dirty="0"/>
+            <a:endParaRPr lang="ko-KR" altLang="en-US" sz="2400" dirty="0" smtClean="0"/>
           </a:p>
         </p:txBody>
       </p:sp>
@@ -13279,13 +13208,22 @@
               <a:defRPr/>
             </a:pPr>
             <a:r>
+              <a:rPr lang="en-US" altLang="ko-KR" sz="2800" b="1" dirty="0" smtClean="0">
+                <a:solidFill>
+                  <a:srgbClr val="0070C0"/>
+                </a:solidFill>
+                <a:ea typeface="Microsoft Sans Serif" panose="020B0604020202020204" pitchFamily="34" charset="0"/>
+              </a:rPr>
+              <a:t>Learning </a:t>
+            </a:r>
+            <a:r>
               <a:rPr lang="en-US" altLang="ko-KR" sz="2800" b="1" dirty="0">
                 <a:solidFill>
                   <a:srgbClr val="0070C0"/>
                 </a:solidFill>
                 <a:ea typeface="Microsoft Sans Serif" panose="020B0604020202020204" pitchFamily="34" charset="0"/>
               </a:rPr>
-              <a:t>Learning Objectives </a:t>
+              <a:t>Objectives </a:t>
             </a:r>
           </a:p>
           <a:p>
@@ -13299,10 +13237,16 @@
               <a:rPr lang="en-US" altLang="ko-KR" b="1" dirty="0">
                 <a:ea typeface="Microsoft Sans Serif" panose="020B0604020202020204" pitchFamily="34" charset="0"/>
               </a:rPr>
-              <a:t>To understand </a:t>
-            </a:r>
-            <a:r>
-              <a:rPr lang="en-US" altLang="ko-KR" b="1" i="1" dirty="0">
+              <a:t>To </a:t>
+            </a:r>
+            <a:r>
+              <a:rPr lang="en-US" altLang="ko-KR" b="1" dirty="0" smtClean="0">
+                <a:ea typeface="Microsoft Sans Serif" panose="020B0604020202020204" pitchFamily="34" charset="0"/>
+              </a:rPr>
+              <a:t>understand </a:t>
+            </a:r>
+            <a:r>
+              <a:rPr lang="en-US" altLang="ko-KR" b="1" i="1" dirty="0" smtClean="0">
                 <a:solidFill>
                   <a:srgbClr val="A50021"/>
                 </a:solidFill>
@@ -13311,7 +13255,7 @@
               <a:t>how to apply Ohm’s law and Kirchhoff’s laws </a:t>
             </a:r>
             <a:r>
-              <a:rPr lang="en-US" altLang="ko-KR" b="1" dirty="0">
+              <a:rPr lang="en-US" altLang="ko-KR" b="1" dirty="0" smtClean="0">
                 <a:ea typeface="Microsoft Sans Serif" panose="020B0604020202020204" pitchFamily="34" charset="0"/>
               </a:rPr>
               <a:t>to analyze circuits</a:t>
@@ -13325,13 +13269,19 @@
               <a:defRPr/>
             </a:pPr>
             <a:r>
-              <a:rPr lang="en-US" altLang="ko-KR" b="1" dirty="0">
+              <a:rPr lang="en-US" altLang="ko-KR" b="1" dirty="0" smtClean="0">
                 <a:ea typeface="Microsoft Sans Serif" panose="020B0604020202020204" pitchFamily="34" charset="0"/>
               </a:rPr>
-              <a:t>To be able to determine voltages and currents anywhere in the network using both </a:t>
-            </a:r>
-            <a:r>
-              <a:rPr lang="en-US" altLang="ko-KR" b="1" i="1" dirty="0">
+              <a:t>To be able to determine voltages and </a:t>
+            </a:r>
+            <a:r>
+              <a:rPr lang="en-US" altLang="ko-KR" b="1" dirty="0" smtClean="0">
+                <a:ea typeface="Microsoft Sans Serif" panose="020B0604020202020204" pitchFamily="34" charset="0"/>
+              </a:rPr>
+              <a:t>currents anywhere in the network using both </a:t>
+            </a:r>
+            <a:r>
+              <a:rPr lang="en-US" altLang="ko-KR" b="1" i="1" dirty="0" smtClean="0">
                 <a:solidFill>
                   <a:srgbClr val="A50021"/>
                 </a:solidFill>
@@ -13348,13 +13298,13 @@
               <a:defRPr/>
             </a:pPr>
             <a:r>
-              <a:rPr lang="en-US" altLang="ko-KR" b="1" dirty="0">
+              <a:rPr lang="en-US" altLang="ko-KR" b="1" dirty="0" smtClean="0">
                 <a:ea typeface="Microsoft Sans Serif" panose="020B0604020202020204" pitchFamily="34" charset="0"/>
               </a:rPr>
               <a:t>To be able to effectively apply both </a:t>
             </a:r>
             <a:r>
-              <a:rPr lang="en-US" altLang="ko-KR" b="1" i="1" dirty="0">
+              <a:rPr lang="en-US" altLang="ko-KR" b="1" i="1" dirty="0" smtClean="0">
                 <a:solidFill>
                   <a:srgbClr val="A50021"/>
                 </a:solidFill>
@@ -13363,13 +13313,13 @@
               <a:t>superposition</a:t>
             </a:r>
             <a:r>
-              <a:rPr lang="en-US" altLang="ko-KR" b="1" dirty="0">
+              <a:rPr lang="en-US" altLang="ko-KR" b="1" dirty="0" smtClean="0">
                 <a:ea typeface="Microsoft Sans Serif" panose="020B0604020202020204" pitchFamily="34" charset="0"/>
               </a:rPr>
               <a:t> and </a:t>
             </a:r>
             <a:r>
-              <a:rPr lang="en-US" altLang="ko-KR" b="1" i="1" dirty="0">
+              <a:rPr lang="en-US" altLang="ko-KR" b="1" i="1" dirty="0" smtClean="0">
                 <a:solidFill>
                   <a:srgbClr val="A50021"/>
                 </a:solidFill>
@@ -13378,7 +13328,7 @@
               <a:t>Thevenin’s theorem</a:t>
             </a:r>
             <a:r>
-              <a:rPr lang="en-US" altLang="ko-KR" b="1" dirty="0">
+              <a:rPr lang="en-US" altLang="ko-KR" b="1" dirty="0" smtClean="0">
                 <a:ea typeface="Microsoft Sans Serif" panose="020B0604020202020204" pitchFamily="34" charset="0"/>
               </a:rPr>
               <a:t> in network analysis</a:t>
@@ -13392,13 +13342,13 @@
               <a:defRPr/>
             </a:pPr>
             <a:r>
-              <a:rPr lang="en-US" altLang="ko-KR" b="1" dirty="0">
+              <a:rPr lang="en-US" altLang="ko-KR" b="1" dirty="0" smtClean="0">
                 <a:ea typeface="Microsoft Sans Serif" panose="020B0604020202020204" pitchFamily="34" charset="0"/>
               </a:rPr>
               <a:t>To understand and apply </a:t>
             </a:r>
             <a:r>
-              <a:rPr lang="en-US" altLang="ko-KR" b="1" i="1" dirty="0">
+              <a:rPr lang="en-US" altLang="ko-KR" b="1" i="1" dirty="0" smtClean="0">
                 <a:solidFill>
                   <a:srgbClr val="A50021"/>
                 </a:solidFill>
@@ -13414,7 +13364,7 @@
               </a:spcBef>
               <a:defRPr/>
             </a:pPr>
-            <a:endParaRPr lang="en-US" altLang="ko-KR" b="1" dirty="0">
+            <a:endParaRPr lang="en-US" altLang="ko-KR" b="1" dirty="0" smtClean="0">
               <a:ea typeface="Microsoft Sans Serif" panose="020B0604020202020204" pitchFamily="34" charset="0"/>
             </a:endParaRPr>
           </a:p>
@@ -13425,18 +13375,14 @@
   <p:clrMapOvr>
     <a:masterClrMapping/>
   </p:clrMapOvr>
-  <mc:AlternateContent xmlns:mc="http://schemas.openxmlformats.org/markup-compatibility/2006">
-    <mc:Choice xmlns:p159="http://schemas.microsoft.com/office/powerpoint/2015/09/main" Requires="p159">
-      <p:transition>
-        <p159:morph option="byChar"/>
-      </p:transition>
-    </mc:Choice>
-    <mc:Fallback>
-      <p:transition>
-        <p:fade/>
-      </p:transition>
-    </mc:Fallback>
-  </mc:AlternateContent>
+  <p:transition spd="med"/>
+  <p:timing>
+    <p:tnLst>
+      <p:par>
+        <p:cTn id="1" dur="indefinite" restart="never" nodeType="tmRoot"/>
+      </p:par>
+    </p:tnLst>
+  </p:timing>
 </p:sld>
 </file>
 
@@ -13474,12 +13420,12 @@
           <a:p>
             <a:pPr eaLnBrk="1" hangingPunct="1"/>
             <a:r>
-              <a:rPr lang="en-US" altLang="ko-KR" sz="1800" dirty="0">
+              <a:rPr lang="en-US" altLang="ko-KR" sz="1800" dirty="0" smtClean="0">
                 <a:ea typeface="굴림" panose="020B0600000101010101" pitchFamily="50" charset="-127"/>
               </a:rPr>
               <a:t>Supermesh</a:t>
             </a:r>
-            <a:endParaRPr lang="ko-KR" altLang="en-US" sz="1800" dirty="0"/>
+            <a:endParaRPr lang="ko-KR" altLang="en-US" sz="1800" dirty="0" smtClean="0"/>
           </a:p>
         </p:txBody>
       </p:sp>
@@ -13509,7 +13455,7 @@
               <a:defRPr/>
             </a:pPr>
             <a:r>
-              <a:rPr lang="en-US" altLang="ko-KR" sz="3200" b="1" dirty="0">
+              <a:rPr lang="en-US" altLang="ko-KR" sz="3200" b="1" dirty="0" smtClean="0">
                 <a:solidFill>
                   <a:srgbClr val="0070C0"/>
                 </a:solidFill>
@@ -13675,18 +13621,14 @@
   <p:clrMapOvr>
     <a:masterClrMapping/>
   </p:clrMapOvr>
-  <mc:AlternateContent xmlns:mc="http://schemas.openxmlformats.org/markup-compatibility/2006">
-    <mc:Choice xmlns:p159="http://schemas.microsoft.com/office/powerpoint/2015/09/main" Requires="p159">
-      <p:transition>
-        <p159:morph option="byChar"/>
-      </p:transition>
-    </mc:Choice>
-    <mc:Fallback>
-      <p:transition>
-        <p:fade/>
-      </p:transition>
-    </mc:Fallback>
-  </mc:AlternateContent>
+  <p:transition spd="med"/>
+  <p:timing>
+    <p:tnLst>
+      <p:par>
+        <p:cTn id="1" dur="indefinite" restart="never" nodeType="tmRoot"/>
+      </p:par>
+    </p:tnLst>
+  </p:timing>
 </p:sld>
 </file>
 
@@ -13724,12 +13666,12 @@
           <a:p>
             <a:pPr eaLnBrk="1" hangingPunct="1"/>
             <a:r>
-              <a:rPr lang="en-US" altLang="ko-KR" sz="1800" dirty="0">
+              <a:rPr lang="en-US" altLang="ko-KR" sz="1800" dirty="0" smtClean="0">
                 <a:ea typeface="굴림" panose="020B0600000101010101" pitchFamily="50" charset="-127"/>
               </a:rPr>
               <a:t>Supermesh</a:t>
             </a:r>
-            <a:endParaRPr lang="ko-KR" altLang="en-US" sz="1800" dirty="0"/>
+            <a:endParaRPr lang="ko-KR" altLang="en-US" sz="1800" dirty="0" smtClean="0"/>
           </a:p>
         </p:txBody>
       </p:sp>
@@ -13759,7 +13701,7 @@
               <a:defRPr/>
             </a:pPr>
             <a:r>
-              <a:rPr lang="en-US" altLang="ko-KR" sz="3200" b="1" dirty="0">
+              <a:rPr lang="en-US" altLang="ko-KR" sz="3200" b="1" dirty="0" smtClean="0">
                 <a:solidFill>
                   <a:srgbClr val="0070C0"/>
                 </a:solidFill>
@@ -13767,6 +13709,12 @@
               </a:rPr>
               <a:t>Example 3.8</a:t>
             </a:r>
+            <a:endParaRPr lang="en-US" altLang="ko-KR" sz="3200" b="1" dirty="0" smtClean="0">
+              <a:solidFill>
+                <a:srgbClr val="0070C0"/>
+              </a:solidFill>
+              <a:ea typeface="굴림" charset="-127"/>
+            </a:endParaRPr>
           </a:p>
           <a:p>
             <a:pPr marL="0" indent="0">
@@ -13776,7 +13724,7 @@
               <a:buNone/>
               <a:defRPr/>
             </a:pPr>
-            <a:endParaRPr lang="en-US" altLang="ko-KR" sz="2800" dirty="0">
+            <a:endParaRPr lang="en-US" altLang="ko-KR" sz="2800" dirty="0" smtClean="0">
               <a:ea typeface="굴림" panose="020B0600000101010101" pitchFamily="50" charset="-127"/>
             </a:endParaRPr>
           </a:p>
@@ -13797,7 +13745,7 @@
             <a:pPr>
               <a:defRPr/>
             </a:pPr>
-            <a:endParaRPr lang="en-US" altLang="ko-KR" sz="2000" dirty="0">
+            <a:endParaRPr lang="en-US" altLang="ko-KR" sz="2000" dirty="0" smtClean="0">
               <a:ea typeface="굴림" panose="020B0600000101010101" pitchFamily="50" charset="-127"/>
             </a:endParaRPr>
           </a:p>
@@ -13827,8 +13775,8 @@
           </a:prstGeom>
         </p:spPr>
       </p:pic>
-      <mc:AlternateContent xmlns:mc="http://schemas.openxmlformats.org/markup-compatibility/2006" xmlns:a14="http://schemas.microsoft.com/office/drawing/2010/main">
-        <mc:Choice Requires="a14">
+      <mc:AlternateContent xmlns:mc="http://schemas.openxmlformats.org/markup-compatibility/2006">
+        <mc:Choice xmlns:a14="http://schemas.microsoft.com/office/drawing/2010/main" Requires="a14">
           <p:sp>
             <p:nvSpPr>
               <p:cNvPr id="4" name="TextBox 3"/>
@@ -13851,7 +13799,6 @@
               </a:bodyPr>
               <a:lstStyle/>
               <a:p>
-                <a:pPr/>
                 <a14:m>
                   <m:oMathPara xmlns:m="http://schemas.openxmlformats.org/officeDocument/2006/math">
                     <m:oMathParaPr>
@@ -13974,7 +13921,7 @@
             </p:txBody>
           </p:sp>
         </mc:Choice>
-        <mc:Fallback xmlns="">
+        <mc:Fallback>
           <p:sp>
             <p:nvSpPr>
               <p:cNvPr id="4" name="TextBox 3"/>
@@ -14023,18 +13970,14 @@
   <p:clrMapOvr>
     <a:masterClrMapping/>
   </p:clrMapOvr>
-  <mc:AlternateContent xmlns:mc="http://schemas.openxmlformats.org/markup-compatibility/2006">
-    <mc:Choice xmlns:p159="http://schemas.microsoft.com/office/powerpoint/2015/09/main" Requires="p159">
-      <p:transition>
-        <p159:morph option="byChar"/>
-      </p:transition>
-    </mc:Choice>
-    <mc:Fallback>
-      <p:transition>
-        <p:fade/>
-      </p:transition>
-    </mc:Fallback>
-  </mc:AlternateContent>
+  <p:transition spd="med"/>
+  <p:timing>
+    <p:tnLst>
+      <p:par>
+        <p:cTn id="1" dur="indefinite" restart="never" nodeType="tmRoot"/>
+      </p:par>
+    </p:tnLst>
+  </p:timing>
 </p:sld>
 </file>
 
@@ -14072,12 +14015,12 @@
           <a:p>
             <a:pPr eaLnBrk="1" hangingPunct="1"/>
             <a:r>
-              <a:rPr lang="en-US" altLang="ko-KR" sz="1800" dirty="0">
+              <a:rPr lang="en-US" altLang="ko-KR" sz="1800" dirty="0" smtClean="0">
                 <a:ea typeface="굴림" panose="020B0600000101010101" pitchFamily="50" charset="-127"/>
               </a:rPr>
               <a:t>Supermesh</a:t>
             </a:r>
-            <a:endParaRPr lang="ko-KR" altLang="en-US" sz="1800" dirty="0"/>
+            <a:endParaRPr lang="ko-KR" altLang="en-US" sz="1800" dirty="0" smtClean="0"/>
           </a:p>
         </p:txBody>
       </p:sp>
@@ -14107,7 +14050,7 @@
               <a:defRPr/>
             </a:pPr>
             <a:r>
-              <a:rPr lang="en-US" altLang="ko-KR" sz="3200" b="1" dirty="0">
+              <a:rPr lang="en-US" altLang="ko-KR" sz="3200" b="1" dirty="0" smtClean="0">
                 <a:solidFill>
                   <a:srgbClr val="0070C0"/>
                 </a:solidFill>
@@ -14115,6 +14058,12 @@
               </a:rPr>
               <a:t>Example 3.9</a:t>
             </a:r>
+            <a:endParaRPr lang="en-US" altLang="ko-KR" sz="3200" b="1" dirty="0" smtClean="0">
+              <a:solidFill>
+                <a:srgbClr val="0070C0"/>
+              </a:solidFill>
+              <a:ea typeface="굴림" charset="-127"/>
+            </a:endParaRPr>
           </a:p>
           <a:p>
             <a:pPr marL="0" indent="0">
@@ -14124,7 +14073,7 @@
               <a:buNone/>
               <a:defRPr/>
             </a:pPr>
-            <a:endParaRPr lang="en-US" altLang="ko-KR" sz="2800" dirty="0">
+            <a:endParaRPr lang="en-US" altLang="ko-KR" sz="2800" dirty="0" smtClean="0">
               <a:ea typeface="굴림" panose="020B0600000101010101" pitchFamily="50" charset="-127"/>
             </a:endParaRPr>
           </a:p>
@@ -14145,14 +14094,14 @@
             <a:pPr>
               <a:defRPr/>
             </a:pPr>
-            <a:endParaRPr lang="en-US" altLang="ko-KR" sz="2000" dirty="0">
+            <a:endParaRPr lang="en-US" altLang="ko-KR" sz="2000" dirty="0" smtClean="0">
               <a:ea typeface="굴림" panose="020B0600000101010101" pitchFamily="50" charset="-127"/>
             </a:endParaRPr>
           </a:p>
         </p:txBody>
       </p:sp>
-      <mc:AlternateContent xmlns:mc="http://schemas.openxmlformats.org/markup-compatibility/2006" xmlns:a14="http://schemas.microsoft.com/office/drawing/2010/main">
-        <mc:Choice Requires="a14">
+      <mc:AlternateContent xmlns:mc="http://schemas.openxmlformats.org/markup-compatibility/2006">
+        <mc:Choice xmlns:a14="http://schemas.microsoft.com/office/drawing/2010/main" Requires="a14">
           <p:sp>
             <p:nvSpPr>
               <p:cNvPr id="5" name="TextBox 4"/>
@@ -14175,7 +14124,6 @@
               </a:bodyPr>
               <a:lstStyle/>
               <a:p>
-                <a:pPr/>
                 <a14:m>
                   <m:oMathPara xmlns:m="http://schemas.openxmlformats.org/officeDocument/2006/math">
                     <m:oMathParaPr>
@@ -14233,7 +14181,7 @@
             </p:txBody>
           </p:sp>
         </mc:Choice>
-        <mc:Fallback xmlns="">
+        <mc:Fallback>
           <p:sp>
             <p:nvSpPr>
               <p:cNvPr id="5" name="TextBox 4"/>
@@ -14272,8 +14220,8 @@
           </p:sp>
         </mc:Fallback>
       </mc:AlternateContent>
-      <mc:AlternateContent xmlns:mc="http://schemas.openxmlformats.org/markup-compatibility/2006" xmlns:a14="http://schemas.microsoft.com/office/drawing/2010/main">
-        <mc:Choice Requires="a14">
+      <mc:AlternateContent xmlns:mc="http://schemas.openxmlformats.org/markup-compatibility/2006">
+        <mc:Choice xmlns:a14="http://schemas.microsoft.com/office/drawing/2010/main" Requires="a14">
           <p:sp>
             <p:nvSpPr>
               <p:cNvPr id="8" name="TextBox 7"/>
@@ -14296,7 +14244,6 @@
               </a:bodyPr>
               <a:lstStyle/>
               <a:p>
-                <a:pPr/>
                 <a14:m>
                   <m:oMathPara xmlns:m="http://schemas.openxmlformats.org/officeDocument/2006/math">
                     <m:oMathParaPr>
@@ -14354,7 +14301,7 @@
             </p:txBody>
           </p:sp>
         </mc:Choice>
-        <mc:Fallback xmlns="">
+        <mc:Fallback>
           <p:sp>
             <p:nvSpPr>
               <p:cNvPr id="8" name="TextBox 7"/>
@@ -14393,8 +14340,8 @@
           </p:sp>
         </mc:Fallback>
       </mc:AlternateContent>
-      <mc:AlternateContent xmlns:mc="http://schemas.openxmlformats.org/markup-compatibility/2006" xmlns:a14="http://schemas.microsoft.com/office/drawing/2010/main">
-        <mc:Choice Requires="a14">
+      <mc:AlternateContent xmlns:mc="http://schemas.openxmlformats.org/markup-compatibility/2006">
+        <mc:Choice xmlns:a14="http://schemas.microsoft.com/office/drawing/2010/main" Requires="a14">
           <p:sp>
             <p:nvSpPr>
               <p:cNvPr id="9" name="TextBox 8"/>
@@ -14417,7 +14364,6 @@
               </a:bodyPr>
               <a:lstStyle/>
               <a:p>
-                <a:pPr/>
                 <a14:m>
                   <m:oMathPara xmlns:m="http://schemas.openxmlformats.org/officeDocument/2006/math">
                     <m:oMathParaPr>
@@ -14579,7 +14525,7 @@
             </p:txBody>
           </p:sp>
         </mc:Choice>
-        <mc:Fallback xmlns="">
+        <mc:Fallback>
           <p:sp>
             <p:nvSpPr>
               <p:cNvPr id="9" name="TextBox 8"/>
@@ -14682,18 +14628,14 @@
   <p:clrMapOvr>
     <a:masterClrMapping/>
   </p:clrMapOvr>
-  <mc:AlternateContent xmlns:mc="http://schemas.openxmlformats.org/markup-compatibility/2006">
-    <mc:Choice xmlns:p159="http://schemas.microsoft.com/office/powerpoint/2015/09/main" Requires="p159">
-      <p:transition>
-        <p159:morph option="byChar"/>
-      </p:transition>
-    </mc:Choice>
-    <mc:Fallback>
-      <p:transition>
-        <p:fade/>
-      </p:transition>
-    </mc:Fallback>
-  </mc:AlternateContent>
+  <p:transition spd="med"/>
+  <p:timing>
+    <p:tnLst>
+      <p:par>
+        <p:cTn id="1" dur="indefinite" restart="never" nodeType="tmRoot"/>
+      </p:par>
+    </p:tnLst>
+  </p:timing>
 </p:sld>
 </file>
 
@@ -14731,12 +14673,12 @@
           <a:p>
             <a:pPr eaLnBrk="1" hangingPunct="1"/>
             <a:r>
-              <a:rPr lang="en-US" altLang="ko-KR" sz="1800" dirty="0">
+              <a:rPr lang="en-US" altLang="ko-KR" sz="1800" dirty="0" smtClean="0">
                 <a:ea typeface="굴림" panose="020B0600000101010101" pitchFamily="50" charset="-127"/>
               </a:rPr>
               <a:t>Supermesh</a:t>
             </a:r>
-            <a:endParaRPr lang="ko-KR" altLang="en-US" sz="1800" dirty="0"/>
+            <a:endParaRPr lang="ko-KR" altLang="en-US" sz="1800" dirty="0" smtClean="0"/>
           </a:p>
         </p:txBody>
       </p:sp>
@@ -14766,7 +14708,7 @@
               <a:defRPr/>
             </a:pPr>
             <a:r>
-              <a:rPr lang="en-US" altLang="ko-KR" sz="3200" b="1" dirty="0">
+              <a:rPr lang="en-US" altLang="ko-KR" sz="3200" b="1" dirty="0" smtClean="0">
                 <a:solidFill>
                   <a:srgbClr val="0070C0"/>
                 </a:solidFill>
@@ -14774,6 +14716,12 @@
               </a:rPr>
               <a:t>Example 3.10</a:t>
             </a:r>
+            <a:endParaRPr lang="en-US" altLang="ko-KR" sz="3200" b="1" dirty="0" smtClean="0">
+              <a:solidFill>
+                <a:srgbClr val="0070C0"/>
+              </a:solidFill>
+              <a:ea typeface="굴림" charset="-127"/>
+            </a:endParaRPr>
           </a:p>
           <a:p>
             <a:pPr marL="0" indent="0">
@@ -14783,7 +14731,7 @@
               <a:buNone/>
               <a:defRPr/>
             </a:pPr>
-            <a:endParaRPr lang="en-US" altLang="ko-KR" sz="2800" dirty="0">
+            <a:endParaRPr lang="en-US" altLang="ko-KR" sz="2800" dirty="0" smtClean="0">
               <a:ea typeface="굴림" panose="020B0600000101010101" pitchFamily="50" charset="-127"/>
             </a:endParaRPr>
           </a:p>
@@ -14804,14 +14752,14 @@
             <a:pPr>
               <a:defRPr/>
             </a:pPr>
-            <a:endParaRPr lang="en-US" altLang="ko-KR" sz="2000" dirty="0">
+            <a:endParaRPr lang="en-US" altLang="ko-KR" sz="2000" dirty="0" smtClean="0">
               <a:ea typeface="굴림" panose="020B0600000101010101" pitchFamily="50" charset="-127"/>
             </a:endParaRPr>
           </a:p>
         </p:txBody>
       </p:sp>
-      <mc:AlternateContent xmlns:mc="http://schemas.openxmlformats.org/markup-compatibility/2006" xmlns:a14="http://schemas.microsoft.com/office/drawing/2010/main">
-        <mc:Choice Requires="a14">
+      <mc:AlternateContent xmlns:mc="http://schemas.openxmlformats.org/markup-compatibility/2006">
+        <mc:Choice xmlns:a14="http://schemas.microsoft.com/office/drawing/2010/main" Requires="a14">
           <p:sp>
             <p:nvSpPr>
               <p:cNvPr id="5" name="TextBox 4"/>
@@ -14834,7 +14782,6 @@
               </a:bodyPr>
               <a:lstStyle/>
               <a:p>
-                <a:pPr/>
                 <a14:m>
                   <m:oMathPara xmlns:m="http://schemas.openxmlformats.org/officeDocument/2006/math">
                     <m:oMathParaPr>
@@ -14892,7 +14839,7 @@
             </p:txBody>
           </p:sp>
         </mc:Choice>
-        <mc:Fallback xmlns="">
+        <mc:Fallback>
           <p:sp>
             <p:nvSpPr>
               <p:cNvPr id="5" name="TextBox 4"/>
@@ -14931,8 +14878,8 @@
           </p:sp>
         </mc:Fallback>
       </mc:AlternateContent>
-      <mc:AlternateContent xmlns:mc="http://schemas.openxmlformats.org/markup-compatibility/2006" xmlns:a14="http://schemas.microsoft.com/office/drawing/2010/main">
-        <mc:Choice Requires="a14">
+      <mc:AlternateContent xmlns:mc="http://schemas.openxmlformats.org/markup-compatibility/2006">
+        <mc:Choice xmlns:a14="http://schemas.microsoft.com/office/drawing/2010/main" Requires="a14">
           <p:sp>
             <p:nvSpPr>
               <p:cNvPr id="8" name="TextBox 7"/>
@@ -14955,7 +14902,6 @@
               </a:bodyPr>
               <a:lstStyle/>
               <a:p>
-                <a:pPr/>
                 <a14:m>
                   <m:oMathPara xmlns:m="http://schemas.openxmlformats.org/officeDocument/2006/math">
                     <m:oMathParaPr>
@@ -15044,7 +14990,7 @@
             </p:txBody>
           </p:sp>
         </mc:Choice>
-        <mc:Fallback xmlns="">
+        <mc:Fallback>
           <p:sp>
             <p:nvSpPr>
               <p:cNvPr id="8" name="TextBox 7"/>
@@ -15083,8 +15029,8 @@
           </p:sp>
         </mc:Fallback>
       </mc:AlternateContent>
-      <mc:AlternateContent xmlns:mc="http://schemas.openxmlformats.org/markup-compatibility/2006" xmlns:a14="http://schemas.microsoft.com/office/drawing/2010/main">
-        <mc:Choice Requires="a14">
+      <mc:AlternateContent xmlns:mc="http://schemas.openxmlformats.org/markup-compatibility/2006">
+        <mc:Choice xmlns:a14="http://schemas.microsoft.com/office/drawing/2010/main" Requires="a14">
           <p:sp>
             <p:nvSpPr>
               <p:cNvPr id="9" name="TextBox 8"/>
@@ -15107,7 +15053,6 @@
               </a:bodyPr>
               <a:lstStyle/>
               <a:p>
-                <a:pPr/>
                 <a14:m>
                   <m:oMathPara xmlns:m="http://schemas.openxmlformats.org/officeDocument/2006/math">
                     <m:oMathParaPr>
@@ -15355,7 +15300,7 @@
             </p:txBody>
           </p:sp>
         </mc:Choice>
-        <mc:Fallback xmlns="">
+        <mc:Fallback>
           <p:sp>
             <p:nvSpPr>
               <p:cNvPr id="9" name="TextBox 8"/>
@@ -15428,18 +15373,14 @@
   <p:clrMapOvr>
     <a:masterClrMapping/>
   </p:clrMapOvr>
-  <mc:AlternateContent xmlns:mc="http://schemas.openxmlformats.org/markup-compatibility/2006">
-    <mc:Choice xmlns:p159="http://schemas.microsoft.com/office/powerpoint/2015/09/main" Requires="p159">
-      <p:transition>
-        <p159:morph option="byChar"/>
-      </p:transition>
-    </mc:Choice>
-    <mc:Fallback>
-      <p:transition>
-        <p:fade/>
-      </p:transition>
-    </mc:Fallback>
-  </mc:AlternateContent>
+  <p:transition spd="med"/>
+  <p:timing>
+    <p:tnLst>
+      <p:par>
+        <p:cTn id="1" dur="indefinite" restart="never" nodeType="tmRoot"/>
+      </p:par>
+    </p:tnLst>
+  </p:timing>
 </p:sld>
 </file>
 
@@ -15477,12 +15418,18 @@
           <a:p>
             <a:pPr eaLnBrk="1" hangingPunct="1"/>
             <a:r>
-              <a:rPr lang="en-US" altLang="ko-KR" sz="1800" dirty="0">
-                <a:ea typeface="굴림" panose="020B0600000101010101" pitchFamily="50" charset="-127"/>
-              </a:rPr>
-              <a:t>Nodal Versus Mesh Analysis</a:t>
-            </a:r>
-            <a:endParaRPr lang="ko-KR" altLang="en-US" sz="1800" dirty="0"/>
+              <a:rPr lang="en-US" altLang="ko-KR" sz="1800" dirty="0" smtClean="0">
+                <a:ea typeface="굴림" panose="020B0600000101010101" pitchFamily="50" charset="-127"/>
+              </a:rPr>
+              <a:t>Nodal </a:t>
+            </a:r>
+            <a:r>
+              <a:rPr lang="en-US" altLang="ko-KR" sz="1800" dirty="0" smtClean="0">
+                <a:ea typeface="굴림" panose="020B0600000101010101" pitchFamily="50" charset="-127"/>
+              </a:rPr>
+              <a:t>Versus Mesh Analysis</a:t>
+            </a:r>
+            <a:endParaRPr lang="ko-KR" altLang="en-US" sz="1800" dirty="0" smtClean="0"/>
           </a:p>
         </p:txBody>
       </p:sp>
@@ -15512,13 +15459,22 @@
               <a:defRPr/>
             </a:pPr>
             <a:r>
-              <a:rPr lang="en-US" altLang="ko-KR" sz="3200" b="1" dirty="0">
+              <a:rPr lang="en-US" altLang="ko-KR" sz="3200" b="1" dirty="0" smtClean="0">
                 <a:solidFill>
                   <a:srgbClr val="0070C0"/>
                 </a:solidFill>
                 <a:ea typeface="굴림" panose="020B0600000101010101" pitchFamily="50" charset="-127"/>
               </a:rPr>
-              <a:t>Nodal Versus Mesh Analysis</a:t>
+              <a:t>Nodal </a:t>
+            </a:r>
+            <a:r>
+              <a:rPr lang="en-US" altLang="ko-KR" sz="3200" b="1" dirty="0" smtClean="0">
+                <a:solidFill>
+                  <a:srgbClr val="0070C0"/>
+                </a:solidFill>
+                <a:ea typeface="굴림" panose="020B0600000101010101" pitchFamily="50" charset="-127"/>
+              </a:rPr>
+              <a:t>Versus Mesh Analysis</a:t>
             </a:r>
           </a:p>
           <a:p>
@@ -15537,7 +15493,16 @@
                 </a:solidFill>
                 <a:ea typeface="굴림" panose="020B0600000101010101" pitchFamily="50" charset="-127"/>
               </a:rPr>
-              <a:t>Selecting an Appropriate Approach</a:t>
+              <a:t>Selecting an Appropriate </a:t>
+            </a:r>
+            <a:r>
+              <a:rPr lang="en-US" altLang="ko-KR" sz="2800" b="1" dirty="0" smtClean="0">
+                <a:solidFill>
+                  <a:srgbClr val="A50021"/>
+                </a:solidFill>
+                <a:ea typeface="굴림" panose="020B0600000101010101" pitchFamily="50" charset="-127"/>
+              </a:rPr>
+              <a:t>Approach</a:t>
             </a:r>
           </a:p>
           <a:p>
@@ -15613,18 +15578,14 @@
   <p:clrMapOvr>
     <a:masterClrMapping/>
   </p:clrMapOvr>
-  <mc:AlternateContent xmlns:mc="http://schemas.openxmlformats.org/markup-compatibility/2006">
-    <mc:Choice xmlns:p159="http://schemas.microsoft.com/office/powerpoint/2015/09/main" Requires="p159">
-      <p:transition>
-        <p159:morph option="byChar"/>
-      </p:transition>
-    </mc:Choice>
-    <mc:Fallback>
-      <p:transition>
-        <p:fade/>
-      </p:transition>
-    </mc:Fallback>
-  </mc:AlternateContent>
+  <p:transition spd="med"/>
+  <p:timing>
+    <p:tnLst>
+      <p:par>
+        <p:cTn id="1" dur="indefinite" restart="never" nodeType="tmRoot"/>
+      </p:par>
+    </p:tnLst>
+  </p:timing>
 </p:sld>
 </file>
 
@@ -15662,12 +15623,18 @@
           <a:p>
             <a:pPr eaLnBrk="1" hangingPunct="1"/>
             <a:r>
-              <a:rPr lang="en-US" altLang="ko-KR" sz="1800" dirty="0">
-                <a:ea typeface="굴림" panose="020B0600000101010101" pitchFamily="50" charset="-127"/>
-              </a:rPr>
-              <a:t>Nodal Versus Mesh Analysis</a:t>
-            </a:r>
-            <a:endParaRPr lang="ko-KR" altLang="en-US" sz="1800" dirty="0"/>
+              <a:rPr lang="en-US" altLang="ko-KR" sz="1800" dirty="0" smtClean="0">
+                <a:ea typeface="굴림" panose="020B0600000101010101" pitchFamily="50" charset="-127"/>
+              </a:rPr>
+              <a:t>Nodal </a:t>
+            </a:r>
+            <a:r>
+              <a:rPr lang="en-US" altLang="ko-KR" sz="1800" dirty="0" smtClean="0">
+                <a:ea typeface="굴림" panose="020B0600000101010101" pitchFamily="50" charset="-127"/>
+              </a:rPr>
+              <a:t>Versus Mesh Analysis</a:t>
+            </a:r>
+            <a:endParaRPr lang="ko-KR" altLang="en-US" sz="1800" dirty="0" smtClean="0"/>
           </a:p>
         </p:txBody>
       </p:sp>
@@ -15700,7 +15667,7 @@
               <a:defRPr/>
             </a:pPr>
             <a:r>
-              <a:rPr lang="en-US" altLang="ko-KR" sz="2800" b="1" dirty="0">
+              <a:rPr lang="en-US" altLang="ko-KR" sz="2800" b="1" dirty="0" smtClean="0">
                 <a:solidFill>
                   <a:srgbClr val="0070C0"/>
                 </a:solidFill>
@@ -15714,10 +15681,16 @@
               <a:defRPr/>
             </a:pPr>
             <a:r>
+              <a:rPr lang="en-US" altLang="ko-KR" b="1" dirty="0" smtClean="0">
+                <a:ea typeface="굴림" panose="020B0600000101010101" pitchFamily="50" charset="-127"/>
+              </a:rPr>
+              <a:t>If </a:t>
+            </a:r>
+            <a:r>
               <a:rPr lang="en-US" altLang="ko-KR" b="1" dirty="0">
                 <a:ea typeface="굴림" panose="020B0600000101010101" pitchFamily="50" charset="-127"/>
               </a:rPr>
-              <a:t>If the network contains:</a:t>
+              <a:t>the network contains:</a:t>
             </a:r>
           </a:p>
           <a:p>
@@ -15845,18 +15818,14 @@
   <p:clrMapOvr>
     <a:masterClrMapping/>
   </p:clrMapOvr>
-  <mc:AlternateContent xmlns:mc="http://schemas.openxmlformats.org/markup-compatibility/2006">
-    <mc:Choice xmlns:p159="http://schemas.microsoft.com/office/powerpoint/2015/09/main" Requires="p159">
-      <p:transition>
-        <p159:morph option="byChar"/>
-      </p:transition>
-    </mc:Choice>
-    <mc:Fallback>
-      <p:transition>
-        <p:fade/>
-      </p:transition>
-    </mc:Fallback>
-  </mc:AlternateContent>
+  <p:transition spd="med"/>
+  <p:timing>
+    <p:tnLst>
+      <p:par>
+        <p:cTn id="1" dur="indefinite" restart="never" nodeType="tmRoot"/>
+      </p:par>
+    </p:tnLst>
+  </p:timing>
 </p:sld>
 </file>
 
@@ -15894,12 +15863,18 @@
           <a:p>
             <a:pPr eaLnBrk="1" hangingPunct="1"/>
             <a:r>
-              <a:rPr lang="en-US" altLang="ko-KR" sz="1800" dirty="0">
-                <a:ea typeface="굴림" panose="020B0600000101010101" pitchFamily="50" charset="-127"/>
-              </a:rPr>
-              <a:t>Nodal Versus Mesh Analysis</a:t>
-            </a:r>
-            <a:endParaRPr lang="ko-KR" altLang="en-US" sz="1800" dirty="0"/>
+              <a:rPr lang="en-US" altLang="ko-KR" sz="1800" dirty="0" smtClean="0">
+                <a:ea typeface="굴림" panose="020B0600000101010101" pitchFamily="50" charset="-127"/>
+              </a:rPr>
+              <a:t>Nodal </a:t>
+            </a:r>
+            <a:r>
+              <a:rPr lang="en-US" altLang="ko-KR" sz="1800" dirty="0" smtClean="0">
+                <a:ea typeface="굴림" panose="020B0600000101010101" pitchFamily="50" charset="-127"/>
+              </a:rPr>
+              <a:t>Versus Mesh Analysis</a:t>
+            </a:r>
+            <a:endParaRPr lang="ko-KR" altLang="en-US" sz="1800" dirty="0" smtClean="0"/>
           </a:p>
         </p:txBody>
       </p:sp>
@@ -15929,7 +15904,7 @@
               <a:defRPr/>
             </a:pPr>
             <a:r>
-              <a:rPr lang="en-US" altLang="ko-KR" sz="2800" b="1" dirty="0">
+              <a:rPr lang="en-US" altLang="ko-KR" sz="2800" b="1" dirty="0" smtClean="0">
                 <a:solidFill>
                   <a:srgbClr val="0070C0"/>
                 </a:solidFill>
@@ -15943,10 +15918,16 @@
               <a:defRPr/>
             </a:pPr>
             <a:r>
+              <a:rPr lang="en-US" altLang="ko-KR" b="1" dirty="0" smtClean="0">
+                <a:ea typeface="굴림" panose="020B0600000101010101" pitchFamily="50" charset="-127"/>
+              </a:rPr>
+              <a:t>If </a:t>
+            </a:r>
+            <a:r>
               <a:rPr lang="en-US" altLang="ko-KR" b="1" dirty="0">
                 <a:ea typeface="굴림" panose="020B0600000101010101" pitchFamily="50" charset="-127"/>
               </a:rPr>
-              <a:t>If the network contains:</a:t>
+              <a:t>the network contains:</a:t>
             </a:r>
           </a:p>
           <a:p>
@@ -16074,18 +16055,14 @@
   <p:clrMapOvr>
     <a:masterClrMapping/>
   </p:clrMapOvr>
-  <mc:AlternateContent xmlns:mc="http://schemas.openxmlformats.org/markup-compatibility/2006">
-    <mc:Choice xmlns:p159="http://schemas.microsoft.com/office/powerpoint/2015/09/main" Requires="p159">
-      <p:transition>
-        <p159:morph option="byChar"/>
-      </p:transition>
-    </mc:Choice>
-    <mc:Fallback>
-      <p:transition>
-        <p:fade/>
-      </p:transition>
-    </mc:Fallback>
-  </mc:AlternateContent>
+  <p:transition spd="med"/>
+  <p:timing>
+    <p:tnLst>
+      <p:par>
+        <p:cTn id="1" dur="indefinite" restart="never" nodeType="tmRoot"/>
+      </p:par>
+    </p:tnLst>
+  </p:timing>
 </p:sld>
 </file>
 
@@ -16153,12 +16130,12 @@
           <a:p>
             <a:pPr eaLnBrk="1" hangingPunct="1"/>
             <a:r>
-              <a:rPr lang="en-US" altLang="ko-KR" sz="1800" dirty="0">
+              <a:rPr lang="en-US" altLang="ko-KR" sz="1800" dirty="0" smtClean="0">
                 <a:ea typeface="굴림" panose="020B0600000101010101" pitchFamily="50" charset="-127"/>
               </a:rPr>
               <a:t>Nodal vs. Mesh Analysis</a:t>
             </a:r>
-            <a:endParaRPr lang="ko-KR" altLang="en-US" sz="1800" dirty="0"/>
+            <a:endParaRPr lang="ko-KR" altLang="en-US" sz="1800" dirty="0" smtClean="0"/>
           </a:p>
         </p:txBody>
       </p:sp>
@@ -16188,7 +16165,7 @@
               <a:defRPr/>
             </a:pPr>
             <a:r>
-              <a:rPr lang="en-US" altLang="ko-KR" sz="3200" b="1" dirty="0">
+              <a:rPr lang="en-US" altLang="ko-KR" sz="3200" b="1" dirty="0" smtClean="0">
                 <a:solidFill>
                   <a:srgbClr val="0070C0"/>
                 </a:solidFill>
@@ -16196,6 +16173,20 @@
               </a:rPr>
               <a:t>Example 3.11</a:t>
             </a:r>
+            <a:endParaRPr lang="en-US" altLang="ko-KR" sz="3200" b="1" dirty="0" smtClean="0">
+              <a:solidFill>
+                <a:srgbClr val="0070C0"/>
+              </a:solidFill>
+              <a:ea typeface="굴림" charset="-127"/>
+            </a:endParaRPr>
+          </a:p>
+          <a:p>
+            <a:pPr>
+              <a:defRPr/>
+            </a:pPr>
+            <a:endParaRPr lang="en-US" altLang="ko-KR" b="1" dirty="0" smtClean="0">
+              <a:ea typeface="굴림" panose="020B0600000101010101" pitchFamily="50" charset="-127"/>
+            </a:endParaRPr>
           </a:p>
           <a:p>
             <a:pPr>
@@ -16209,7 +16200,7 @@
             <a:pPr>
               <a:defRPr/>
             </a:pPr>
-            <a:endParaRPr lang="en-US" altLang="ko-KR" b="1" dirty="0">
+            <a:endParaRPr lang="en-US" altLang="ko-KR" b="1" dirty="0" smtClean="0">
               <a:ea typeface="굴림" panose="020B0600000101010101" pitchFamily="50" charset="-127"/>
             </a:endParaRPr>
           </a:p>
@@ -16225,7 +16216,7 @@
             <a:pPr>
               <a:defRPr/>
             </a:pPr>
-            <a:endParaRPr lang="en-US" altLang="ko-KR" b="1" dirty="0">
+            <a:endParaRPr lang="en-US" altLang="ko-KR" b="1" dirty="0" smtClean="0">
               <a:ea typeface="굴림" panose="020B0600000101010101" pitchFamily="50" charset="-127"/>
             </a:endParaRPr>
           </a:p>
@@ -16241,27 +16232,19 @@
             <a:pPr>
               <a:defRPr/>
             </a:pPr>
-            <a:endParaRPr lang="en-US" altLang="ko-KR" b="1" dirty="0">
-              <a:ea typeface="굴림" panose="020B0600000101010101" pitchFamily="50" charset="-127"/>
-            </a:endParaRPr>
+            <a:r>
+              <a:rPr lang="en-US" altLang="ko-KR" b="1" dirty="0" smtClean="0">
+                <a:ea typeface="굴림" panose="020B0600000101010101" pitchFamily="50" charset="-127"/>
+              </a:rPr>
+              <a:t># of node = 1</a:t>
+            </a:r>
           </a:p>
           <a:p>
             <a:pPr>
               <a:defRPr/>
             </a:pPr>
             <a:r>
-              <a:rPr lang="en-US" altLang="ko-KR" b="1" dirty="0">
-                <a:ea typeface="굴림" panose="020B0600000101010101" pitchFamily="50" charset="-127"/>
-              </a:rPr>
-              <a:t># of node = 1</a:t>
-            </a:r>
-          </a:p>
-          <a:p>
-            <a:pPr>
-              <a:defRPr/>
-            </a:pPr>
-            <a:r>
-              <a:rPr lang="en-US" altLang="ko-KR" b="1" dirty="0">
+              <a:rPr lang="en-US" altLang="ko-KR" b="1" dirty="0" smtClean="0">
                 <a:ea typeface="굴림" panose="020B0600000101010101" pitchFamily="50" charset="-127"/>
               </a:rPr>
               <a:t># of mesh = 3</a:t>
@@ -16279,18 +16262,14 @@
   <p:clrMapOvr>
     <a:masterClrMapping/>
   </p:clrMapOvr>
-  <mc:AlternateContent xmlns:mc="http://schemas.openxmlformats.org/markup-compatibility/2006">
-    <mc:Choice xmlns:p159="http://schemas.microsoft.com/office/powerpoint/2015/09/main" Requires="p159">
-      <p:transition>
-        <p159:morph option="byChar"/>
-      </p:transition>
-    </mc:Choice>
-    <mc:Fallback>
-      <p:transition>
-        <p:fade/>
-      </p:transition>
-    </mc:Fallback>
-  </mc:AlternateContent>
+  <p:transition spd="med"/>
+  <p:timing>
+    <p:tnLst>
+      <p:par>
+        <p:cTn id="1" dur="indefinite" restart="never" nodeType="tmRoot"/>
+      </p:par>
+    </p:tnLst>
+  </p:timing>
 </p:sld>
 </file>
 
@@ -16358,12 +16337,12 @@
           <a:p>
             <a:pPr eaLnBrk="1" hangingPunct="1"/>
             <a:r>
-              <a:rPr lang="en-US" altLang="ko-KR" sz="1800" dirty="0">
+              <a:rPr lang="en-US" altLang="ko-KR" sz="1800" dirty="0" smtClean="0">
                 <a:ea typeface="굴림" panose="020B0600000101010101" pitchFamily="50" charset="-127"/>
               </a:rPr>
               <a:t>Nodal vs. Mesh Analysis</a:t>
             </a:r>
-            <a:endParaRPr lang="ko-KR" altLang="en-US" sz="1800" dirty="0"/>
+            <a:endParaRPr lang="ko-KR" altLang="en-US" sz="1800" dirty="0" smtClean="0"/>
           </a:p>
         </p:txBody>
       </p:sp>
@@ -16393,7 +16372,7 @@
               <a:defRPr/>
             </a:pPr>
             <a:r>
-              <a:rPr lang="en-US" altLang="ko-KR" sz="3200" b="1" dirty="0">
+              <a:rPr lang="en-US" altLang="ko-KR" sz="3200" b="1" dirty="0" smtClean="0">
                 <a:solidFill>
                   <a:srgbClr val="0070C0"/>
                 </a:solidFill>
@@ -16401,6 +16380,20 @@
               </a:rPr>
               <a:t>Example 3.12</a:t>
             </a:r>
+            <a:endParaRPr lang="en-US" altLang="ko-KR" sz="3200" b="1" dirty="0" smtClean="0">
+              <a:solidFill>
+                <a:srgbClr val="0070C0"/>
+              </a:solidFill>
+              <a:ea typeface="굴림" charset="-127"/>
+            </a:endParaRPr>
+          </a:p>
+          <a:p>
+            <a:pPr>
+              <a:defRPr/>
+            </a:pPr>
+            <a:endParaRPr lang="en-US" altLang="ko-KR" b="1" dirty="0" smtClean="0">
+              <a:ea typeface="굴림" panose="020B0600000101010101" pitchFamily="50" charset="-127"/>
+            </a:endParaRPr>
           </a:p>
           <a:p>
             <a:pPr>
@@ -16414,7 +16407,7 @@
             <a:pPr>
               <a:defRPr/>
             </a:pPr>
-            <a:endParaRPr lang="en-US" altLang="ko-KR" b="1" dirty="0">
+            <a:endParaRPr lang="en-US" altLang="ko-KR" b="1" dirty="0" smtClean="0">
               <a:ea typeface="굴림" panose="020B0600000101010101" pitchFamily="50" charset="-127"/>
             </a:endParaRPr>
           </a:p>
@@ -16430,7 +16423,7 @@
             <a:pPr>
               <a:defRPr/>
             </a:pPr>
-            <a:endParaRPr lang="en-US" altLang="ko-KR" b="1" dirty="0">
+            <a:endParaRPr lang="en-US" altLang="ko-KR" b="1" dirty="0" smtClean="0">
               <a:ea typeface="굴림" panose="020B0600000101010101" pitchFamily="50" charset="-127"/>
             </a:endParaRPr>
           </a:p>
@@ -16438,7 +16431,7 @@
             <a:pPr>
               <a:defRPr/>
             </a:pPr>
-            <a:endParaRPr lang="en-US" altLang="ko-KR" b="1" dirty="0">
+            <a:endParaRPr lang="en-US" altLang="ko-KR" b="1" dirty="0" smtClean="0">
               <a:ea typeface="굴림" panose="020B0600000101010101" pitchFamily="50" charset="-127"/>
             </a:endParaRPr>
           </a:p>
@@ -16446,27 +16439,19 @@
             <a:pPr>
               <a:defRPr/>
             </a:pPr>
-            <a:endParaRPr lang="en-US" altLang="ko-KR" b="1" dirty="0">
-              <a:ea typeface="굴림" panose="020B0600000101010101" pitchFamily="50" charset="-127"/>
-            </a:endParaRPr>
+            <a:r>
+              <a:rPr lang="en-US" altLang="ko-KR" b="1" dirty="0" smtClean="0">
+                <a:ea typeface="굴림" panose="020B0600000101010101" pitchFamily="50" charset="-127"/>
+              </a:rPr>
+              <a:t># of node = 2</a:t>
+            </a:r>
           </a:p>
           <a:p>
             <a:pPr>
               <a:defRPr/>
             </a:pPr>
             <a:r>
-              <a:rPr lang="en-US" altLang="ko-KR" b="1" dirty="0">
-                <a:ea typeface="굴림" panose="020B0600000101010101" pitchFamily="50" charset="-127"/>
-              </a:rPr>
-              <a:t># of node = 2</a:t>
-            </a:r>
-          </a:p>
-          <a:p>
-            <a:pPr>
-              <a:defRPr/>
-            </a:pPr>
-            <a:r>
-              <a:rPr lang="en-US" altLang="ko-KR" b="1" dirty="0">
+              <a:rPr lang="en-US" altLang="ko-KR" b="1" dirty="0" smtClean="0">
                 <a:ea typeface="굴림" panose="020B0600000101010101" pitchFamily="50" charset="-127"/>
               </a:rPr>
               <a:t># of mesh = 3</a:t>
@@ -16484,18 +16469,14 @@
   <p:clrMapOvr>
     <a:masterClrMapping/>
   </p:clrMapOvr>
-  <mc:AlternateContent xmlns:mc="http://schemas.openxmlformats.org/markup-compatibility/2006">
-    <mc:Choice xmlns:p159="http://schemas.microsoft.com/office/powerpoint/2015/09/main" Requires="p159">
-      <p:transition>
-        <p159:morph option="byChar"/>
-      </p:transition>
-    </mc:Choice>
-    <mc:Fallback>
-      <p:transition>
-        <p:fade/>
-      </p:transition>
-    </mc:Fallback>
-  </mc:AlternateContent>
+  <p:transition spd="med"/>
+  <p:timing>
+    <p:tnLst>
+      <p:par>
+        <p:cTn id="1" dur="indefinite" restart="never" nodeType="tmRoot"/>
+      </p:par>
+    </p:tnLst>
+  </p:timing>
 </p:sld>
 </file>
 
@@ -16563,12 +16544,12 @@
           <a:p>
             <a:pPr eaLnBrk="1" hangingPunct="1"/>
             <a:r>
-              <a:rPr lang="en-US" altLang="ko-KR" sz="1800" dirty="0">
+              <a:rPr lang="en-US" altLang="ko-KR" sz="1800" dirty="0" smtClean="0">
                 <a:ea typeface="굴림" panose="020B0600000101010101" pitchFamily="50" charset="-127"/>
               </a:rPr>
               <a:t>Nodal vs. Mesh Analysis</a:t>
             </a:r>
-            <a:endParaRPr lang="ko-KR" altLang="en-US" sz="1800" dirty="0"/>
+            <a:endParaRPr lang="ko-KR" altLang="en-US" sz="1800" dirty="0" smtClean="0"/>
           </a:p>
         </p:txBody>
       </p:sp>
@@ -16598,7 +16579,7 @@
               <a:defRPr/>
             </a:pPr>
             <a:r>
-              <a:rPr lang="en-US" altLang="ko-KR" sz="3200" b="1" dirty="0">
+              <a:rPr lang="en-US" altLang="ko-KR" sz="3200" b="1" dirty="0" smtClean="0">
                 <a:solidFill>
                   <a:srgbClr val="0070C0"/>
                 </a:solidFill>
@@ -16606,6 +16587,20 @@
               </a:rPr>
               <a:t>Example 3.13</a:t>
             </a:r>
+            <a:endParaRPr lang="en-US" altLang="ko-KR" sz="3200" b="1" dirty="0" smtClean="0">
+              <a:solidFill>
+                <a:srgbClr val="0070C0"/>
+              </a:solidFill>
+              <a:ea typeface="굴림" charset="-127"/>
+            </a:endParaRPr>
+          </a:p>
+          <a:p>
+            <a:pPr>
+              <a:defRPr/>
+            </a:pPr>
+            <a:endParaRPr lang="en-US" altLang="ko-KR" b="1" dirty="0" smtClean="0">
+              <a:ea typeface="굴림" panose="020B0600000101010101" pitchFamily="50" charset="-127"/>
+            </a:endParaRPr>
           </a:p>
           <a:p>
             <a:pPr>
@@ -16619,7 +16614,7 @@
             <a:pPr>
               <a:defRPr/>
             </a:pPr>
-            <a:endParaRPr lang="en-US" altLang="ko-KR" b="1" dirty="0">
+            <a:endParaRPr lang="en-US" altLang="ko-KR" b="1" dirty="0" smtClean="0">
               <a:ea typeface="굴림" panose="020B0600000101010101" pitchFamily="50" charset="-127"/>
             </a:endParaRPr>
           </a:p>
@@ -16635,7 +16630,7 @@
             <a:pPr>
               <a:defRPr/>
             </a:pPr>
-            <a:endParaRPr lang="en-US" altLang="ko-KR" b="1" dirty="0">
+            <a:endParaRPr lang="en-US" altLang="ko-KR" b="1" dirty="0" smtClean="0">
               <a:ea typeface="굴림" panose="020B0600000101010101" pitchFamily="50" charset="-127"/>
             </a:endParaRPr>
           </a:p>
@@ -16643,7 +16638,7 @@
             <a:pPr>
               <a:defRPr/>
             </a:pPr>
-            <a:endParaRPr lang="en-US" altLang="ko-KR" b="1" dirty="0">
+            <a:endParaRPr lang="en-US" altLang="ko-KR" b="1" dirty="0" smtClean="0">
               <a:ea typeface="굴림" panose="020B0600000101010101" pitchFamily="50" charset="-127"/>
             </a:endParaRPr>
           </a:p>
@@ -16651,27 +16646,19 @@
             <a:pPr>
               <a:defRPr/>
             </a:pPr>
-            <a:endParaRPr lang="en-US" altLang="ko-KR" b="1" dirty="0">
-              <a:ea typeface="굴림" panose="020B0600000101010101" pitchFamily="50" charset="-127"/>
-            </a:endParaRPr>
+            <a:r>
+              <a:rPr lang="en-US" altLang="ko-KR" b="1" dirty="0" smtClean="0">
+                <a:ea typeface="굴림" panose="020B0600000101010101" pitchFamily="50" charset="-127"/>
+              </a:rPr>
+              <a:t># of node = 3</a:t>
+            </a:r>
           </a:p>
           <a:p>
             <a:pPr>
               <a:defRPr/>
             </a:pPr>
             <a:r>
-              <a:rPr lang="en-US" altLang="ko-KR" b="1" dirty="0">
-                <a:ea typeface="굴림" panose="020B0600000101010101" pitchFamily="50" charset="-127"/>
-              </a:rPr>
-              <a:t># of node = 3</a:t>
-            </a:r>
-          </a:p>
-          <a:p>
-            <a:pPr>
-              <a:defRPr/>
-            </a:pPr>
-            <a:r>
-              <a:rPr lang="en-US" altLang="ko-KR" b="1" dirty="0">
+              <a:rPr lang="en-US" altLang="ko-KR" b="1" dirty="0" smtClean="0">
                 <a:ea typeface="굴림" panose="020B0600000101010101" pitchFamily="50" charset="-127"/>
               </a:rPr>
               <a:t># of mesh = 1</a:t>
@@ -16689,18 +16676,14 @@
   <p:clrMapOvr>
     <a:masterClrMapping/>
   </p:clrMapOvr>
-  <mc:AlternateContent xmlns:mc="http://schemas.openxmlformats.org/markup-compatibility/2006">
-    <mc:Choice xmlns:p159="http://schemas.microsoft.com/office/powerpoint/2015/09/main" Requires="p159">
-      <p:transition>
-        <p159:morph option="byChar"/>
-      </p:transition>
-    </mc:Choice>
-    <mc:Fallback>
-      <p:transition>
-        <p:fade/>
-      </p:transition>
-    </mc:Fallback>
-  </mc:AlternateContent>
+  <p:transition spd="med"/>
+  <p:timing>
+    <p:tnLst>
+      <p:par>
+        <p:cTn id="1" dur="indefinite" restart="never" nodeType="tmRoot"/>
+      </p:par>
+    </p:tnLst>
+  </p:timing>
 </p:sld>
 </file>
 
@@ -16768,17 +16751,17 @@
           <a:p>
             <a:pPr eaLnBrk="1" hangingPunct="1"/>
             <a:r>
-              <a:rPr lang="en-US" altLang="ko-KR" sz="2400" dirty="0">
+              <a:rPr lang="en-US" altLang="ko-KR" sz="2400" dirty="0" smtClean="0">
                 <a:ea typeface="굴림" panose="020B0600000101010101" pitchFamily="50" charset="-127"/>
               </a:rPr>
               <a:t>Nodal Analysis</a:t>
             </a:r>
-            <a:endParaRPr lang="ko-KR" altLang="en-US" sz="2400" dirty="0"/>
+            <a:endParaRPr lang="ko-KR" altLang="en-US" sz="2400" dirty="0" smtClean="0"/>
           </a:p>
         </p:txBody>
       </p:sp>
-      <mc:AlternateContent xmlns:mc="http://schemas.openxmlformats.org/markup-compatibility/2006" xmlns:a14="http://schemas.microsoft.com/office/drawing/2010/main">
-        <mc:Choice Requires="a14">
+      <mc:AlternateContent xmlns:mc="http://schemas.openxmlformats.org/markup-compatibility/2006">
+        <mc:Choice xmlns:a14="http://schemas.microsoft.com/office/drawing/2010/main" Requires="a14">
           <p:sp>
             <p:nvSpPr>
               <p:cNvPr id="28675" name="Rectangle 3"/>
@@ -16805,7 +16788,7 @@
                   <a:defRPr/>
                 </a:pPr>
                 <a:r>
-                  <a:rPr lang="en-US" altLang="ko-KR" sz="2800" b="1" dirty="0">
+                  <a:rPr lang="en-US" altLang="ko-KR" sz="2800" b="1" dirty="0" smtClean="0">
                     <a:solidFill>
                       <a:srgbClr val="0070C0"/>
                     </a:solidFill>
@@ -16813,13 +16796,19 @@
                   </a:rPr>
                   <a:t>Nodal Analysis</a:t>
                 </a:r>
+                <a:endParaRPr lang="en-US" altLang="ko-KR" sz="2800" b="1" dirty="0">
+                  <a:solidFill>
+                    <a:srgbClr val="0070C0"/>
+                  </a:solidFill>
+                  <a:ea typeface="굴림" pitchFamily="50" charset="-127"/>
+                </a:endParaRPr>
               </a:p>
               <a:p>
                 <a:pPr eaLnBrk="1" hangingPunct="1">
                   <a:defRPr/>
                 </a:pPr>
                 <a:r>
-                  <a:rPr lang="en-US" altLang="ko-KR" b="1" dirty="0">
+                  <a:rPr lang="en-US" altLang="ko-KR" b="1" dirty="0" smtClean="0">
                     <a:ea typeface="굴림" panose="020B0600000101010101" pitchFamily="50" charset="-127"/>
                   </a:rPr>
                   <a:t>Consider the right circuit</a:t>
@@ -16830,24 +16819,24 @@
                   <a:defRPr/>
                 </a:pPr>
                 <a:r>
-                  <a:rPr lang="en-US" altLang="ko-KR" b="1" dirty="0">
+                  <a:rPr lang="en-US" altLang="ko-KR" b="1" dirty="0" smtClean="0">
                     <a:ea typeface="굴림" panose="020B0600000101010101" pitchFamily="50" charset="-127"/>
                   </a:rPr>
                   <a:t>To know the circuit is </a:t>
                 </a:r>
                 <a:br>
-                  <a:rPr lang="en-US" altLang="ko-KR" b="1" dirty="0">
+                  <a:rPr lang="en-US" altLang="ko-KR" b="1" dirty="0" smtClean="0">
                     <a:ea typeface="굴림" panose="020B0600000101010101" pitchFamily="50" charset="-127"/>
                   </a:rPr>
                 </a:br>
                 <a:r>
-                  <a:rPr lang="en-US" altLang="ko-KR" b="1" dirty="0">
+                  <a:rPr lang="en-US" altLang="ko-KR" b="1" dirty="0" smtClean="0">
                     <a:ea typeface="굴림" panose="020B0600000101010101" pitchFamily="50" charset="-127"/>
                   </a:rPr>
                   <a:t>to know the </a:t>
                 </a:r>
                 <a:r>
-                  <a:rPr lang="en-US" altLang="ko-KR" b="1" i="1" dirty="0">
+                  <a:rPr lang="en-US" altLang="ko-KR" b="1" i="1" dirty="0" smtClean="0">
                     <a:solidFill>
                       <a:srgbClr val="A50021"/>
                     </a:solidFill>
@@ -16856,7 +16845,7 @@
                   <a:t>node voltage</a:t>
                 </a:r>
                 <a:br>
-                  <a:rPr lang="en-US" altLang="ko-KR" b="1" i="1" dirty="0">
+                  <a:rPr lang="en-US" altLang="ko-KR" b="1" i="1" dirty="0" smtClean="0">
                     <a:solidFill>
                       <a:srgbClr val="A50021"/>
                     </a:solidFill>
@@ -16999,13 +16988,13 @@
                   </m:oMath>
                 </a14:m>
                 <a:r>
-                  <a:rPr lang="en-US" altLang="ko-KR" b="1" dirty="0">
+                  <a:rPr lang="en-US" altLang="ko-KR" b="1" dirty="0" smtClean="0">
                     <a:ea typeface="굴림" panose="020B0600000101010101" pitchFamily="50" charset="-127"/>
                   </a:rPr>
                   <a:t> and the </a:t>
                 </a:r>
                 <a:r>
-                  <a:rPr lang="en-US" altLang="ko-KR" b="1" i="1" dirty="0">
+                  <a:rPr lang="en-US" altLang="ko-KR" b="1" i="1" dirty="0" smtClean="0">
                     <a:solidFill>
                       <a:srgbClr val="A50021"/>
                     </a:solidFill>
@@ -17014,7 +17003,7 @@
                   <a:t>branch </a:t>
                 </a:r>
                 <a:br>
-                  <a:rPr lang="en-US" altLang="ko-KR" b="1" i="1" dirty="0">
+                  <a:rPr lang="en-US" altLang="ko-KR" b="1" i="1" dirty="0" smtClean="0">
                     <a:solidFill>
                       <a:srgbClr val="A50021"/>
                     </a:solidFill>
@@ -17022,7 +17011,7 @@
                   </a:rPr>
                 </a:br>
                 <a:r>
-                  <a:rPr lang="en-US" altLang="ko-KR" b="1" i="1" dirty="0">
+                  <a:rPr lang="en-US" altLang="ko-KR" b="1" i="1" dirty="0" smtClean="0">
                     <a:solidFill>
                       <a:srgbClr val="A50021"/>
                     </a:solidFill>
@@ -17306,7 +17295,7 @@
                     </m:sSub>
                   </m:oMath>
                 </a14:m>
-                <a:endParaRPr lang="en-US" altLang="ko-KR" b="1" i="1" dirty="0">
+                <a:endParaRPr lang="en-US" altLang="ko-KR" b="1" i="1" dirty="0" smtClean="0">
                   <a:ea typeface="굴림" panose="020B0600000101010101" pitchFamily="50" charset="-127"/>
                 </a:endParaRPr>
               </a:p>
@@ -17314,7 +17303,7 @@
                 <a:pPr eaLnBrk="1" hangingPunct="1">
                   <a:defRPr/>
                 </a:pPr>
-                <a:endParaRPr lang="en-US" altLang="ko-KR" b="1" dirty="0">
+                <a:endParaRPr lang="en-US" altLang="ko-KR" b="1" dirty="0" smtClean="0">
                   <a:ea typeface="굴림" panose="020B0600000101010101" pitchFamily="50" charset="-127"/>
                 </a:endParaRPr>
               </a:p>
@@ -17323,7 +17312,7 @@
                   <a:defRPr/>
                 </a:pPr>
                 <a:r>
-                  <a:rPr lang="en-US" altLang="ko-KR" b="1" dirty="0">
+                  <a:rPr lang="en-US" altLang="ko-KR" b="1" dirty="0" smtClean="0">
                     <a:ea typeface="굴림" panose="020B0600000101010101" pitchFamily="50" charset="-127"/>
                   </a:rPr>
                   <a:t>If we know </a:t>
@@ -17476,8 +17465,14 @@
                     </m:r>
                   </m:oMath>
                 </a14:m>
+                <a:r>
+                  <a:rPr lang="en-US" altLang="ko-KR" b="1" dirty="0" smtClean="0">
+                    <a:ea typeface="굴림" panose="020B0600000101010101" pitchFamily="50" charset="-127"/>
+                  </a:rPr>
+                  <a:t/>
+                </a:r>
                 <a:br>
-                  <a:rPr lang="en-US" altLang="ko-KR" b="1" dirty="0">
+                  <a:rPr lang="en-US" altLang="ko-KR" b="1" dirty="0" smtClean="0">
                     <a:ea typeface="굴림" panose="020B0600000101010101" pitchFamily="50" charset="-127"/>
                   </a:rPr>
                 </a:br>
@@ -17696,13 +17691,13 @@
                   </m:oMath>
                 </a14:m>
                 <a:r>
-                  <a:rPr lang="en-US" altLang="ko-KR" b="1" dirty="0">
+                  <a:rPr lang="en-US" altLang="ko-KR" b="1" dirty="0" smtClean="0">
                     <a:ea typeface="굴림" panose="020B0600000101010101" pitchFamily="50" charset="-127"/>
                   </a:rPr>
                   <a:t> (</a:t>
                 </a:r>
                 <a:r>
-                  <a:rPr lang="en-US" altLang="ko-KR" b="1" i="1" dirty="0">
+                  <a:rPr lang="en-US" altLang="ko-KR" b="1" i="1" dirty="0" smtClean="0">
                     <a:solidFill>
                       <a:srgbClr val="A50021"/>
                     </a:solidFill>
@@ -17711,13 +17706,13 @@
                   <a:t>Ohm’s law</a:t>
                 </a:r>
                 <a:r>
-                  <a:rPr lang="en-US" altLang="ko-KR" b="1" dirty="0">
+                  <a:rPr lang="en-US" altLang="ko-KR" b="1" dirty="0" smtClean="0">
                     <a:ea typeface="굴림" panose="020B0600000101010101" pitchFamily="50" charset="-127"/>
                   </a:rPr>
                   <a:t>) and </a:t>
                 </a:r>
                 <a:br>
-                  <a:rPr lang="en-US" altLang="ko-KR" b="1" dirty="0">
+                  <a:rPr lang="en-US" altLang="ko-KR" b="1" dirty="0" smtClean="0">
                     <a:ea typeface="굴림" panose="020B0600000101010101" pitchFamily="50" charset="-127"/>
                   </a:rPr>
                 </a:br>
@@ -17950,10 +17945,16 @@
                   </m:oMath>
                 </a14:m>
                 <a:r>
+                  <a:rPr lang="en-US" altLang="ko-KR" b="1" dirty="0" smtClean="0">
+                    <a:ea typeface="굴림" panose="020B0600000101010101" pitchFamily="50" charset="-127"/>
+                  </a:rPr>
+                  <a:t> </a:t>
+                </a:r>
+                <a:r>
                   <a:rPr lang="en-US" altLang="ko-KR" b="1" dirty="0">
                     <a:ea typeface="굴림" panose="020B0600000101010101" pitchFamily="50" charset="-127"/>
                   </a:rPr>
-                  <a:t> (</a:t>
+                  <a:t>(</a:t>
                 </a:r>
                 <a:r>
                   <a:rPr lang="en-US" altLang="ko-KR" b="1" i="1" dirty="0">
@@ -17968,10 +17969,16 @@
                   <a:rPr lang="en-US" altLang="ko-KR" b="1" dirty="0">
                     <a:ea typeface="굴림" panose="020B0600000101010101" pitchFamily="50" charset="-127"/>
                   </a:rPr>
-                  <a:t>) and </a:t>
+                  <a:t>) </a:t>
+                </a:r>
+                <a:r>
+                  <a:rPr lang="en-US" altLang="ko-KR" b="1" dirty="0" smtClean="0">
+                    <a:ea typeface="굴림" panose="020B0600000101010101" pitchFamily="50" charset="-127"/>
+                  </a:rPr>
+                  <a:t>and </a:t>
                 </a:r>
                 <a:br>
-                  <a:rPr lang="en-US" altLang="ko-KR" b="1" dirty="0">
+                  <a:rPr lang="en-US" altLang="ko-KR" b="1" dirty="0" smtClean="0">
                     <a:ea typeface="굴림" panose="020B0600000101010101" pitchFamily="50" charset="-127"/>
                   </a:rPr>
                 </a:br>
@@ -18232,13 +18239,13 @@
                   </m:oMath>
                 </a14:m>
                 <a:r>
-                  <a:rPr lang="en-US" altLang="ko-KR" b="1" dirty="0">
+                  <a:rPr lang="en-US" altLang="ko-KR" b="1" dirty="0" smtClean="0">
                     <a:ea typeface="굴림" panose="020B0600000101010101" pitchFamily="50" charset="-127"/>
                   </a:rPr>
                   <a:t> (</a:t>
                 </a:r>
                 <a:r>
-                  <a:rPr lang="en-US" altLang="ko-KR" b="1" i="1" dirty="0">
+                  <a:rPr lang="en-US" altLang="ko-KR" b="1" i="1" dirty="0" smtClean="0">
                     <a:solidFill>
                       <a:srgbClr val="A50021"/>
                     </a:solidFill>
@@ -18247,16 +18254,19 @@
                   <a:t>KCL</a:t>
                 </a:r>
                 <a:r>
-                  <a:rPr lang="en-US" altLang="ko-KR" b="1" dirty="0">
+                  <a:rPr lang="en-US" altLang="ko-KR" b="1" dirty="0" smtClean="0">
                     <a:ea typeface="굴림" panose="020B0600000101010101" pitchFamily="50" charset="-127"/>
                   </a:rPr>
                   <a:t>)</a:t>
                 </a:r>
+                <a:endParaRPr lang="en-US" altLang="ko-KR" b="1" dirty="0">
+                  <a:ea typeface="굴림" panose="020B0600000101010101" pitchFamily="50" charset="-127"/>
+                </a:endParaRPr>
               </a:p>
             </p:txBody>
           </p:sp>
         </mc:Choice>
-        <mc:Fallback xmlns="">
+        <mc:Fallback>
           <p:sp>
             <p:nvSpPr>
               <p:cNvPr id="28675" name="Rectangle 3"/>
@@ -18304,18 +18314,14 @@
   <p:clrMapOvr>
     <a:masterClrMapping/>
   </p:clrMapOvr>
-  <mc:AlternateContent xmlns:mc="http://schemas.openxmlformats.org/markup-compatibility/2006">
-    <mc:Choice xmlns:p159="http://schemas.microsoft.com/office/powerpoint/2015/09/main" Requires="p159">
-      <p:transition>
-        <p159:morph option="byChar"/>
-      </p:transition>
-    </mc:Choice>
-    <mc:Fallback>
-      <p:transition>
-        <p:fade/>
-      </p:transition>
-    </mc:Fallback>
-  </mc:AlternateContent>
+  <p:transition spd="med"/>
+  <p:timing>
+    <p:tnLst>
+      <p:par>
+        <p:cTn id="1" dur="indefinite" restart="never" nodeType="tmRoot"/>
+      </p:par>
+    </p:tnLst>
+  </p:timing>
 </p:sld>
 </file>
 
@@ -18353,12 +18359,18 @@
           <a:p>
             <a:pPr eaLnBrk="1" hangingPunct="1"/>
             <a:r>
-              <a:rPr lang="en-US" altLang="ko-KR" sz="1800" dirty="0">
-                <a:ea typeface="굴림" panose="020B0600000101010101" pitchFamily="50" charset="-127"/>
-              </a:rPr>
-              <a:t>Linearity Property</a:t>
-            </a:r>
-            <a:endParaRPr lang="ko-KR" altLang="en-US" sz="1800" dirty="0"/>
+              <a:rPr lang="en-US" altLang="ko-KR" sz="1800" dirty="0" smtClean="0">
+                <a:ea typeface="굴림" panose="020B0600000101010101" pitchFamily="50" charset="-127"/>
+              </a:rPr>
+              <a:t>Linearity </a:t>
+            </a:r>
+            <a:r>
+              <a:rPr lang="en-US" altLang="ko-KR" sz="1800" dirty="0" smtClean="0">
+                <a:ea typeface="굴림" panose="020B0600000101010101" pitchFamily="50" charset="-127"/>
+              </a:rPr>
+              <a:t>Property</a:t>
+            </a:r>
+            <a:endParaRPr lang="ko-KR" altLang="en-US" sz="1800" dirty="0" smtClean="0"/>
           </a:p>
         </p:txBody>
       </p:sp>
@@ -18388,13 +18400,22 @@
               <a:defRPr/>
             </a:pPr>
             <a:r>
-              <a:rPr lang="en-US" altLang="ko-KR" sz="3200" b="1" dirty="0">
+              <a:rPr lang="en-US" altLang="ko-KR" sz="3200" b="1" dirty="0" smtClean="0">
                 <a:solidFill>
                   <a:srgbClr val="0070C0"/>
                 </a:solidFill>
                 <a:ea typeface="굴림" charset="-127"/>
               </a:rPr>
-              <a:t>Linearity Property</a:t>
+              <a:t>Linearity </a:t>
+            </a:r>
+            <a:r>
+              <a:rPr lang="en-US" altLang="ko-KR" sz="3200" b="1" dirty="0" smtClean="0">
+                <a:solidFill>
+                  <a:srgbClr val="0070C0"/>
+                </a:solidFill>
+                <a:ea typeface="굴림" charset="-127"/>
+              </a:rPr>
+              <a:t>Property</a:t>
             </a:r>
           </a:p>
           <a:p>
@@ -18402,10 +18423,16 @@
               <a:defRPr/>
             </a:pPr>
             <a:r>
+              <a:rPr lang="en-US" altLang="ko-KR" b="1" dirty="0" smtClean="0">
+                <a:ea typeface="굴림" panose="020B0600000101010101" pitchFamily="50" charset="-127"/>
+              </a:rPr>
+              <a:t>Linearity </a:t>
+            </a:r>
+            <a:r>
               <a:rPr lang="en-US" altLang="ko-KR" b="1" dirty="0">
                 <a:ea typeface="굴림" panose="020B0600000101010101" pitchFamily="50" charset="-127"/>
               </a:rPr>
-              <a:t>Linearity in a circuit means that as current is changed, the voltage changes proportionally</a:t>
+              <a:t>in a circuit means that as current is changed, the voltage changes proportionally</a:t>
             </a:r>
           </a:p>
           <a:p>
@@ -18496,18 +18523,14 @@
   <p:clrMapOvr>
     <a:masterClrMapping/>
   </p:clrMapOvr>
-  <mc:AlternateContent xmlns:mc="http://schemas.openxmlformats.org/markup-compatibility/2006">
-    <mc:Choice xmlns:p159="http://schemas.microsoft.com/office/powerpoint/2015/09/main" Requires="p159">
-      <p:transition>
-        <p159:morph option="byChar"/>
-      </p:transition>
-    </mc:Choice>
-    <mc:Fallback>
-      <p:transition>
-        <p:fade/>
-      </p:transition>
-    </mc:Fallback>
-  </mc:AlternateContent>
+  <p:transition spd="med"/>
+  <p:timing>
+    <p:tnLst>
+      <p:par>
+        <p:cTn id="1" dur="indefinite" restart="never" nodeType="tmRoot"/>
+      </p:par>
+    </p:tnLst>
+  </p:timing>
 </p:sld>
 </file>
 
@@ -18545,12 +18568,12 @@
           <a:p>
             <a:pPr eaLnBrk="1" hangingPunct="1"/>
             <a:r>
-              <a:rPr lang="en-US" altLang="ko-KR" sz="1800" dirty="0">
+              <a:rPr lang="en-US" altLang="ko-KR" sz="1800" dirty="0" smtClean="0">
                 <a:ea typeface="굴림" panose="020B0600000101010101" pitchFamily="50" charset="-127"/>
               </a:rPr>
               <a:t>Superposition</a:t>
             </a:r>
-            <a:endParaRPr lang="ko-KR" altLang="en-US" sz="1800" dirty="0"/>
+            <a:endParaRPr lang="ko-KR" altLang="en-US" sz="1800" dirty="0" smtClean="0"/>
           </a:p>
         </p:txBody>
       </p:sp>
@@ -18579,15 +18602,33 @@
               <a:defRPr/>
             </a:pPr>
             <a:r>
+              <a:rPr lang="en-US" altLang="ko-KR" sz="3200" b="1" i="1" dirty="0" smtClean="0">
+                <a:solidFill>
+                  <a:srgbClr val="0070C0"/>
+                </a:solidFill>
+                <a:ea typeface="굴림" panose="020B0600000101010101" pitchFamily="50" charset="-127"/>
+              </a:rPr>
+              <a:t>Principle </a:t>
+            </a:r>
+            <a:r>
               <a:rPr lang="en-US" altLang="ko-KR" sz="3200" b="1" i="1" dirty="0">
                 <a:solidFill>
                   <a:srgbClr val="0070C0"/>
                 </a:solidFill>
                 <a:ea typeface="굴림" panose="020B0600000101010101" pitchFamily="50" charset="-127"/>
               </a:rPr>
-              <a:t>Principle of Superposition</a:t>
-            </a:r>
-            <a:endParaRPr lang="en-US" altLang="ko-KR" sz="3200" b="1" dirty="0">
+              <a:t>of </a:t>
+            </a:r>
+            <a:r>
+              <a:rPr lang="en-US" altLang="ko-KR" sz="3200" b="1" i="1" dirty="0" smtClean="0">
+                <a:solidFill>
+                  <a:srgbClr val="0070C0"/>
+                </a:solidFill>
+                <a:ea typeface="굴림" panose="020B0600000101010101" pitchFamily="50" charset="-127"/>
+              </a:rPr>
+              <a:t>Superposition</a:t>
+            </a:r>
+            <a:endParaRPr lang="en-US" altLang="ko-KR" sz="3200" b="1" dirty="0" smtClean="0">
               <a:solidFill>
                 <a:srgbClr val="0070C0"/>
               </a:solidFill>
@@ -18599,7 +18640,7 @@
               <a:defRPr/>
             </a:pPr>
             <a:r>
-              <a:rPr lang="en-US" altLang="ko-KR" sz="2800" b="1" dirty="0">
+              <a:rPr lang="en-US" altLang="ko-KR" sz="2800" b="1" dirty="0" smtClean="0">
                 <a:ea typeface="굴림" panose="020B0600000101010101" pitchFamily="50" charset="-127"/>
               </a:rPr>
               <a:t>A linear circuit with multiple independent sources</a:t>
@@ -18610,13 +18651,13 @@
               <a:defRPr/>
             </a:pPr>
             <a:r>
-              <a:rPr lang="en-US" altLang="ko-KR" sz="2400" b="1" dirty="0">
+              <a:rPr lang="en-US" altLang="ko-KR" sz="2400" b="1" dirty="0" smtClean="0">
                 <a:ea typeface="굴림" panose="020B0600000101010101" pitchFamily="50" charset="-127"/>
               </a:rPr>
               <a:t>The voltage or current at any point in the network is equal to the </a:t>
             </a:r>
             <a:r>
-              <a:rPr lang="en-US" altLang="ko-KR" sz="2400" b="1" i="1" dirty="0">
+              <a:rPr lang="en-US" altLang="ko-KR" sz="2400" b="1" i="1" dirty="0" smtClean="0">
                 <a:solidFill>
                   <a:srgbClr val="A50021"/>
                 </a:solidFill>
@@ -18625,13 +18666,13 @@
               <a:t>algebraic sum of </a:t>
             </a:r>
             <a:r>
-              <a:rPr lang="en-US" altLang="ko-KR" sz="2400" b="1" dirty="0">
+              <a:rPr lang="en-US" altLang="ko-KR" sz="2400" b="1" dirty="0" smtClean="0">
                 <a:ea typeface="굴림" panose="020B0600000101010101" pitchFamily="50" charset="-127"/>
               </a:rPr>
               <a:t>the contributions of </a:t>
             </a:r>
             <a:r>
-              <a:rPr lang="en-US" altLang="ko-KR" sz="2400" b="1" i="1" dirty="0">
+              <a:rPr lang="en-US" altLang="ko-KR" sz="2400" b="1" i="1" dirty="0" smtClean="0">
                 <a:solidFill>
                   <a:srgbClr val="A50021"/>
                 </a:solidFill>
@@ -18640,7 +18681,7 @@
               <a:t>each source </a:t>
             </a:r>
             <a:r>
-              <a:rPr lang="en-US" altLang="ko-KR" sz="2400" b="1" dirty="0">
+              <a:rPr lang="en-US" altLang="ko-KR" sz="2400" b="1" dirty="0" smtClean="0">
                 <a:ea typeface="굴림" panose="020B0600000101010101" pitchFamily="50" charset="-127"/>
               </a:rPr>
               <a:t>acting along.</a:t>
@@ -18651,13 +18692,13 @@
               <a:defRPr/>
             </a:pPr>
             <a:r>
-              <a:rPr lang="en-US" altLang="ko-KR" sz="2400" b="1" dirty="0">
+              <a:rPr lang="en-US" altLang="ko-KR" sz="2400" b="1" dirty="0" smtClean="0">
                 <a:ea typeface="굴림" panose="020B0600000101010101" pitchFamily="50" charset="-127"/>
               </a:rPr>
               <a:t>In calculating the contribution of an individual source, the </a:t>
             </a:r>
             <a:r>
-              <a:rPr lang="en-US" altLang="ko-KR" sz="2400" b="1" i="1" dirty="0">
+              <a:rPr lang="en-US" altLang="ko-KR" sz="2400" b="1" i="1" dirty="0" smtClean="0">
                 <a:solidFill>
                   <a:srgbClr val="A50021"/>
                 </a:solidFill>
@@ -18666,13 +18707,13 @@
               <a:t>remaining sources </a:t>
             </a:r>
             <a:r>
-              <a:rPr lang="en-US" altLang="ko-KR" sz="2400" b="1" dirty="0">
+              <a:rPr lang="en-US" altLang="ko-KR" sz="2400" b="1" dirty="0" smtClean="0">
                 <a:ea typeface="굴림" panose="020B0600000101010101" pitchFamily="50" charset="-127"/>
               </a:rPr>
               <a:t>in the network </a:t>
             </a:r>
             <a:r>
-              <a:rPr lang="en-US" altLang="ko-KR" sz="2400" b="1" i="1" dirty="0">
+              <a:rPr lang="en-US" altLang="ko-KR" sz="2400" b="1" i="1" dirty="0" smtClean="0">
                 <a:solidFill>
                   <a:srgbClr val="A50021"/>
                 </a:solidFill>
@@ -18681,7 +18722,7 @@
               <a:t>must be made zero</a:t>
             </a:r>
             <a:r>
-              <a:rPr lang="en-US" altLang="ko-KR" sz="2400" b="1" dirty="0">
+              <a:rPr lang="en-US" altLang="ko-KR" sz="2400" b="1" dirty="0" smtClean="0">
                 <a:ea typeface="굴림" panose="020B0600000101010101" pitchFamily="50" charset="-127"/>
               </a:rPr>
               <a:t>.</a:t>
@@ -18692,7 +18733,7 @@
               <a:defRPr/>
             </a:pPr>
             <a:r>
-              <a:rPr lang="en-US" altLang="ko-KR" sz="2800" b="1" dirty="0">
+              <a:rPr lang="en-US" altLang="ko-KR" sz="2800" b="1" dirty="0" smtClean="0">
                 <a:ea typeface="굴림" panose="020B0600000101010101" pitchFamily="50" charset="-127"/>
               </a:rPr>
               <a:t>Made zero means</a:t>
@@ -18703,13 +18744,13 @@
               <a:defRPr/>
             </a:pPr>
             <a:r>
-              <a:rPr lang="en-US" altLang="ko-KR" sz="2400" b="1" dirty="0">
+              <a:rPr lang="en-US" altLang="ko-KR" sz="2400" b="1" dirty="0" smtClean="0">
                 <a:ea typeface="굴림" panose="020B0600000101010101" pitchFamily="50" charset="-127"/>
               </a:rPr>
               <a:t>a </a:t>
             </a:r>
             <a:r>
-              <a:rPr lang="en-US" altLang="ko-KR" sz="2400" b="1" i="1" dirty="0">
+              <a:rPr lang="en-US" altLang="ko-KR" sz="2400" b="1" i="1" dirty="0" smtClean="0">
                 <a:solidFill>
                   <a:srgbClr val="A50021"/>
                 </a:solidFill>
@@ -18718,13 +18759,13 @@
               <a:t>voltage source </a:t>
             </a:r>
             <a:r>
-              <a:rPr lang="en-US" altLang="ko-KR" sz="2400" b="1" dirty="0">
+              <a:rPr lang="en-US" altLang="ko-KR" sz="2400" b="1" dirty="0" smtClean="0">
                 <a:ea typeface="굴림" panose="020B0600000101010101" pitchFamily="50" charset="-127"/>
               </a:rPr>
               <a:t>by replacing it with a </a:t>
             </a:r>
             <a:r>
-              <a:rPr lang="en-US" altLang="ko-KR" sz="2400" b="1" i="1" dirty="0">
+              <a:rPr lang="en-US" altLang="ko-KR" sz="2400" b="1" i="1" dirty="0" smtClean="0">
                 <a:solidFill>
                   <a:srgbClr val="A50021"/>
                 </a:solidFill>
@@ -18733,7 +18774,7 @@
               <a:t>short</a:t>
             </a:r>
             <a:r>
-              <a:rPr lang="en-US" altLang="ko-KR" sz="2400" b="1" dirty="0">
+              <a:rPr lang="en-US" altLang="ko-KR" sz="2400" b="1" dirty="0" smtClean="0">
                 <a:ea typeface="굴림" panose="020B0600000101010101" pitchFamily="50" charset="-127"/>
               </a:rPr>
               <a:t> circuit</a:t>
@@ -18744,13 +18785,13 @@
               <a:defRPr/>
             </a:pPr>
             <a:r>
-              <a:rPr lang="en-US" altLang="ko-KR" sz="2400" b="1" dirty="0">
+              <a:rPr lang="en-US" altLang="ko-KR" sz="2400" b="1" dirty="0" smtClean="0">
                 <a:ea typeface="굴림" panose="020B0600000101010101" pitchFamily="50" charset="-127"/>
               </a:rPr>
               <a:t>a </a:t>
             </a:r>
             <a:r>
-              <a:rPr lang="en-US" altLang="ko-KR" sz="2400" b="1" i="1" dirty="0">
+              <a:rPr lang="en-US" altLang="ko-KR" sz="2400" b="1" i="1" dirty="0" smtClean="0">
                 <a:solidFill>
                   <a:srgbClr val="A50021"/>
                 </a:solidFill>
@@ -18759,13 +18800,13 @@
               <a:t>current source </a:t>
             </a:r>
             <a:r>
-              <a:rPr lang="en-US" altLang="ko-KR" sz="2400" b="1" dirty="0">
+              <a:rPr lang="en-US" altLang="ko-KR" sz="2400" b="1" dirty="0" smtClean="0">
                 <a:ea typeface="굴림" panose="020B0600000101010101" pitchFamily="50" charset="-127"/>
               </a:rPr>
               <a:t>by replacing it with a </a:t>
             </a:r>
             <a:r>
-              <a:rPr lang="en-US" altLang="ko-KR" sz="2400" b="1" i="1" dirty="0">
+              <a:rPr lang="en-US" altLang="ko-KR" sz="2400" b="1" i="1" dirty="0" smtClean="0">
                 <a:solidFill>
                   <a:srgbClr val="A50021"/>
                 </a:solidFill>
@@ -18774,7 +18815,7 @@
               <a:t>open</a:t>
             </a:r>
             <a:r>
-              <a:rPr lang="en-US" altLang="ko-KR" sz="2400" b="1" dirty="0">
+              <a:rPr lang="en-US" altLang="ko-KR" sz="2400" b="1" dirty="0" smtClean="0">
                 <a:ea typeface="굴림" panose="020B0600000101010101" pitchFamily="50" charset="-127"/>
               </a:rPr>
               <a:t> circuit</a:t>
@@ -18792,18 +18833,14 @@
   <p:clrMapOvr>
     <a:masterClrMapping/>
   </p:clrMapOvr>
-  <mc:AlternateContent xmlns:mc="http://schemas.openxmlformats.org/markup-compatibility/2006">
-    <mc:Choice xmlns:p159="http://schemas.microsoft.com/office/powerpoint/2015/09/main" Requires="p159">
-      <p:transition>
-        <p159:morph option="byChar"/>
-      </p:transition>
-    </mc:Choice>
-    <mc:Fallback>
-      <p:transition>
-        <p:fade/>
-      </p:transition>
-    </mc:Fallback>
-  </mc:AlternateContent>
+  <p:transition spd="med"/>
+  <p:timing>
+    <p:tnLst>
+      <p:par>
+        <p:cTn id="1" dur="indefinite" restart="never" nodeType="tmRoot"/>
+      </p:par>
+    </p:tnLst>
+  </p:timing>
 </p:sld>
 </file>
 
@@ -18841,12 +18878,12 @@
           <a:p>
             <a:pPr eaLnBrk="1" hangingPunct="1"/>
             <a:r>
-              <a:rPr lang="en-US" altLang="ko-KR" sz="1800" dirty="0">
+              <a:rPr lang="en-US" altLang="ko-KR" sz="1800" dirty="0" smtClean="0">
                 <a:ea typeface="굴림" panose="020B0600000101010101" pitchFamily="50" charset="-127"/>
               </a:rPr>
               <a:t>Superposition</a:t>
             </a:r>
-            <a:endParaRPr lang="ko-KR" altLang="en-US" sz="1800" dirty="0"/>
+            <a:endParaRPr lang="ko-KR" altLang="en-US" sz="1800" dirty="0" smtClean="0"/>
           </a:p>
         </p:txBody>
       </p:sp>
@@ -18882,9 +18919,18 @@
                 </a:solidFill>
                 <a:ea typeface="굴림" panose="020B0600000101010101" pitchFamily="50" charset="-127"/>
               </a:rPr>
-              <a:t>Applying Superposition</a:t>
-            </a:r>
-            <a:endParaRPr lang="en-US" altLang="ko-KR" sz="2800" b="1" dirty="0">
+              <a:t>Applying </a:t>
+            </a:r>
+            <a:r>
+              <a:rPr lang="en-US" altLang="ko-KR" sz="2800" b="1" dirty="0" smtClean="0">
+                <a:solidFill>
+                  <a:srgbClr val="0070C0"/>
+                </a:solidFill>
+                <a:ea typeface="굴림" panose="020B0600000101010101" pitchFamily="50" charset="-127"/>
+              </a:rPr>
+              <a:t>Superposition</a:t>
+            </a:r>
+            <a:endParaRPr lang="en-US" altLang="ko-KR" sz="2800" b="1" dirty="0" smtClean="0">
               <a:solidFill>
                 <a:srgbClr val="0070C0"/>
               </a:solidFill>
@@ -18934,8 +18980,35 @@
               <a:rPr lang="en-US" altLang="ko-KR" b="1" dirty="0">
                 <a:ea typeface="굴림" panose="020B0600000101010101" pitchFamily="50" charset="-127"/>
               </a:rPr>
-              <a:t>1. Turn off all independent sources except one source. Find the output voltage or current.</a:t>
-            </a:r>
+              <a:t>1. Turn off all independent sources except one source. </a:t>
+            </a:r>
+            <a:r>
+              <a:rPr lang="en-US" altLang="ko-KR" b="1" dirty="0">
+                <a:ea typeface="굴림" panose="020B0600000101010101" pitchFamily="50" charset="-127"/>
+              </a:rPr>
+              <a:t>Find the output </a:t>
+            </a:r>
+            <a:r>
+              <a:rPr lang="en-US" altLang="ko-KR" b="1" dirty="0" smtClean="0">
+                <a:ea typeface="굴림" panose="020B0600000101010101" pitchFamily="50" charset="-127"/>
+              </a:rPr>
+              <a:t>voltage </a:t>
+            </a:r>
+            <a:r>
+              <a:rPr lang="en-US" altLang="ko-KR" b="1" dirty="0">
+                <a:ea typeface="굴림" panose="020B0600000101010101" pitchFamily="50" charset="-127"/>
+              </a:rPr>
+              <a:t>or </a:t>
+            </a:r>
+            <a:r>
+              <a:rPr lang="en-US" altLang="ko-KR" b="1" dirty="0" smtClean="0">
+                <a:ea typeface="굴림" panose="020B0600000101010101" pitchFamily="50" charset="-127"/>
+              </a:rPr>
+              <a:t>current.</a:t>
+            </a:r>
+            <a:endParaRPr lang="en-US" altLang="ko-KR" b="1" dirty="0">
+              <a:ea typeface="굴림" panose="020B0600000101010101" pitchFamily="50" charset="-127"/>
+            </a:endParaRPr>
           </a:p>
           <a:p>
             <a:pPr lvl="1">
@@ -18975,18 +19048,14 @@
   <p:clrMapOvr>
     <a:masterClrMapping/>
   </p:clrMapOvr>
-  <mc:AlternateContent xmlns:mc="http://schemas.openxmlformats.org/markup-compatibility/2006">
-    <mc:Choice xmlns:p159="http://schemas.microsoft.com/office/powerpoint/2015/09/main" Requires="p159">
-      <p:transition>
-        <p159:morph option="byChar"/>
-      </p:transition>
-    </mc:Choice>
-    <mc:Fallback>
-      <p:transition>
-        <p:fade/>
-      </p:transition>
-    </mc:Fallback>
-  </mc:AlternateContent>
+  <p:transition spd="med"/>
+  <p:timing>
+    <p:tnLst>
+      <p:par>
+        <p:cTn id="1" dur="indefinite" restart="never" nodeType="tmRoot"/>
+      </p:par>
+    </p:tnLst>
+  </p:timing>
 </p:sld>
 </file>
 
@@ -19024,12 +19093,12 @@
           <a:p>
             <a:pPr eaLnBrk="1" hangingPunct="1"/>
             <a:r>
-              <a:rPr lang="en-US" altLang="ko-KR" sz="1800" dirty="0">
+              <a:rPr lang="en-US" altLang="ko-KR" sz="1800" dirty="0" smtClean="0">
                 <a:ea typeface="굴림" panose="020B0600000101010101" pitchFamily="50" charset="-127"/>
               </a:rPr>
               <a:t>Superposition</a:t>
             </a:r>
-            <a:endParaRPr lang="ko-KR" altLang="en-US" sz="1800" dirty="0"/>
+            <a:endParaRPr lang="ko-KR" altLang="en-US" sz="1800" dirty="0" smtClean="0"/>
           </a:p>
         </p:txBody>
       </p:sp>
@@ -19059,7 +19128,7 @@
               <a:defRPr/>
             </a:pPr>
             <a:r>
-              <a:rPr lang="en-US" altLang="ko-KR" sz="3200" b="1" dirty="0">
+              <a:rPr lang="en-US" altLang="ko-KR" sz="3200" b="1" dirty="0" smtClean="0">
                 <a:solidFill>
                   <a:srgbClr val="0070C0"/>
                 </a:solidFill>
@@ -19067,6 +19136,20 @@
               </a:rPr>
               <a:t>Example 3.14</a:t>
             </a:r>
+            <a:endParaRPr lang="en-US" altLang="ko-KR" sz="3200" b="1" dirty="0" smtClean="0">
+              <a:solidFill>
+                <a:srgbClr val="0070C0"/>
+              </a:solidFill>
+              <a:ea typeface="굴림" charset="-127"/>
+            </a:endParaRPr>
+          </a:p>
+          <a:p>
+            <a:pPr>
+              <a:defRPr/>
+            </a:pPr>
+            <a:endParaRPr lang="en-US" altLang="ko-KR" b="1" dirty="0" smtClean="0">
+              <a:ea typeface="굴림" panose="020B0600000101010101" pitchFamily="50" charset="-127"/>
+            </a:endParaRPr>
           </a:p>
           <a:p>
             <a:pPr>
@@ -19080,7 +19163,7 @@
             <a:pPr>
               <a:defRPr/>
             </a:pPr>
-            <a:endParaRPr lang="en-US" altLang="ko-KR" b="1" dirty="0">
+            <a:endParaRPr lang="en-US" altLang="ko-KR" b="1" dirty="0" smtClean="0">
               <a:ea typeface="굴림" panose="020B0600000101010101" pitchFamily="50" charset="-127"/>
             </a:endParaRPr>
           </a:p>
@@ -19096,7 +19179,7 @@
             <a:pPr>
               <a:defRPr/>
             </a:pPr>
-            <a:endParaRPr lang="en-US" altLang="ko-KR" b="1" dirty="0">
+            <a:endParaRPr lang="en-US" altLang="ko-KR" b="1" dirty="0" smtClean="0">
               <a:ea typeface="굴림" panose="020B0600000101010101" pitchFamily="50" charset="-127"/>
             </a:endParaRPr>
           </a:p>
@@ -19104,15 +19187,7 @@
             <a:pPr>
               <a:defRPr/>
             </a:pPr>
-            <a:endParaRPr lang="en-US" altLang="ko-KR" b="1" dirty="0">
-              <a:ea typeface="굴림" panose="020B0600000101010101" pitchFamily="50" charset="-127"/>
-            </a:endParaRPr>
-          </a:p>
-          <a:p>
-            <a:pPr>
-              <a:defRPr/>
-            </a:pPr>
-            <a:endParaRPr lang="en-US" altLang="ko-KR" b="1" dirty="0">
+            <a:endParaRPr lang="en-US" altLang="ko-KR" b="1" dirty="0" smtClean="0">
               <a:ea typeface="굴림" panose="020B0600000101010101" pitchFamily="50" charset="-127"/>
             </a:endParaRPr>
           </a:p>
@@ -19158,18 +19233,14 @@
   <p:clrMapOvr>
     <a:masterClrMapping/>
   </p:clrMapOvr>
-  <mc:AlternateContent xmlns:mc="http://schemas.openxmlformats.org/markup-compatibility/2006">
-    <mc:Choice xmlns:p159="http://schemas.microsoft.com/office/powerpoint/2015/09/main" Requires="p159">
-      <p:transition>
-        <p159:morph option="byChar"/>
-      </p:transition>
-    </mc:Choice>
-    <mc:Fallback>
-      <p:transition>
-        <p:fade/>
-      </p:transition>
-    </mc:Fallback>
-  </mc:AlternateContent>
+  <p:transition spd="med"/>
+  <p:timing>
+    <p:tnLst>
+      <p:par>
+        <p:cTn id="1" dur="indefinite" restart="never" nodeType="tmRoot"/>
+      </p:par>
+    </p:tnLst>
+  </p:timing>
 </p:sld>
 </file>
 
@@ -19207,12 +19278,18 @@
           <a:p>
             <a:pPr eaLnBrk="1" hangingPunct="1"/>
             <a:r>
-              <a:rPr lang="en-US" altLang="ko-KR" sz="1800" dirty="0">
-                <a:ea typeface="굴림" panose="020B0600000101010101" pitchFamily="50" charset="-127"/>
-              </a:rPr>
-              <a:t>Thevenin’s Theorem</a:t>
-            </a:r>
-            <a:endParaRPr lang="ko-KR" altLang="en-US" sz="1800" dirty="0"/>
+              <a:rPr lang="en-US" altLang="ko-KR" sz="1800" dirty="0" smtClean="0">
+                <a:ea typeface="굴림" panose="020B0600000101010101" pitchFamily="50" charset="-127"/>
+              </a:rPr>
+              <a:t>Thevenin’s </a:t>
+            </a:r>
+            <a:r>
+              <a:rPr lang="en-US" altLang="ko-KR" sz="1800" dirty="0" smtClean="0">
+                <a:ea typeface="굴림" panose="020B0600000101010101" pitchFamily="50" charset="-127"/>
+              </a:rPr>
+              <a:t>Theorem</a:t>
+            </a:r>
+            <a:endParaRPr lang="ko-KR" altLang="en-US" sz="1800" dirty="0" smtClean="0"/>
           </a:p>
         </p:txBody>
       </p:sp>
@@ -19242,14 +19319,29 @@
               <a:defRPr/>
             </a:pPr>
             <a:r>
+              <a:rPr lang="en-US" altLang="ko-KR" sz="3200" b="1" dirty="0" smtClean="0">
+                <a:solidFill>
+                  <a:srgbClr val="0070C0"/>
+                </a:solidFill>
+                <a:ea typeface="굴림" panose="020B0600000101010101" pitchFamily="50" charset="-127"/>
+              </a:rPr>
+              <a:t>Thevenin’s </a:t>
+            </a:r>
+            <a:r>
               <a:rPr lang="en-US" altLang="ko-KR" sz="3200" b="1" dirty="0">
                 <a:solidFill>
                   <a:srgbClr val="0070C0"/>
                 </a:solidFill>
                 <a:ea typeface="굴림" panose="020B0600000101010101" pitchFamily="50" charset="-127"/>
               </a:rPr>
-              <a:t>Thevenin’s Theorem</a:t>
-            </a:r>
+              <a:t>Theorem</a:t>
+            </a:r>
+            <a:endParaRPr lang="en-US" altLang="ko-KR" sz="3200" b="1" dirty="0" smtClean="0">
+              <a:solidFill>
+                <a:srgbClr val="0070C0"/>
+              </a:solidFill>
+              <a:ea typeface="굴림" panose="020B0600000101010101" pitchFamily="50" charset="-127"/>
+            </a:endParaRPr>
           </a:p>
           <a:p>
             <a:pPr>
@@ -19307,18 +19399,14 @@
   <p:clrMapOvr>
     <a:masterClrMapping/>
   </p:clrMapOvr>
-  <mc:AlternateContent xmlns:mc="http://schemas.openxmlformats.org/markup-compatibility/2006">
-    <mc:Choice xmlns:p159="http://schemas.microsoft.com/office/powerpoint/2015/09/main" Requires="p159">
-      <p:transition>
-        <p159:morph option="byChar"/>
-      </p:transition>
-    </mc:Choice>
-    <mc:Fallback>
-      <p:transition>
-        <p:fade/>
-      </p:transition>
-    </mc:Fallback>
-  </mc:AlternateContent>
+  <p:transition spd="med"/>
+  <p:timing>
+    <p:tnLst>
+      <p:par>
+        <p:cTn id="1" dur="indefinite" restart="never" nodeType="tmRoot"/>
+      </p:par>
+    </p:tnLst>
+  </p:timing>
 </p:sld>
 </file>
 
@@ -19356,12 +19444,18 @@
           <a:p>
             <a:pPr eaLnBrk="1" hangingPunct="1"/>
             <a:r>
-              <a:rPr lang="en-US" altLang="ko-KR" sz="1800" dirty="0">
-                <a:ea typeface="굴림" panose="020B0600000101010101" pitchFamily="50" charset="-127"/>
-              </a:rPr>
-              <a:t>Thevenin’s Theorem</a:t>
-            </a:r>
-            <a:endParaRPr lang="ko-KR" altLang="en-US" sz="1800" dirty="0"/>
+              <a:rPr lang="en-US" altLang="ko-KR" sz="1800" dirty="0" smtClean="0">
+                <a:ea typeface="굴림" panose="020B0600000101010101" pitchFamily="50" charset="-127"/>
+              </a:rPr>
+              <a:t>Thevenin’s </a:t>
+            </a:r>
+            <a:r>
+              <a:rPr lang="en-US" altLang="ko-KR" sz="1800" dirty="0" smtClean="0">
+                <a:ea typeface="굴림" panose="020B0600000101010101" pitchFamily="50" charset="-127"/>
+              </a:rPr>
+              <a:t>Theorem</a:t>
+            </a:r>
+            <a:endParaRPr lang="ko-KR" altLang="en-US" sz="1800" dirty="0" smtClean="0"/>
           </a:p>
         </p:txBody>
       </p:sp>
@@ -19397,7 +19491,16 @@
                 </a:solidFill>
                 <a:ea typeface="굴림" panose="020B0600000101010101" pitchFamily="50" charset="-127"/>
               </a:rPr>
-              <a:t>Thevenin’s Theorem II</a:t>
+              <a:t>Thevenin’s </a:t>
+            </a:r>
+            <a:r>
+              <a:rPr lang="en-US" altLang="ko-KR" sz="3200" b="1" dirty="0" smtClean="0">
+                <a:solidFill>
+                  <a:srgbClr val="0070C0"/>
+                </a:solidFill>
+                <a:ea typeface="굴림" panose="020B0600000101010101" pitchFamily="50" charset="-127"/>
+              </a:rPr>
+              <a:t>Theorem II</a:t>
             </a:r>
           </a:p>
           <a:p>
@@ -19499,18 +19602,14 @@
   <p:clrMapOvr>
     <a:masterClrMapping/>
   </p:clrMapOvr>
-  <mc:AlternateContent xmlns:mc="http://schemas.openxmlformats.org/markup-compatibility/2006">
-    <mc:Choice xmlns:p159="http://schemas.microsoft.com/office/powerpoint/2015/09/main" Requires="p159">
-      <p:transition>
-        <p159:morph option="byChar"/>
-      </p:transition>
-    </mc:Choice>
-    <mc:Fallback>
-      <p:transition>
-        <p:fade/>
-      </p:transition>
-    </mc:Fallback>
-  </mc:AlternateContent>
+  <p:transition spd="med"/>
+  <p:timing>
+    <p:tnLst>
+      <p:par>
+        <p:cTn id="1" dur="indefinite" restart="never" nodeType="tmRoot"/>
+      </p:par>
+    </p:tnLst>
+  </p:timing>
 </p:sld>
 </file>
 
@@ -19548,12 +19647,12 @@
           <a:p>
             <a:pPr eaLnBrk="1" hangingPunct="1"/>
             <a:r>
-              <a:rPr lang="en-US" altLang="ko-KR" sz="1800">
+              <a:rPr lang="en-US" altLang="ko-KR" sz="1800" smtClean="0">
                 <a:ea typeface="굴림" panose="020B0600000101010101" pitchFamily="50" charset="-127"/>
               </a:rPr>
               <a:t>4.5 Thevenin’s Theorem</a:t>
             </a:r>
-            <a:endParaRPr lang="ko-KR" altLang="en-US" sz="1800"/>
+            <a:endParaRPr lang="ko-KR" altLang="en-US" sz="1800" smtClean="0"/>
           </a:p>
         </p:txBody>
       </p:sp>
@@ -19589,7 +19688,16 @@
                 </a:solidFill>
                 <a:ea typeface="굴림" panose="020B0600000101010101" pitchFamily="50" charset="-127"/>
               </a:rPr>
-              <a:t>Thevenin’s Theorem III</a:t>
+              <a:t>Thevenin’s </a:t>
+            </a:r>
+            <a:r>
+              <a:rPr lang="en-US" altLang="ko-KR" sz="3200" b="1" dirty="0" smtClean="0">
+                <a:solidFill>
+                  <a:srgbClr val="0070C0"/>
+                </a:solidFill>
+                <a:ea typeface="굴림" panose="020B0600000101010101" pitchFamily="50" charset="-127"/>
+              </a:rPr>
+              <a:t>Theorem III</a:t>
             </a:r>
           </a:p>
           <a:p>
@@ -19680,18 +19788,14 @@
   <p:clrMapOvr>
     <a:masterClrMapping/>
   </p:clrMapOvr>
-  <mc:AlternateContent xmlns:mc="http://schemas.openxmlformats.org/markup-compatibility/2006">
-    <mc:Choice xmlns:p159="http://schemas.microsoft.com/office/powerpoint/2015/09/main" Requires="p159">
-      <p:transition>
-        <p159:morph option="byChar"/>
-      </p:transition>
-    </mc:Choice>
-    <mc:Fallback>
-      <p:transition>
-        <p:fade/>
-      </p:transition>
-    </mc:Fallback>
-  </mc:AlternateContent>
+  <p:transition spd="med"/>
+  <p:timing>
+    <p:tnLst>
+      <p:par>
+        <p:cTn id="1" dur="indefinite" restart="never" nodeType="tmRoot"/>
+      </p:par>
+    </p:tnLst>
+  </p:timing>
 </p:sld>
 </file>
 
@@ -19729,12 +19833,12 @@
           <a:p>
             <a:pPr eaLnBrk="1" hangingPunct="1"/>
             <a:r>
-              <a:rPr lang="en-US" altLang="ko-KR" sz="1800">
+              <a:rPr lang="en-US" altLang="ko-KR" sz="1800" smtClean="0">
                 <a:ea typeface="굴림" panose="020B0600000101010101" pitchFamily="50" charset="-127"/>
               </a:rPr>
               <a:t>4.5 Thevenin’s Theorem</a:t>
             </a:r>
-            <a:endParaRPr lang="ko-KR" altLang="en-US" sz="1800"/>
+            <a:endParaRPr lang="ko-KR" altLang="en-US" sz="1800" smtClean="0"/>
           </a:p>
         </p:txBody>
       </p:sp>
@@ -19770,7 +19874,16 @@
                 </a:solidFill>
                 <a:ea typeface="굴림" panose="020B0600000101010101" pitchFamily="50" charset="-127"/>
               </a:rPr>
-              <a:t>Thevenin’s Theorem IV</a:t>
+              <a:t>Thevenin’s </a:t>
+            </a:r>
+            <a:r>
+              <a:rPr lang="en-US" altLang="ko-KR" sz="3200" b="1" dirty="0" smtClean="0">
+                <a:solidFill>
+                  <a:srgbClr val="0070C0"/>
+                </a:solidFill>
+                <a:ea typeface="굴림" panose="020B0600000101010101" pitchFamily="50" charset="-127"/>
+              </a:rPr>
+              <a:t>Theorem IV</a:t>
             </a:r>
           </a:p>
           <a:p>
@@ -19909,18 +20022,14 @@
   <p:clrMapOvr>
     <a:masterClrMapping/>
   </p:clrMapOvr>
-  <mc:AlternateContent xmlns:mc="http://schemas.openxmlformats.org/markup-compatibility/2006">
-    <mc:Choice xmlns:p159="http://schemas.microsoft.com/office/powerpoint/2015/09/main" Requires="p159">
-      <p:transition>
-        <p159:morph option="byChar"/>
-      </p:transition>
-    </mc:Choice>
-    <mc:Fallback>
-      <p:transition>
-        <p:fade/>
-      </p:transition>
-    </mc:Fallback>
-  </mc:AlternateContent>
+  <p:transition spd="med"/>
+  <p:timing>
+    <p:tnLst>
+      <p:par>
+        <p:cTn id="1" dur="indefinite" restart="never" nodeType="tmRoot"/>
+      </p:par>
+    </p:tnLst>
+  </p:timing>
 </p:sld>
 </file>
 
@@ -19958,12 +20067,12 @@
           <a:p>
             <a:pPr eaLnBrk="1" hangingPunct="1"/>
             <a:r>
-              <a:rPr lang="en-US" altLang="ko-KR" sz="1800" dirty="0">
+              <a:rPr lang="en-US" altLang="ko-KR" sz="1800" dirty="0" smtClean="0">
                 <a:ea typeface="굴림" panose="020B0600000101010101" pitchFamily="50" charset="-127"/>
               </a:rPr>
               <a:t>Thevenin’s Theorem</a:t>
             </a:r>
-            <a:endParaRPr lang="ko-KR" altLang="en-US" sz="1800" dirty="0"/>
+            <a:endParaRPr lang="ko-KR" altLang="en-US" sz="1800" dirty="0" smtClean="0"/>
           </a:p>
         </p:txBody>
       </p:sp>
@@ -19993,7 +20102,7 @@
               <a:defRPr/>
             </a:pPr>
             <a:r>
-              <a:rPr lang="en-US" altLang="ko-KR" sz="3200" b="1" dirty="0">
+              <a:rPr lang="en-US" altLang="ko-KR" sz="3200" b="1" dirty="0" smtClean="0">
                 <a:solidFill>
                   <a:srgbClr val="0070C0"/>
                 </a:solidFill>
@@ -20001,6 +20110,20 @@
               </a:rPr>
               <a:t>Example 3.15</a:t>
             </a:r>
+            <a:endParaRPr lang="en-US" altLang="ko-KR" sz="3200" b="1" dirty="0" smtClean="0">
+              <a:solidFill>
+                <a:srgbClr val="0070C0"/>
+              </a:solidFill>
+              <a:ea typeface="굴림" charset="-127"/>
+            </a:endParaRPr>
+          </a:p>
+          <a:p>
+            <a:pPr>
+              <a:defRPr/>
+            </a:pPr>
+            <a:endParaRPr lang="en-US" altLang="ko-KR" b="1" dirty="0" smtClean="0">
+              <a:ea typeface="굴림" panose="020B0600000101010101" pitchFamily="50" charset="-127"/>
+            </a:endParaRPr>
           </a:p>
           <a:p>
             <a:pPr>
@@ -20014,7 +20137,7 @@
             <a:pPr>
               <a:defRPr/>
             </a:pPr>
-            <a:endParaRPr lang="en-US" altLang="ko-KR" b="1" dirty="0">
+            <a:endParaRPr lang="en-US" altLang="ko-KR" b="1" dirty="0" smtClean="0">
               <a:ea typeface="굴림" panose="020B0600000101010101" pitchFamily="50" charset="-127"/>
             </a:endParaRPr>
           </a:p>
@@ -20030,7 +20153,7 @@
             <a:pPr>
               <a:defRPr/>
             </a:pPr>
-            <a:endParaRPr lang="en-US" altLang="ko-KR" b="1" dirty="0">
+            <a:endParaRPr lang="en-US" altLang="ko-KR" b="1" dirty="0" smtClean="0">
               <a:ea typeface="굴림" panose="020B0600000101010101" pitchFamily="50" charset="-127"/>
             </a:endParaRPr>
           </a:p>
@@ -20038,15 +20161,7 @@
             <a:pPr>
               <a:defRPr/>
             </a:pPr>
-            <a:endParaRPr lang="en-US" altLang="ko-KR" b="1" dirty="0">
-              <a:ea typeface="굴림" panose="020B0600000101010101" pitchFamily="50" charset="-127"/>
-            </a:endParaRPr>
-          </a:p>
-          <a:p>
-            <a:pPr>
-              <a:defRPr/>
-            </a:pPr>
-            <a:endParaRPr lang="en-US" altLang="ko-KR" b="1" dirty="0">
+            <a:endParaRPr lang="en-US" altLang="ko-KR" b="1" dirty="0" smtClean="0">
               <a:ea typeface="굴림" panose="020B0600000101010101" pitchFamily="50" charset="-127"/>
             </a:endParaRPr>
           </a:p>
@@ -20092,18 +20207,14 @@
   <p:clrMapOvr>
     <a:masterClrMapping/>
   </p:clrMapOvr>
-  <mc:AlternateContent xmlns:mc="http://schemas.openxmlformats.org/markup-compatibility/2006">
-    <mc:Choice xmlns:p159="http://schemas.microsoft.com/office/powerpoint/2015/09/main" Requires="p159">
-      <p:transition>
-        <p159:morph option="byChar"/>
-      </p:transition>
-    </mc:Choice>
-    <mc:Fallback>
-      <p:transition>
-        <p:fade/>
-      </p:transition>
-    </mc:Fallback>
-  </mc:AlternateContent>
+  <p:transition spd="med"/>
+  <p:timing>
+    <p:tnLst>
+      <p:par>
+        <p:cTn id="1" dur="indefinite" restart="never" nodeType="tmRoot"/>
+      </p:par>
+    </p:tnLst>
+  </p:timing>
 </p:sld>
 </file>
 
@@ -20141,12 +20252,12 @@
           <a:p>
             <a:pPr eaLnBrk="1" hangingPunct="1"/>
             <a:r>
-              <a:rPr lang="en-US" altLang="ko-KR" sz="1800" dirty="0">
+              <a:rPr lang="en-US" altLang="ko-KR" sz="1800" dirty="0" smtClean="0">
                 <a:ea typeface="굴림" panose="020B0600000101010101" pitchFamily="50" charset="-127"/>
               </a:rPr>
               <a:t>Thevenin’s Theorem</a:t>
             </a:r>
-            <a:endParaRPr lang="ko-KR" altLang="en-US" sz="1800" dirty="0"/>
+            <a:endParaRPr lang="ko-KR" altLang="en-US" sz="1800" dirty="0" smtClean="0"/>
           </a:p>
         </p:txBody>
       </p:sp>
@@ -20176,7 +20287,7 @@
               <a:defRPr/>
             </a:pPr>
             <a:r>
-              <a:rPr lang="en-US" altLang="ko-KR" sz="3200" b="1" dirty="0">
+              <a:rPr lang="en-US" altLang="ko-KR" sz="3200" b="1" dirty="0" smtClean="0">
                 <a:solidFill>
                   <a:srgbClr val="0070C0"/>
                 </a:solidFill>
@@ -20184,6 +20295,20 @@
               </a:rPr>
               <a:t>Example 3.16</a:t>
             </a:r>
+            <a:endParaRPr lang="en-US" altLang="ko-KR" sz="3200" b="1" dirty="0" smtClean="0">
+              <a:solidFill>
+                <a:srgbClr val="0070C0"/>
+              </a:solidFill>
+              <a:ea typeface="굴림" charset="-127"/>
+            </a:endParaRPr>
+          </a:p>
+          <a:p>
+            <a:pPr>
+              <a:defRPr/>
+            </a:pPr>
+            <a:endParaRPr lang="en-US" altLang="ko-KR" b="1" dirty="0" smtClean="0">
+              <a:ea typeface="굴림" panose="020B0600000101010101" pitchFamily="50" charset="-127"/>
+            </a:endParaRPr>
           </a:p>
           <a:p>
             <a:pPr>
@@ -20197,7 +20322,7 @@
             <a:pPr>
               <a:defRPr/>
             </a:pPr>
-            <a:endParaRPr lang="en-US" altLang="ko-KR" b="1" dirty="0">
+            <a:endParaRPr lang="en-US" altLang="ko-KR" b="1" dirty="0" smtClean="0">
               <a:ea typeface="굴림" panose="020B0600000101010101" pitchFamily="50" charset="-127"/>
             </a:endParaRPr>
           </a:p>
@@ -20213,7 +20338,7 @@
             <a:pPr>
               <a:defRPr/>
             </a:pPr>
-            <a:endParaRPr lang="en-US" altLang="ko-KR" b="1" dirty="0">
+            <a:endParaRPr lang="en-US" altLang="ko-KR" b="1" dirty="0" smtClean="0">
               <a:ea typeface="굴림" panose="020B0600000101010101" pitchFamily="50" charset="-127"/>
             </a:endParaRPr>
           </a:p>
@@ -20221,15 +20346,7 @@
             <a:pPr>
               <a:defRPr/>
             </a:pPr>
-            <a:endParaRPr lang="en-US" altLang="ko-KR" b="1" dirty="0">
-              <a:ea typeface="굴림" panose="020B0600000101010101" pitchFamily="50" charset="-127"/>
-            </a:endParaRPr>
-          </a:p>
-          <a:p>
-            <a:pPr>
-              <a:defRPr/>
-            </a:pPr>
-            <a:endParaRPr lang="en-US" altLang="ko-KR" b="1" dirty="0">
+            <a:endParaRPr lang="en-US" altLang="ko-KR" b="1" dirty="0" smtClean="0">
               <a:ea typeface="굴림" panose="020B0600000101010101" pitchFamily="50" charset="-127"/>
             </a:endParaRPr>
           </a:p>
@@ -20275,18 +20392,14 @@
   <p:clrMapOvr>
     <a:masterClrMapping/>
   </p:clrMapOvr>
-  <mc:AlternateContent xmlns:mc="http://schemas.openxmlformats.org/markup-compatibility/2006">
-    <mc:Choice xmlns:p159="http://schemas.microsoft.com/office/powerpoint/2015/09/main" Requires="p159">
-      <p:transition>
-        <p159:morph option="byChar"/>
-      </p:transition>
-    </mc:Choice>
-    <mc:Fallback>
-      <p:transition>
-        <p:fade/>
-      </p:transition>
-    </mc:Fallback>
-  </mc:AlternateContent>
+  <p:transition spd="med"/>
+  <p:timing>
+    <p:tnLst>
+      <p:par>
+        <p:cTn id="1" dur="indefinite" restart="never" nodeType="tmRoot"/>
+      </p:par>
+    </p:tnLst>
+  </p:timing>
 </p:sld>
 </file>
 
@@ -20324,17 +20437,17 @@
           <a:p>
             <a:pPr eaLnBrk="1" hangingPunct="1"/>
             <a:r>
-              <a:rPr lang="en-US" altLang="ko-KR" sz="2400" dirty="0">
+              <a:rPr lang="en-US" altLang="ko-KR" sz="2400" dirty="0" smtClean="0">
                 <a:ea typeface="굴림" panose="020B0600000101010101" pitchFamily="50" charset="-127"/>
               </a:rPr>
               <a:t>Nodal Analysis</a:t>
             </a:r>
-            <a:endParaRPr lang="ko-KR" altLang="en-US" sz="2400" dirty="0"/>
+            <a:endParaRPr lang="ko-KR" altLang="en-US" sz="2400" dirty="0" smtClean="0"/>
           </a:p>
         </p:txBody>
       </p:sp>
-      <mc:AlternateContent xmlns:mc="http://schemas.openxmlformats.org/markup-compatibility/2006" xmlns:a14="http://schemas.microsoft.com/office/drawing/2010/main">
-        <mc:Choice Requires="a14">
+      <mc:AlternateContent xmlns:mc="http://schemas.openxmlformats.org/markup-compatibility/2006">
+        <mc:Choice xmlns:a14="http://schemas.microsoft.com/office/drawing/2010/main" Requires="a14">
           <p:sp>
             <p:nvSpPr>
               <p:cNvPr id="28675" name="Rectangle 3"/>
@@ -20359,18 +20472,18 @@
                   <a:defRPr/>
                 </a:pPr>
                 <a:r>
-                  <a:rPr lang="en-US" altLang="ko-KR" b="1" dirty="0">
+                  <a:rPr lang="en-US" altLang="ko-KR" b="1" dirty="0" smtClean="0">
                     <a:ea typeface="굴림" panose="020B0600000101010101" pitchFamily="50" charset="-127"/>
                   </a:rPr>
                   <a:t>Actually we don’t know</a:t>
                 </a:r>
                 <a:br>
-                  <a:rPr lang="en-US" altLang="ko-KR" b="1" dirty="0">
+                  <a:rPr lang="en-US" altLang="ko-KR" b="1" dirty="0" smtClean="0">
                     <a:ea typeface="굴림" panose="020B0600000101010101" pitchFamily="50" charset="-127"/>
                   </a:rPr>
                 </a:br>
                 <a:r>
-                  <a:rPr lang="en-US" altLang="ko-KR" b="1" dirty="0">
+                  <a:rPr lang="en-US" altLang="ko-KR" b="1" dirty="0" smtClean="0">
                     <a:ea typeface="굴림" panose="020B0600000101010101" pitchFamily="50" charset="-127"/>
                   </a:rPr>
                   <a:t>the voltage </a:t>
@@ -20463,7 +20576,7 @@
                     </m:sSub>
                   </m:oMath>
                 </a14:m>
-                <a:endParaRPr lang="en-US" altLang="ko-KR" b="1" dirty="0">
+                <a:endParaRPr lang="en-US" altLang="ko-KR" b="1" dirty="0" smtClean="0">
                   <a:ea typeface="굴림" panose="020B0600000101010101" pitchFamily="50" charset="-127"/>
                 </a:endParaRPr>
               </a:p>
@@ -20472,7 +20585,7 @@
                   <a:defRPr/>
                 </a:pPr>
                 <a:r>
-                  <a:rPr lang="en-US" altLang="ko-KR" b="1" dirty="0">
+                  <a:rPr lang="en-US" altLang="ko-KR" b="1" dirty="0" smtClean="0">
                     <a:ea typeface="굴림" panose="020B0600000101010101" pitchFamily="50" charset="-127"/>
                   </a:rPr>
                   <a:t>Apply KCL at node B and C</a:t>
@@ -20486,13 +20599,13 @@
                   <a:defRPr/>
                 </a:pPr>
                 <a:r>
-                  <a:rPr lang="en-US" altLang="ko-KR" b="1" dirty="0">
+                  <a:rPr lang="en-US" altLang="ko-KR" b="1" dirty="0" smtClean="0">
                     <a:ea typeface="굴림" panose="020B0600000101010101" pitchFamily="50" charset="-127"/>
                   </a:rPr>
                   <a:t>at node B</a:t>
                 </a:r>
                 <a:br>
-                  <a:rPr lang="en-US" altLang="ko-KR" b="1" dirty="0">
+                  <a:rPr lang="en-US" altLang="ko-KR" b="1" dirty="0" smtClean="0">
                     <a:ea typeface="굴림" panose="020B0600000101010101" pitchFamily="50" charset="-127"/>
                   </a:rPr>
                 </a:br>
@@ -20612,8 +20725,14 @@
                     </m:r>
                   </m:oMath>
                 </a14:m>
+                <a:r>
+                  <a:rPr lang="en-US" altLang="ko-KR" b="1" dirty="0" smtClean="0">
+                    <a:ea typeface="굴림" panose="020B0600000101010101" pitchFamily="50" charset="-127"/>
+                  </a:rPr>
+                  <a:t/>
+                </a:r>
                 <a:br>
-                  <a:rPr lang="en-US" altLang="ko-KR" b="1" dirty="0">
+                  <a:rPr lang="en-US" altLang="ko-KR" b="1" dirty="0" smtClean="0">
                     <a:ea typeface="굴림" panose="020B0600000101010101" pitchFamily="50" charset="-127"/>
                   </a:rPr>
                 </a:br>
@@ -20899,10 +21018,16 @@
                   <a:defRPr/>
                 </a:pPr>
                 <a:r>
+                  <a:rPr lang="en-US" altLang="ko-KR" b="1" dirty="0" smtClean="0">
+                    <a:ea typeface="굴림" panose="020B0600000101010101" pitchFamily="50" charset="-127"/>
+                  </a:rPr>
+                  <a:t>at node C</a:t>
+                </a:r>
+                <a:r>
                   <a:rPr lang="en-US" altLang="ko-KR" b="1" dirty="0">
                     <a:ea typeface="굴림" panose="020B0600000101010101" pitchFamily="50" charset="-127"/>
                   </a:rPr>
-                  <a:t>at node C</a:t>
+                  <a:t/>
                 </a:r>
                 <a:br>
                   <a:rPr lang="en-US" altLang="ko-KR" b="1" dirty="0">
@@ -21025,6 +21150,12 @@
                     </m:r>
                   </m:oMath>
                 </a14:m>
+                <a:r>
+                  <a:rPr lang="en-US" altLang="ko-KR" b="1" dirty="0">
+                    <a:ea typeface="굴림" panose="020B0600000101010101" pitchFamily="50" charset="-127"/>
+                  </a:rPr>
+                  <a:t/>
+                </a:r>
                 <a:br>
                   <a:rPr lang="en-US" altLang="ko-KR" b="1" dirty="0">
                     <a:ea typeface="굴림" panose="020B0600000101010101" pitchFamily="50" charset="-127"/>
@@ -21321,7 +21452,7 @@
             </p:txBody>
           </p:sp>
         </mc:Choice>
-        <mc:Fallback xmlns="">
+        <mc:Fallback>
           <p:sp>
             <p:nvSpPr>
               <p:cNvPr id="28675" name="Rectangle 3"/>
@@ -21399,18 +21530,14 @@
   <p:clrMapOvr>
     <a:masterClrMapping/>
   </p:clrMapOvr>
-  <mc:AlternateContent xmlns:mc="http://schemas.openxmlformats.org/markup-compatibility/2006">
-    <mc:Choice xmlns:p159="http://schemas.microsoft.com/office/powerpoint/2015/09/main" Requires="p159">
-      <p:transition>
-        <p159:morph option="byChar"/>
-      </p:transition>
-    </mc:Choice>
-    <mc:Fallback>
-      <p:transition>
-        <p:fade/>
-      </p:transition>
-    </mc:Fallback>
-  </mc:AlternateContent>
+  <p:transition spd="med"/>
+  <p:timing>
+    <p:tnLst>
+      <p:par>
+        <p:cTn id="1" dur="indefinite" restart="never" nodeType="tmRoot"/>
+      </p:par>
+    </p:tnLst>
+  </p:timing>
 </p:sld>
 </file>
 
@@ -21448,12 +21575,18 @@
           <a:p>
             <a:pPr eaLnBrk="1" hangingPunct="1"/>
             <a:r>
-              <a:rPr lang="en-US" altLang="ko-KR" sz="1800" dirty="0">
-                <a:ea typeface="굴림" panose="020B0600000101010101" pitchFamily="50" charset="-127"/>
-              </a:rPr>
-              <a:t>Norton’s Theorem</a:t>
-            </a:r>
-            <a:endParaRPr lang="ko-KR" altLang="en-US" sz="1800" dirty="0"/>
+              <a:rPr lang="en-US" altLang="ko-KR" sz="1800" dirty="0" smtClean="0">
+                <a:ea typeface="굴림" panose="020B0600000101010101" pitchFamily="50" charset="-127"/>
+              </a:rPr>
+              <a:t>Norton’s </a:t>
+            </a:r>
+            <a:r>
+              <a:rPr lang="en-US" altLang="ko-KR" sz="1800" dirty="0" smtClean="0">
+                <a:ea typeface="굴림" panose="020B0600000101010101" pitchFamily="50" charset="-127"/>
+              </a:rPr>
+              <a:t>Theorem</a:t>
+            </a:r>
+            <a:endParaRPr lang="ko-KR" altLang="en-US" sz="1800" dirty="0" smtClean="0"/>
           </a:p>
         </p:txBody>
       </p:sp>
@@ -21483,13 +21616,22 @@
               <a:defRPr/>
             </a:pPr>
             <a:r>
-              <a:rPr lang="en-US" altLang="ko-KR" sz="3200" b="1" dirty="0">
+              <a:rPr lang="en-US" altLang="ko-KR" sz="3200" b="1" dirty="0" smtClean="0">
                 <a:solidFill>
                   <a:srgbClr val="0070C0"/>
                 </a:solidFill>
                 <a:ea typeface="굴림" panose="020B0600000101010101" pitchFamily="50" charset="-127"/>
               </a:rPr>
-              <a:t>Norton’s Theorem</a:t>
+              <a:t>Norton’s </a:t>
+            </a:r>
+            <a:r>
+              <a:rPr lang="en-US" altLang="ko-KR" sz="3200" b="1" dirty="0" smtClean="0">
+                <a:solidFill>
+                  <a:srgbClr val="0070C0"/>
+                </a:solidFill>
+                <a:ea typeface="굴림" panose="020B0600000101010101" pitchFamily="50" charset="-127"/>
+              </a:rPr>
+              <a:t>Theorem</a:t>
             </a:r>
           </a:p>
           <a:p>
@@ -21580,18 +21722,14 @@
   <p:clrMapOvr>
     <a:masterClrMapping/>
   </p:clrMapOvr>
-  <mc:AlternateContent xmlns:mc="http://schemas.openxmlformats.org/markup-compatibility/2006">
-    <mc:Choice xmlns:p159="http://schemas.microsoft.com/office/powerpoint/2015/09/main" Requires="p159">
-      <p:transition>
-        <p159:morph option="byChar"/>
-      </p:transition>
-    </mc:Choice>
-    <mc:Fallback>
-      <p:transition>
-        <p:fade/>
-      </p:transition>
-    </mc:Fallback>
-  </mc:AlternateContent>
+  <p:transition spd="med"/>
+  <p:timing>
+    <p:tnLst>
+      <p:par>
+        <p:cTn id="1" dur="indefinite" restart="never" nodeType="tmRoot"/>
+      </p:par>
+    </p:tnLst>
+  </p:timing>
 </p:sld>
 </file>
 
@@ -21629,12 +21767,12 @@
           <a:p>
             <a:pPr eaLnBrk="1" hangingPunct="1"/>
             <a:r>
-              <a:rPr lang="en-US" altLang="ko-KR" sz="1800">
+              <a:rPr lang="en-US" altLang="ko-KR" sz="1800" smtClean="0">
                 <a:ea typeface="굴림" panose="020B0600000101010101" pitchFamily="50" charset="-127"/>
               </a:rPr>
               <a:t>4.6 Norton’s Theorem</a:t>
             </a:r>
-            <a:endParaRPr lang="ko-KR" altLang="en-US" sz="1800"/>
+            <a:endParaRPr lang="ko-KR" altLang="en-US" sz="1800" smtClean="0"/>
           </a:p>
         </p:txBody>
       </p:sp>
@@ -21670,7 +21808,16 @@
                 </a:solidFill>
                 <a:ea typeface="굴림" panose="020B0600000101010101" pitchFamily="50" charset="-127"/>
               </a:rPr>
-              <a:t>Norton’s Theorem II</a:t>
+              <a:t>Norton’s </a:t>
+            </a:r>
+            <a:r>
+              <a:rPr lang="en-US" altLang="ko-KR" sz="3200" b="1" dirty="0" smtClean="0">
+                <a:solidFill>
+                  <a:srgbClr val="0070C0"/>
+                </a:solidFill>
+                <a:ea typeface="굴림" panose="020B0600000101010101" pitchFamily="50" charset="-127"/>
+              </a:rPr>
+              <a:t>Theorem II</a:t>
             </a:r>
           </a:p>
           <a:p>
@@ -21714,12 +21861,12 @@
           <a:graphicData uri="http://schemas.openxmlformats.org/presentationml/2006/ole">
             <mc:AlternateContent xmlns:mc="http://schemas.openxmlformats.org/markup-compatibility/2006">
               <mc:Choice xmlns:v="urn:schemas-microsoft-com:vml" Requires="v">
-                <p:oleObj name="Equation" r:id="rId2" imgW="469900" imgH="228600" progId="Equation.DSMT4">
+                <p:oleObj spid="_x0000_s12293" name="Equation" r:id="rId3" imgW="469900" imgH="228600" progId="Equation.DSMT4">
                   <p:embed/>
                 </p:oleObj>
               </mc:Choice>
               <mc:Fallback>
-                <p:oleObj name="Equation" r:id="rId2" imgW="469900" imgH="228600" progId="Equation.DSMT4">
+                <p:oleObj name="Equation" r:id="rId3" imgW="469900" imgH="228600" progId="Equation.DSMT4">
                   <p:embed/>
                   <p:pic>
                     <p:nvPicPr>
@@ -21730,7 +21877,7 @@
                       <p:nvPr/>
                     </p:nvPicPr>
                     <p:blipFill>
-                      <a:blip r:embed="rId3">
+                      <a:blip r:embed="rId4">
                         <a:extLst>
                           <a:ext uri="{28A0092B-C50C-407E-A947-70E740481C1C}">
                             <a14:useLocalDpi xmlns:a14="http://schemas.microsoft.com/office/drawing/2010/main" val="0"/>
@@ -21800,7 +21947,7 @@
           <p:nvPr/>
         </p:nvPicPr>
         <p:blipFill>
-          <a:blip r:embed="rId4">
+          <a:blip r:embed="rId5">
             <a:extLst>
               <a:ext uri="{28A0092B-C50C-407E-A947-70E740481C1C}">
                 <a14:useLocalDpi xmlns:a14="http://schemas.microsoft.com/office/drawing/2010/main" val="0"/>
@@ -21855,18 +22002,14 @@
   <p:clrMapOvr>
     <a:masterClrMapping/>
   </p:clrMapOvr>
-  <mc:AlternateContent xmlns:mc="http://schemas.openxmlformats.org/markup-compatibility/2006">
-    <mc:Choice xmlns:p159="http://schemas.microsoft.com/office/powerpoint/2015/09/main" Requires="p159">
-      <p:transition>
-        <p159:morph option="byChar"/>
-      </p:transition>
-    </mc:Choice>
-    <mc:Fallback>
-      <p:transition>
-        <p:fade/>
-      </p:transition>
-    </mc:Fallback>
-  </mc:AlternateContent>
+  <p:transition spd="med"/>
+  <p:timing>
+    <p:tnLst>
+      <p:par>
+        <p:cTn id="1" dur="indefinite" restart="never" nodeType="tmRoot"/>
+      </p:par>
+    </p:tnLst>
+  </p:timing>
 </p:sld>
 </file>
 
@@ -21904,12 +22047,12 @@
           <a:p>
             <a:pPr eaLnBrk="1" hangingPunct="1"/>
             <a:r>
-              <a:rPr lang="en-US" altLang="ko-KR" sz="1800">
+              <a:rPr lang="en-US" altLang="ko-KR" sz="1800" smtClean="0">
                 <a:ea typeface="굴림" panose="020B0600000101010101" pitchFamily="50" charset="-127"/>
               </a:rPr>
               <a:t>4.6 Norton’s Theorem</a:t>
             </a:r>
-            <a:endParaRPr lang="ko-KR" altLang="en-US" sz="1800"/>
+            <a:endParaRPr lang="ko-KR" altLang="en-US" sz="1800" smtClean="0"/>
           </a:p>
         </p:txBody>
       </p:sp>
@@ -21945,7 +22088,25 @@
                 </a:solidFill>
                 <a:ea typeface="굴림" panose="020B0600000101010101" pitchFamily="50" charset="-127"/>
               </a:rPr>
-              <a:t>Norton vs. Thevenin </a:t>
+              <a:t>Norton vs. </a:t>
+            </a:r>
+            <a:r>
+              <a:rPr lang="en-US" altLang="ko-KR" sz="3200" b="1" dirty="0">
+                <a:solidFill>
+                  <a:srgbClr val="0070C0"/>
+                </a:solidFill>
+                <a:ea typeface="굴림" panose="020B0600000101010101" pitchFamily="50" charset="-127"/>
+              </a:rPr>
+              <a:t>Thevenin</a:t>
+            </a:r>
+            <a:r>
+              <a:rPr lang="en-US" altLang="ko-KR" sz="3200" b="1" dirty="0" smtClean="0">
+                <a:solidFill>
+                  <a:srgbClr val="0070C0"/>
+                </a:solidFill>
+                <a:ea typeface="굴림" panose="020B0600000101010101" pitchFamily="50" charset="-127"/>
+              </a:rPr>
+              <a:t> </a:t>
             </a:r>
           </a:p>
           <a:p>
@@ -21978,8 +22139,34 @@
               <a:rPr lang="en-US" altLang="ko-KR" b="1" dirty="0">
                 <a:ea typeface="굴림" panose="020B0600000101010101" pitchFamily="50" charset="-127"/>
               </a:rPr>
-              <a:t>The Norton current and Thevenin voltage are related to each other as follows:</a:t>
-            </a:r>
+              <a:t>The Norton current and </a:t>
+            </a:r>
+            <a:r>
+              <a:rPr lang="en-US" altLang="ko-KR" b="1" dirty="0" smtClean="0">
+                <a:ea typeface="굴림" panose="020B0600000101010101" pitchFamily="50" charset="-127"/>
+              </a:rPr>
+              <a:t>Thevenin </a:t>
+            </a:r>
+            <a:r>
+              <a:rPr lang="en-US" altLang="ko-KR" b="1" dirty="0">
+                <a:ea typeface="굴림" panose="020B0600000101010101" pitchFamily="50" charset="-127"/>
+              </a:rPr>
+              <a:t>voltage are related to each other as follows</a:t>
+            </a:r>
+            <a:r>
+              <a:rPr lang="en-US" altLang="ko-KR" b="1" dirty="0" smtClean="0">
+                <a:ea typeface="굴림" panose="020B0600000101010101" pitchFamily="50" charset="-127"/>
+              </a:rPr>
+              <a:t>:</a:t>
+            </a:r>
+          </a:p>
+          <a:p>
+            <a:pPr>
+              <a:defRPr/>
+            </a:pPr>
+            <a:endParaRPr lang="en-US" altLang="ko-KR" b="1" dirty="0" smtClean="0">
+              <a:ea typeface="굴림" panose="020B0600000101010101" pitchFamily="50" charset="-127"/>
+            </a:endParaRPr>
           </a:p>
           <a:p>
             <a:pPr>
@@ -21993,9 +22180,66 @@
             <a:pPr>
               <a:defRPr/>
             </a:pPr>
-            <a:endParaRPr lang="en-US" altLang="ko-KR" b="1" dirty="0">
-              <a:ea typeface="굴림" panose="020B0600000101010101" pitchFamily="50" charset="-127"/>
-            </a:endParaRPr>
+            <a:r>
+              <a:rPr lang="en-US" altLang="ko-KR" b="1" dirty="0" smtClean="0">
+                <a:ea typeface="굴림" panose="020B0600000101010101" pitchFamily="50" charset="-127"/>
+              </a:rPr>
+              <a:t>With </a:t>
+            </a:r>
+            <a:r>
+              <a:rPr lang="en-US" altLang="ko-KR" b="1" dirty="0">
+                <a:ea typeface="굴림" panose="020B0600000101010101" pitchFamily="50" charset="-127"/>
+              </a:rPr>
+              <a:t>V</a:t>
+            </a:r>
+            <a:r>
+              <a:rPr lang="en-US" altLang="ko-KR" b="1" baseline="-25000" dirty="0">
+                <a:ea typeface="굴림" panose="020B0600000101010101" pitchFamily="50" charset="-127"/>
+              </a:rPr>
+              <a:t>TH</a:t>
+            </a:r>
+            <a:r>
+              <a:rPr lang="en-US" altLang="ko-KR" b="1" dirty="0">
+                <a:ea typeface="굴림" panose="020B0600000101010101" pitchFamily="50" charset="-127"/>
+              </a:rPr>
+              <a:t>, I</a:t>
+            </a:r>
+            <a:r>
+              <a:rPr lang="en-US" altLang="ko-KR" b="1" baseline="-25000" dirty="0">
+                <a:ea typeface="굴림" panose="020B0600000101010101" pitchFamily="50" charset="-127"/>
+              </a:rPr>
+              <a:t>N</a:t>
+            </a:r>
+            <a:r>
+              <a:rPr lang="en-US" altLang="ko-KR" b="1" dirty="0">
+                <a:ea typeface="굴림" panose="020B0600000101010101" pitchFamily="50" charset="-127"/>
+              </a:rPr>
+              <a:t>, and (R</a:t>
+            </a:r>
+            <a:r>
+              <a:rPr lang="en-US" altLang="ko-KR" b="1" baseline="-25000" dirty="0">
+                <a:ea typeface="굴림" panose="020B0600000101010101" pitchFamily="50" charset="-127"/>
+              </a:rPr>
+              <a:t>TH</a:t>
+            </a:r>
+            <a:r>
+              <a:rPr lang="en-US" altLang="ko-KR" b="1" dirty="0">
+                <a:ea typeface="굴림" panose="020B0600000101010101" pitchFamily="50" charset="-127"/>
+              </a:rPr>
+              <a:t>=R</a:t>
+            </a:r>
+            <a:r>
+              <a:rPr lang="en-US" altLang="ko-KR" b="1" baseline="-25000" dirty="0">
+                <a:ea typeface="굴림" panose="020B0600000101010101" pitchFamily="50" charset="-127"/>
+              </a:rPr>
+              <a:t>N</a:t>
+            </a:r>
+            <a:r>
+              <a:rPr lang="en-US" altLang="ko-KR" b="1" dirty="0">
+                <a:ea typeface="굴림" panose="020B0600000101010101" pitchFamily="50" charset="-127"/>
+              </a:rPr>
+              <a:t>) related, finding the Thevenin or Norton equivalent circuit requires that we find:</a:t>
+            </a:r>
           </a:p>
           <a:p>
             <a:pPr>
@@ -22005,82 +22249,29 @@
               <a:rPr lang="en-US" altLang="ko-KR" b="1" dirty="0">
                 <a:ea typeface="굴림" panose="020B0600000101010101" pitchFamily="50" charset="-127"/>
               </a:rPr>
-              <a:t>With V</a:t>
-            </a:r>
-            <a:r>
-              <a:rPr lang="en-US" altLang="ko-KR" b="1" baseline="-25000" dirty="0">
-                <a:ea typeface="굴림" panose="020B0600000101010101" pitchFamily="50" charset="-127"/>
-              </a:rPr>
-              <a:t>TH</a:t>
-            </a:r>
-            <a:r>
-              <a:rPr lang="en-US" altLang="ko-KR" b="1" dirty="0">
-                <a:ea typeface="굴림" panose="020B0600000101010101" pitchFamily="50" charset="-127"/>
-              </a:rPr>
-              <a:t>, I</a:t>
-            </a:r>
-            <a:r>
-              <a:rPr lang="en-US" altLang="ko-KR" b="1" baseline="-25000" dirty="0">
-                <a:ea typeface="굴림" panose="020B0600000101010101" pitchFamily="50" charset="-127"/>
-              </a:rPr>
-              <a:t>N</a:t>
-            </a:r>
-            <a:r>
-              <a:rPr lang="en-US" altLang="ko-KR" b="1" dirty="0">
-                <a:ea typeface="굴림" panose="020B0600000101010101" pitchFamily="50" charset="-127"/>
-              </a:rPr>
-              <a:t>, and (R</a:t>
-            </a:r>
-            <a:r>
-              <a:rPr lang="en-US" altLang="ko-KR" b="1" baseline="-25000" dirty="0">
-                <a:ea typeface="굴림" panose="020B0600000101010101" pitchFamily="50" charset="-127"/>
-              </a:rPr>
-              <a:t>TH</a:t>
-            </a:r>
-            <a:r>
-              <a:rPr lang="en-US" altLang="ko-KR" b="1" dirty="0">
-                <a:ea typeface="굴림" panose="020B0600000101010101" pitchFamily="50" charset="-127"/>
-              </a:rPr>
-              <a:t>=R</a:t>
-            </a:r>
-            <a:r>
-              <a:rPr lang="en-US" altLang="ko-KR" b="1" baseline="-25000" dirty="0">
-                <a:ea typeface="굴림" panose="020B0600000101010101" pitchFamily="50" charset="-127"/>
-              </a:rPr>
-              <a:t>N</a:t>
-            </a:r>
-            <a:r>
-              <a:rPr lang="en-US" altLang="ko-KR" b="1" dirty="0">
-                <a:ea typeface="굴림" panose="020B0600000101010101" pitchFamily="50" charset="-127"/>
-              </a:rPr>
-              <a:t>) related, finding the Thevenin or Norton equivalent circuit requires that we find:</a:t>
-            </a:r>
+              <a:t>The open-circuit voltage across terminals </a:t>
+            </a:r>
+            <a:r>
+              <a:rPr lang="en-US" altLang="ko-KR" b="1" i="1" dirty="0">
+                <a:ea typeface="굴림" panose="020B0600000101010101" pitchFamily="50" charset="-127"/>
+              </a:rPr>
+              <a:t>a and b</a:t>
+            </a:r>
+            <a:r>
+              <a:rPr lang="en-US" altLang="ko-KR" b="1" i="1" dirty="0" smtClean="0">
+                <a:ea typeface="굴림" panose="020B0600000101010101" pitchFamily="50" charset="-127"/>
+              </a:rPr>
+              <a:t>.</a:t>
+            </a:r>
+            <a:endParaRPr lang="en-US" altLang="ko-KR" b="1" dirty="0" smtClean="0">
+              <a:ea typeface="굴림" panose="020B0600000101010101" pitchFamily="50" charset="-127"/>
+            </a:endParaRPr>
           </a:p>
           <a:p>
             <a:pPr>
               <a:defRPr/>
             </a:pPr>
-            <a:r>
-              <a:rPr lang="en-US" altLang="ko-KR" b="1" dirty="0">
-                <a:ea typeface="굴림" panose="020B0600000101010101" pitchFamily="50" charset="-127"/>
-              </a:rPr>
-              <a:t>The open-circuit voltage across terminals </a:t>
-            </a:r>
-            <a:r>
-              <a:rPr lang="en-US" altLang="ko-KR" b="1" i="1" dirty="0">
-                <a:ea typeface="굴림" panose="020B0600000101010101" pitchFamily="50" charset="-127"/>
-              </a:rPr>
-              <a:t>a and b.</a:t>
-            </a:r>
-            <a:endParaRPr lang="en-US" altLang="ko-KR" b="1" dirty="0">
-              <a:ea typeface="굴림" panose="020B0600000101010101" pitchFamily="50" charset="-127"/>
-            </a:endParaRPr>
-          </a:p>
-          <a:p>
-            <a:pPr>
-              <a:defRPr/>
-            </a:pPr>
-            <a:endParaRPr lang="en-US" altLang="ko-KR" b="1" dirty="0">
+            <a:endParaRPr lang="en-US" altLang="ko-KR" b="1" dirty="0" smtClean="0">
               <a:ea typeface="굴림" panose="020B0600000101010101" pitchFamily="50" charset="-127"/>
             </a:endParaRPr>
           </a:p>
@@ -22116,12 +22307,12 @@
           <a:graphicData uri="http://schemas.openxmlformats.org/presentationml/2006/ole">
             <mc:AlternateContent xmlns:mc="http://schemas.openxmlformats.org/markup-compatibility/2006">
               <mc:Choice xmlns:v="urn:schemas-microsoft-com:vml" Requires="v">
-                <p:oleObj name="Equation" r:id="rId2" imgW="583947" imgH="431613" progId="Equation.DSMT4">
+                <p:oleObj spid="_x0000_s13317" name="Equation" r:id="rId3" imgW="583947" imgH="431613" progId="Equation.DSMT4">
                   <p:embed/>
                 </p:oleObj>
               </mc:Choice>
               <mc:Fallback>
-                <p:oleObj name="Equation" r:id="rId2" imgW="583947" imgH="431613" progId="Equation.DSMT4">
+                <p:oleObj name="Equation" r:id="rId3" imgW="583947" imgH="431613" progId="Equation.DSMT4">
                   <p:embed/>
                   <p:pic>
                     <p:nvPicPr>
@@ -22132,7 +22323,7 @@
                       <p:nvPr/>
                     </p:nvPicPr>
                     <p:blipFill>
-                      <a:blip r:embed="rId3">
+                      <a:blip r:embed="rId4">
                         <a:extLst>
                           <a:ext uri="{28A0092B-C50C-407E-A947-70E740481C1C}">
                             <a14:useLocalDpi xmlns:a14="http://schemas.microsoft.com/office/drawing/2010/main" val="0"/>
@@ -22174,18 +22365,14 @@
   <p:clrMapOvr>
     <a:masterClrMapping/>
   </p:clrMapOvr>
-  <mc:AlternateContent xmlns:mc="http://schemas.openxmlformats.org/markup-compatibility/2006">
-    <mc:Choice xmlns:p159="http://schemas.microsoft.com/office/powerpoint/2015/09/main" Requires="p159">
-      <p:transition>
-        <p159:morph option="byChar"/>
-      </p:transition>
-    </mc:Choice>
-    <mc:Fallback>
-      <p:transition>
-        <p:fade/>
-      </p:transition>
-    </mc:Fallback>
-  </mc:AlternateContent>
+  <p:transition spd="med"/>
+  <p:timing>
+    <p:tnLst>
+      <p:par>
+        <p:cTn id="1" dur="indefinite" restart="never" nodeType="tmRoot"/>
+      </p:par>
+    </p:tnLst>
+  </p:timing>
 </p:sld>
 </file>
 
@@ -22223,12 +22410,12 @@
           <a:p>
             <a:pPr eaLnBrk="1" hangingPunct="1"/>
             <a:r>
-              <a:rPr lang="en-US" altLang="ko-KR" sz="1800">
+              <a:rPr lang="en-US" altLang="ko-KR" sz="1800" smtClean="0">
                 <a:ea typeface="굴림" panose="020B0600000101010101" pitchFamily="50" charset="-127"/>
               </a:rPr>
               <a:t>4.6 Norton’s Theorem</a:t>
             </a:r>
-            <a:endParaRPr lang="ko-KR" altLang="en-US" sz="1800"/>
+            <a:endParaRPr lang="ko-KR" altLang="en-US" sz="1800" smtClean="0"/>
           </a:p>
         </p:txBody>
       </p:sp>
@@ -22264,7 +22451,25 @@
                 </a:solidFill>
                 <a:ea typeface="굴림" panose="020B0600000101010101" pitchFamily="50" charset="-127"/>
               </a:rPr>
-              <a:t>Norton vs. Thevenin II</a:t>
+              <a:t>Norton vs. </a:t>
+            </a:r>
+            <a:r>
+              <a:rPr lang="en-US" altLang="ko-KR" sz="3200" b="1" dirty="0">
+                <a:solidFill>
+                  <a:srgbClr val="0070C0"/>
+                </a:solidFill>
+                <a:ea typeface="굴림" panose="020B0600000101010101" pitchFamily="50" charset="-127"/>
+              </a:rPr>
+              <a:t>Thevenin</a:t>
+            </a:r>
+            <a:r>
+              <a:rPr lang="en-US" altLang="ko-KR" sz="3200" b="1" dirty="0" smtClean="0">
+                <a:solidFill>
+                  <a:srgbClr val="0070C0"/>
+                </a:solidFill>
+                <a:ea typeface="굴림" panose="020B0600000101010101" pitchFamily="50" charset="-127"/>
+              </a:rPr>
+              <a:t> II</a:t>
             </a:r>
           </a:p>
           <a:p>
@@ -22272,10 +22477,16 @@
               <a:defRPr/>
             </a:pPr>
             <a:r>
+              <a:rPr lang="en-US" altLang="ko-KR" b="1" dirty="0" smtClean="0">
+                <a:ea typeface="굴림" panose="020B0600000101010101" pitchFamily="50" charset="-127"/>
+              </a:rPr>
+              <a:t>The </a:t>
+            </a:r>
+            <a:r>
               <a:rPr lang="en-US" altLang="ko-KR" b="1" dirty="0">
                 <a:ea typeface="굴림" panose="020B0600000101010101" pitchFamily="50" charset="-127"/>
               </a:rPr>
-              <a:t>The short-circuit current at terminals </a:t>
+              <a:t>short-circuit current at terminals </a:t>
             </a:r>
             <a:r>
               <a:rPr lang="en-US" altLang="ko-KR" b="1" i="1" dirty="0">
@@ -22304,7 +22515,13 @@
               <a:rPr lang="en-US" altLang="ko-KR" b="1" dirty="0">
                 <a:ea typeface="굴림" panose="020B0600000101010101" pitchFamily="50" charset="-127"/>
               </a:rPr>
-              <a:t>all independent sources are turned off.</a:t>
+              <a:t>all independent sources are turned off</a:t>
+            </a:r>
+            <a:r>
+              <a:rPr lang="en-US" altLang="ko-KR" b="1" dirty="0" smtClean="0">
+                <a:ea typeface="굴림" panose="020B0600000101010101" pitchFamily="50" charset="-127"/>
+              </a:rPr>
+              <a:t>.</a:t>
             </a:r>
           </a:p>
           <a:p>
@@ -22312,7 +22529,7 @@
               <a:defRPr/>
             </a:pPr>
             <a:r>
-              <a:rPr lang="en-US" altLang="ko-KR" b="1" dirty="0">
+              <a:rPr lang="en-US" altLang="ko-KR" b="1" dirty="0" smtClean="0">
                 <a:solidFill>
                   <a:srgbClr val="0099E7"/>
                 </a:solidFill>
@@ -22320,6 +22537,12 @@
               </a:rPr>
               <a:t>Ex</a:t>
             </a:r>
+            <a:endParaRPr lang="en-US" altLang="ko-KR" b="1" dirty="0">
+              <a:solidFill>
+                <a:srgbClr val="0099E7"/>
+              </a:solidFill>
+              <a:ea typeface="굴림" panose="020B0600000101010101" pitchFamily="50" charset="-127"/>
+            </a:endParaRPr>
           </a:p>
           <a:p>
             <a:pPr>
@@ -22395,18 +22618,14 @@
   <p:clrMapOvr>
     <a:masterClrMapping/>
   </p:clrMapOvr>
-  <mc:AlternateContent xmlns:mc="http://schemas.openxmlformats.org/markup-compatibility/2006">
-    <mc:Choice xmlns:p159="http://schemas.microsoft.com/office/powerpoint/2015/09/main" Requires="p159">
-      <p:transition>
-        <p159:morph option="byChar"/>
-      </p:transition>
-    </mc:Choice>
-    <mc:Fallback>
-      <p:transition>
-        <p:fade/>
-      </p:transition>
-    </mc:Fallback>
-  </mc:AlternateContent>
+  <p:transition spd="med"/>
+  <p:timing>
+    <p:tnLst>
+      <p:par>
+        <p:cTn id="1" dur="indefinite" restart="never" nodeType="tmRoot"/>
+      </p:par>
+    </p:tnLst>
+  </p:timing>
 </p:sld>
 </file>
 
@@ -22444,12 +22663,18 @@
           <a:p>
             <a:pPr eaLnBrk="1" hangingPunct="1"/>
             <a:r>
-              <a:rPr lang="en-US" altLang="ko-KR" sz="1800" dirty="0">
-                <a:ea typeface="굴림" panose="020B0600000101010101" pitchFamily="50" charset="-127"/>
-              </a:rPr>
-              <a:t>Maximum Power Transfer</a:t>
-            </a:r>
-            <a:endParaRPr lang="ko-KR" altLang="en-US" sz="1800" dirty="0"/>
+              <a:rPr lang="en-US" altLang="ko-KR" sz="1800" dirty="0" smtClean="0">
+                <a:ea typeface="굴림" panose="020B0600000101010101" pitchFamily="50" charset="-127"/>
+              </a:rPr>
+              <a:t>Maximum </a:t>
+            </a:r>
+            <a:r>
+              <a:rPr lang="en-US" altLang="ko-KR" sz="1800" dirty="0" smtClean="0">
+                <a:ea typeface="굴림" panose="020B0600000101010101" pitchFamily="50" charset="-127"/>
+              </a:rPr>
+              <a:t>Power Transfer</a:t>
+            </a:r>
+            <a:endParaRPr lang="ko-KR" altLang="en-US" sz="1800" dirty="0" smtClean="0"/>
           </a:p>
         </p:txBody>
       </p:sp>
@@ -22479,13 +22704,31 @@
               <a:defRPr/>
             </a:pPr>
             <a:r>
+              <a:rPr lang="en-US" altLang="ko-KR" sz="3200" b="1" dirty="0" smtClean="0">
+                <a:solidFill>
+                  <a:srgbClr val="0070C0"/>
+                </a:solidFill>
+                <a:ea typeface="굴림" panose="020B0600000101010101" pitchFamily="50" charset="-127"/>
+              </a:rPr>
+              <a:t>Maximum </a:t>
+            </a:r>
+            <a:r>
               <a:rPr lang="en-US" altLang="ko-KR" sz="3200" b="1" dirty="0">
                 <a:solidFill>
                   <a:srgbClr val="0070C0"/>
                 </a:solidFill>
                 <a:ea typeface="굴림" panose="020B0600000101010101" pitchFamily="50" charset="-127"/>
               </a:rPr>
-              <a:t>Maximum Power Transfer</a:t>
+              <a:t>Power </a:t>
+            </a:r>
+            <a:r>
+              <a:rPr lang="en-US" altLang="ko-KR" sz="3200" b="1" dirty="0" smtClean="0">
+                <a:solidFill>
+                  <a:srgbClr val="0070C0"/>
+                </a:solidFill>
+                <a:ea typeface="굴림" panose="020B0600000101010101" pitchFamily="50" charset="-127"/>
+              </a:rPr>
+              <a:t>Transfer</a:t>
             </a:r>
           </a:p>
           <a:p>
@@ -22541,18 +22784,14 @@
   <p:clrMapOvr>
     <a:masterClrMapping/>
   </p:clrMapOvr>
-  <mc:AlternateContent xmlns:mc="http://schemas.openxmlformats.org/markup-compatibility/2006">
-    <mc:Choice xmlns:p159="http://schemas.microsoft.com/office/powerpoint/2015/09/main" Requires="p159">
-      <p:transition>
-        <p159:morph option="byChar"/>
-      </p:transition>
-    </mc:Choice>
-    <mc:Fallback>
-      <p:transition>
-        <p:fade/>
-      </p:transition>
-    </mc:Fallback>
-  </mc:AlternateContent>
+  <p:transition spd="med"/>
+  <p:timing>
+    <p:tnLst>
+      <p:par>
+        <p:cTn id="1" dur="indefinite" restart="never" nodeType="tmRoot"/>
+      </p:par>
+    </p:tnLst>
+  </p:timing>
 </p:sld>
 </file>
 
@@ -22590,12 +22829,18 @@
           <a:p>
             <a:pPr eaLnBrk="1" hangingPunct="1"/>
             <a:r>
-              <a:rPr lang="en-US" altLang="ko-KR" sz="1800" dirty="0">
-                <a:ea typeface="굴림" panose="020B0600000101010101" pitchFamily="50" charset="-127"/>
-              </a:rPr>
-              <a:t>Maximum Power Transfer</a:t>
-            </a:r>
-            <a:endParaRPr lang="ko-KR" altLang="en-US" sz="1800" dirty="0"/>
+              <a:rPr lang="en-US" altLang="ko-KR" sz="1800" dirty="0" smtClean="0">
+                <a:ea typeface="굴림" panose="020B0600000101010101" pitchFamily="50" charset="-127"/>
+              </a:rPr>
+              <a:t>Maximum </a:t>
+            </a:r>
+            <a:r>
+              <a:rPr lang="en-US" altLang="ko-KR" sz="1800" dirty="0" smtClean="0">
+                <a:ea typeface="굴림" panose="020B0600000101010101" pitchFamily="50" charset="-127"/>
+              </a:rPr>
+              <a:t>Power Transfer</a:t>
+            </a:r>
+            <a:endParaRPr lang="ko-KR" altLang="en-US" sz="1800" dirty="0" smtClean="0"/>
           </a:p>
         </p:txBody>
       </p:sp>
@@ -22631,7 +22876,16 @@
                 </a:solidFill>
                 <a:ea typeface="굴림" panose="020B0600000101010101" pitchFamily="50" charset="-127"/>
               </a:rPr>
-              <a:t>Maximum Power Transfer II</a:t>
+              <a:t>Maximum Power </a:t>
+            </a:r>
+            <a:r>
+              <a:rPr lang="en-US" altLang="ko-KR" sz="3200" b="1" dirty="0" smtClean="0">
+                <a:solidFill>
+                  <a:srgbClr val="0070C0"/>
+                </a:solidFill>
+                <a:ea typeface="굴림" panose="020B0600000101010101" pitchFamily="50" charset="-127"/>
+              </a:rPr>
+              <a:t>Transfer II</a:t>
             </a:r>
           </a:p>
           <a:p>
@@ -22693,12 +22947,12 @@
           <a:graphicData uri="http://schemas.openxmlformats.org/presentationml/2006/ole">
             <mc:AlternateContent xmlns:mc="http://schemas.openxmlformats.org/markup-compatibility/2006">
               <mc:Choice xmlns:v="urn:schemas-microsoft-com:vml" Requires="v">
-                <p:oleObj name="Equation" r:id="rId2" imgW="1206500" imgH="508000" progId="Equation.DSMT4">
+                <p:oleObj spid="_x0000_s14341" name="Equation" r:id="rId3" imgW="1206500" imgH="508000" progId="Equation.DSMT4">
                   <p:embed/>
                 </p:oleObj>
               </mc:Choice>
               <mc:Fallback>
-                <p:oleObj name="Equation" r:id="rId2" imgW="1206500" imgH="508000" progId="Equation.DSMT4">
+                <p:oleObj name="Equation" r:id="rId3" imgW="1206500" imgH="508000" progId="Equation.DSMT4">
                   <p:embed/>
                   <p:pic>
                     <p:nvPicPr>
@@ -22709,7 +22963,7 @@
                       <p:nvPr/>
                     </p:nvPicPr>
                     <p:blipFill>
-                      <a:blip r:embed="rId3">
+                      <a:blip r:embed="rId4">
                         <a:extLst>
                           <a:ext uri="{28A0092B-C50C-407E-A947-70E740481C1C}">
                             <a14:useLocalDpi xmlns:a14="http://schemas.microsoft.com/office/drawing/2010/main" val="0"/>
@@ -22769,7 +23023,7 @@
           <p:nvPr/>
         </p:nvPicPr>
         <p:blipFill>
-          <a:blip r:embed="rId4">
+          <a:blip r:embed="rId5">
             <a:extLst>
               <a:ext uri="{28A0092B-C50C-407E-A947-70E740481C1C}">
                 <a14:useLocalDpi xmlns:a14="http://schemas.microsoft.com/office/drawing/2010/main" val="0"/>
@@ -22824,18 +23078,14 @@
   <p:clrMapOvr>
     <a:masterClrMapping/>
   </p:clrMapOvr>
-  <mc:AlternateContent xmlns:mc="http://schemas.openxmlformats.org/markup-compatibility/2006">
-    <mc:Choice xmlns:p159="http://schemas.microsoft.com/office/powerpoint/2015/09/main" Requires="p159">
-      <p:transition>
-        <p159:morph option="byChar"/>
-      </p:transition>
-    </mc:Choice>
-    <mc:Fallback>
-      <p:transition>
-        <p:fade/>
-      </p:transition>
-    </mc:Fallback>
-  </mc:AlternateContent>
+  <p:transition spd="med"/>
+  <p:timing>
+    <p:tnLst>
+      <p:par>
+        <p:cTn id="1" dur="indefinite" restart="never" nodeType="tmRoot"/>
+      </p:par>
+    </p:tnLst>
+  </p:timing>
 </p:sld>
 </file>
 
@@ -22873,12 +23123,18 @@
           <a:p>
             <a:pPr eaLnBrk="1" hangingPunct="1"/>
             <a:r>
-              <a:rPr lang="en-US" altLang="ko-KR" sz="1800" dirty="0">
-                <a:ea typeface="굴림" panose="020B0600000101010101" pitchFamily="50" charset="-127"/>
-              </a:rPr>
-              <a:t>Maximum Power Transfer</a:t>
-            </a:r>
-            <a:endParaRPr lang="ko-KR" altLang="en-US" sz="1800" dirty="0"/>
+              <a:rPr lang="en-US" altLang="ko-KR" sz="1800" dirty="0" smtClean="0">
+                <a:ea typeface="굴림" panose="020B0600000101010101" pitchFamily="50" charset="-127"/>
+              </a:rPr>
+              <a:t>Maximum </a:t>
+            </a:r>
+            <a:r>
+              <a:rPr lang="en-US" altLang="ko-KR" sz="1800" dirty="0" smtClean="0">
+                <a:ea typeface="굴림" panose="020B0600000101010101" pitchFamily="50" charset="-127"/>
+              </a:rPr>
+              <a:t>Power Transfer</a:t>
+            </a:r>
+            <a:endParaRPr lang="ko-KR" altLang="en-US" sz="1800" dirty="0" smtClean="0"/>
           </a:p>
         </p:txBody>
       </p:sp>
@@ -22914,7 +23170,16 @@
                 </a:solidFill>
                 <a:ea typeface="굴림" panose="020B0600000101010101" pitchFamily="50" charset="-127"/>
               </a:rPr>
-              <a:t>Maximum Power Transfer III</a:t>
+              <a:t>Maximum Power </a:t>
+            </a:r>
+            <a:r>
+              <a:rPr lang="en-US" altLang="ko-KR" sz="3200" b="1" dirty="0" smtClean="0">
+                <a:solidFill>
+                  <a:srgbClr val="0070C0"/>
+                </a:solidFill>
+                <a:ea typeface="굴림" panose="020B0600000101010101" pitchFamily="50" charset="-127"/>
+              </a:rPr>
+              <a:t>Transfer III</a:t>
             </a:r>
           </a:p>
           <a:p>
@@ -23155,18 +23420,14 @@
   <p:clrMapOvr>
     <a:masterClrMapping/>
   </p:clrMapOvr>
-  <mc:AlternateContent xmlns:mc="http://schemas.openxmlformats.org/markup-compatibility/2006">
-    <mc:Choice xmlns:p159="http://schemas.microsoft.com/office/powerpoint/2015/09/main" Requires="p159">
-      <p:transition>
-        <p159:morph option="byChar"/>
-      </p:transition>
-    </mc:Choice>
-    <mc:Fallback>
-      <p:transition>
-        <p:fade/>
-      </p:transition>
-    </mc:Fallback>
-  </mc:AlternateContent>
+  <p:transition spd="med"/>
+  <p:timing>
+    <p:tnLst>
+      <p:par>
+        <p:cTn id="1" dur="indefinite" restart="never" nodeType="tmRoot"/>
+      </p:par>
+    </p:tnLst>
+  </p:timing>
 </p:sld>
 </file>
 
@@ -23204,12 +23465,18 @@
           <a:p>
             <a:pPr eaLnBrk="1" hangingPunct="1"/>
             <a:r>
-              <a:rPr lang="en-US" altLang="ko-KR" sz="1800" dirty="0">
-                <a:ea typeface="굴림" panose="020B0600000101010101" pitchFamily="50" charset="-127"/>
-              </a:rPr>
-              <a:t>Maximum Power Transfer</a:t>
-            </a:r>
-            <a:endParaRPr lang="ko-KR" altLang="en-US" sz="1800" dirty="0"/>
+              <a:rPr lang="en-US" altLang="ko-KR" sz="1800" dirty="0" smtClean="0">
+                <a:ea typeface="굴림" panose="020B0600000101010101" pitchFamily="50" charset="-127"/>
+              </a:rPr>
+              <a:t>Maximum </a:t>
+            </a:r>
+            <a:r>
+              <a:rPr lang="en-US" altLang="ko-KR" sz="1800" dirty="0" smtClean="0">
+                <a:ea typeface="굴림" panose="020B0600000101010101" pitchFamily="50" charset="-127"/>
+              </a:rPr>
+              <a:t>Power Transfer</a:t>
+            </a:r>
+            <a:endParaRPr lang="ko-KR" altLang="en-US" sz="1800" dirty="0" smtClean="0"/>
           </a:p>
         </p:txBody>
       </p:sp>
@@ -23242,7 +23509,7 @@
               <a:defRPr/>
             </a:pPr>
             <a:r>
-              <a:rPr lang="en-US" altLang="ko-KR" b="1" dirty="0">
+              <a:rPr lang="en-US" altLang="ko-KR" b="1" dirty="0" smtClean="0">
                 <a:solidFill>
                   <a:srgbClr val="0070C0"/>
                 </a:solidFill>
@@ -23250,6 +23517,12 @@
               </a:rPr>
               <a:t>Example 3.17</a:t>
             </a:r>
+            <a:endParaRPr lang="en-US" altLang="ko-KR" b="1" dirty="0" smtClean="0">
+              <a:solidFill>
+                <a:srgbClr val="0070C0"/>
+              </a:solidFill>
+              <a:ea typeface="굴림" panose="020B0600000101010101" pitchFamily="50" charset="-127"/>
+            </a:endParaRPr>
           </a:p>
           <a:p>
             <a:pPr eaLnBrk="1" hangingPunct="1">
@@ -23266,7 +23539,7 @@
             <a:pPr eaLnBrk="1" hangingPunct="1">
               <a:defRPr/>
             </a:pPr>
-            <a:endParaRPr lang="en-US" altLang="ko-KR" b="1" dirty="0">
+            <a:endParaRPr lang="en-US" altLang="ko-KR" b="1" dirty="0" smtClean="0">
               <a:solidFill>
                 <a:srgbClr val="0099D7"/>
               </a:solidFill>
@@ -23288,7 +23561,7 @@
             <a:pPr eaLnBrk="1" hangingPunct="1">
               <a:defRPr/>
             </a:pPr>
-            <a:endParaRPr lang="en-US" altLang="ko-KR" b="1" dirty="0">
+            <a:endParaRPr lang="en-US" altLang="ko-KR" b="1" dirty="0" smtClean="0">
               <a:solidFill>
                 <a:srgbClr val="0099D7"/>
               </a:solidFill>
@@ -23307,7 +23580,7 @@
             <a:pPr eaLnBrk="1" hangingPunct="1">
               <a:defRPr/>
             </a:pPr>
-            <a:endParaRPr lang="en-US" altLang="ko-KR" b="1" dirty="0">
+            <a:endParaRPr lang="en-US" altLang="ko-KR" b="1" dirty="0" smtClean="0">
               <a:ea typeface="굴림" panose="020B0600000101010101" pitchFamily="50" charset="-127"/>
             </a:endParaRPr>
           </a:p>
@@ -23353,18 +23626,14 @@
   <p:clrMapOvr>
     <a:masterClrMapping/>
   </p:clrMapOvr>
-  <mc:AlternateContent xmlns:mc="http://schemas.openxmlformats.org/markup-compatibility/2006">
-    <mc:Choice xmlns:p159="http://schemas.microsoft.com/office/powerpoint/2015/09/main" Requires="p159">
-      <p:transition>
-        <p159:morph option="byChar"/>
-      </p:transition>
-    </mc:Choice>
-    <mc:Fallback>
-      <p:transition>
-        <p:fade/>
-      </p:transition>
-    </mc:Fallback>
-  </mc:AlternateContent>
+  <p:transition spd="med"/>
+  <p:timing>
+    <p:tnLst>
+      <p:par>
+        <p:cTn id="1" dur="indefinite" restart="never" nodeType="tmRoot"/>
+      </p:par>
+    </p:tnLst>
+  </p:timing>
 </p:sld>
 </file>
 
@@ -23402,12 +23671,18 @@
           <a:p>
             <a:pPr eaLnBrk="1" hangingPunct="1"/>
             <a:r>
-              <a:rPr lang="en-US" altLang="ko-KR" sz="1800" dirty="0">
-                <a:ea typeface="굴림" panose="020B0600000101010101" pitchFamily="50" charset="-127"/>
-              </a:rPr>
-              <a:t>Maximum Power Transfer</a:t>
-            </a:r>
-            <a:endParaRPr lang="ko-KR" altLang="en-US" sz="1800" dirty="0"/>
+              <a:rPr lang="en-US" altLang="ko-KR" sz="1800" dirty="0" smtClean="0">
+                <a:ea typeface="굴림" panose="020B0600000101010101" pitchFamily="50" charset="-127"/>
+              </a:rPr>
+              <a:t>Maximum </a:t>
+            </a:r>
+            <a:r>
+              <a:rPr lang="en-US" altLang="ko-KR" sz="1800" dirty="0" smtClean="0">
+                <a:ea typeface="굴림" panose="020B0600000101010101" pitchFamily="50" charset="-127"/>
+              </a:rPr>
+              <a:t>Power Transfer</a:t>
+            </a:r>
+            <a:endParaRPr lang="ko-KR" altLang="en-US" sz="1800" dirty="0" smtClean="0"/>
           </a:p>
         </p:txBody>
       </p:sp>
@@ -23440,7 +23715,7 @@
               <a:defRPr/>
             </a:pPr>
             <a:r>
-              <a:rPr lang="en-US" altLang="ko-KR" b="1" dirty="0">
+              <a:rPr lang="en-US" altLang="ko-KR" b="1" dirty="0" smtClean="0">
                 <a:solidFill>
                   <a:srgbClr val="0070C0"/>
                 </a:solidFill>
@@ -23448,6 +23723,12 @@
               </a:rPr>
               <a:t>Example 3.18</a:t>
             </a:r>
+            <a:endParaRPr lang="en-US" altLang="ko-KR" b="1" dirty="0" smtClean="0">
+              <a:solidFill>
+                <a:srgbClr val="0070C0"/>
+              </a:solidFill>
+              <a:ea typeface="굴림" panose="020B0600000101010101" pitchFamily="50" charset="-127"/>
+            </a:endParaRPr>
           </a:p>
           <a:p>
             <a:pPr eaLnBrk="1" hangingPunct="1">
@@ -23464,7 +23745,7 @@
             <a:pPr eaLnBrk="1" hangingPunct="1">
               <a:defRPr/>
             </a:pPr>
-            <a:endParaRPr lang="en-US" altLang="ko-KR" b="1" dirty="0">
+            <a:endParaRPr lang="en-US" altLang="ko-KR" b="1" dirty="0" smtClean="0">
               <a:solidFill>
                 <a:srgbClr val="0099D7"/>
               </a:solidFill>
@@ -23486,7 +23767,7 @@
             <a:pPr eaLnBrk="1" hangingPunct="1">
               <a:defRPr/>
             </a:pPr>
-            <a:endParaRPr lang="en-US" altLang="ko-KR" b="1" dirty="0">
+            <a:endParaRPr lang="en-US" altLang="ko-KR" b="1" dirty="0" smtClean="0">
               <a:solidFill>
                 <a:srgbClr val="0099D7"/>
               </a:solidFill>
@@ -23505,7 +23786,7 @@
             <a:pPr eaLnBrk="1" hangingPunct="1">
               <a:defRPr/>
             </a:pPr>
-            <a:endParaRPr lang="en-US" altLang="ko-KR" b="1" dirty="0">
+            <a:endParaRPr lang="en-US" altLang="ko-KR" b="1" dirty="0" smtClean="0">
               <a:ea typeface="굴림" panose="020B0600000101010101" pitchFamily="50" charset="-127"/>
             </a:endParaRPr>
           </a:p>
@@ -23551,18 +23832,14 @@
   <p:clrMapOvr>
     <a:masterClrMapping/>
   </p:clrMapOvr>
-  <mc:AlternateContent xmlns:mc="http://schemas.openxmlformats.org/markup-compatibility/2006">
-    <mc:Choice xmlns:p159="http://schemas.microsoft.com/office/powerpoint/2015/09/main" Requires="p159">
-      <p:transition>
-        <p159:morph option="byChar"/>
-      </p:transition>
-    </mc:Choice>
-    <mc:Fallback>
-      <p:transition>
-        <p:fade/>
-      </p:transition>
-    </mc:Fallback>
-  </mc:AlternateContent>
+  <p:transition spd="med"/>
+  <p:timing>
+    <p:tnLst>
+      <p:par>
+        <p:cTn id="1" dur="indefinite" restart="never" nodeType="tmRoot"/>
+      </p:par>
+    </p:tnLst>
+  </p:timing>
 </p:sld>
 </file>
 
@@ -23599,10 +23876,10 @@
           <a:lstStyle/>
           <a:p>
             <a:r>
-              <a:rPr lang="en-US" altLang="ko-KR" sz="2400"/>
+              <a:rPr lang="en-US" altLang="ko-KR" sz="2400" smtClean="0"/>
               <a:t>Homework</a:t>
             </a:r>
-            <a:endParaRPr lang="ko-KR" altLang="en-US" sz="2400"/>
+            <a:endParaRPr lang="ko-KR" altLang="en-US" sz="2400" smtClean="0"/>
           </a:p>
         </p:txBody>
       </p:sp>
@@ -23635,7 +23912,7 @@
               <a:defRPr/>
             </a:pPr>
             <a:r>
-              <a:rPr lang="en-US" altLang="ko-KR" sz="3200" dirty="0">
+              <a:rPr lang="en-US" altLang="ko-KR" sz="3200" dirty="0" smtClean="0">
                 <a:solidFill>
                   <a:srgbClr val="0070C0"/>
                 </a:solidFill>
@@ -23652,13 +23929,26 @@
               <a:defRPr/>
             </a:pPr>
             <a:r>
-              <a:rPr lang="en-US" altLang="ko-KR" sz="2000" b="1" i="1" dirty="0">
+              <a:rPr lang="en-US" altLang="ko-KR" sz="2000" b="1" i="1" dirty="0" smtClean="0">
                 <a:solidFill>
                   <a:srgbClr val="A50021"/>
                 </a:solidFill>
               </a:rPr>
-              <a:t>Solve Problems 3.12, 3.22, 3.43, 3.50, 3.52</a:t>
-            </a:r>
+              <a:t>Solve Problems </a:t>
+            </a:r>
+            <a:r>
+              <a:rPr lang="en-US" altLang="ko-KR" sz="2000" b="1" i="1" dirty="0" smtClean="0">
+                <a:solidFill>
+                  <a:srgbClr val="A50021"/>
+                </a:solidFill>
+              </a:rPr>
+              <a:t>3.12, 3.22, 3.43, 3.50, 3.52</a:t>
+            </a:r>
+            <a:endParaRPr lang="en-US" altLang="ko-KR" sz="2000" b="1" i="1" dirty="0" smtClean="0">
+              <a:solidFill>
+                <a:srgbClr val="A50021"/>
+              </a:solidFill>
+            </a:endParaRPr>
           </a:p>
           <a:p>
             <a:pPr eaLnBrk="1" hangingPunct="1">
@@ -23668,9 +23958,14 @@
               <a:defRPr/>
             </a:pPr>
             <a:r>
-              <a:rPr lang="en-US" altLang="ko-KR" sz="2000" b="1" dirty="0"/>
-              <a:t>Read Text Chapter 4. </a:t>
-            </a:r>
+              <a:rPr lang="en-US" altLang="ko-KR" sz="2000" b="1" dirty="0" smtClean="0"/>
+              <a:t>Read Text Chapter </a:t>
+            </a:r>
+            <a:r>
+              <a:rPr lang="en-US" altLang="ko-KR" sz="2000" b="1" dirty="0" smtClean="0"/>
+              <a:t>4. </a:t>
+            </a:r>
+            <a:endParaRPr lang="en-US" altLang="ko-KR" sz="2000" b="1" dirty="0" smtClean="0"/>
           </a:p>
           <a:p>
             <a:pPr eaLnBrk="1" hangingPunct="1">
@@ -23680,7 +23975,7 @@
               <a:defRPr/>
             </a:pPr>
             <a:r>
-              <a:rPr lang="en-US" altLang="ko-KR" sz="2000" b="1" dirty="0"/>
+              <a:rPr lang="en-US" altLang="ko-KR" sz="2000" b="1" dirty="0" smtClean="0"/>
               <a:t>Prepare Presentation</a:t>
             </a:r>
           </a:p>
@@ -23688,7 +23983,7 @@
             <a:pPr>
               <a:defRPr/>
             </a:pPr>
-            <a:endParaRPr lang="ko-KR" altLang="en-US" sz="2000" dirty="0"/>
+            <a:endParaRPr lang="ko-KR" altLang="en-US" sz="2000" dirty="0" smtClean="0"/>
           </a:p>
         </p:txBody>
       </p:sp>
@@ -23697,18 +23992,14 @@
   <p:clrMapOvr>
     <a:masterClrMapping/>
   </p:clrMapOvr>
-  <mc:AlternateContent xmlns:mc="http://schemas.openxmlformats.org/markup-compatibility/2006">
-    <mc:Choice xmlns:p159="http://schemas.microsoft.com/office/powerpoint/2015/09/main" Requires="p159">
-      <p:transition>
-        <p159:morph option="byChar"/>
-      </p:transition>
-    </mc:Choice>
-    <mc:Fallback>
-      <p:transition>
-        <p:fade/>
-      </p:transition>
-    </mc:Fallback>
-  </mc:AlternateContent>
+  <p:transition spd="med"/>
+  <p:timing>
+    <p:tnLst>
+      <p:par>
+        <p:cTn id="1" dur="indefinite" restart="never" nodeType="tmRoot"/>
+      </p:par>
+    </p:tnLst>
+  </p:timing>
 </p:sld>
 </file>
 
@@ -23746,17 +24037,17 @@
           <a:p>
             <a:pPr eaLnBrk="1" hangingPunct="1"/>
             <a:r>
-              <a:rPr lang="en-US" altLang="ko-KR" sz="2400" dirty="0">
+              <a:rPr lang="en-US" altLang="ko-KR" sz="2400" dirty="0" smtClean="0">
                 <a:ea typeface="굴림" panose="020B0600000101010101" pitchFamily="50" charset="-127"/>
               </a:rPr>
               <a:t>Nodal Analysis</a:t>
             </a:r>
-            <a:endParaRPr lang="ko-KR" altLang="en-US" sz="2400" dirty="0"/>
+            <a:endParaRPr lang="ko-KR" altLang="en-US" sz="2400" dirty="0" smtClean="0"/>
           </a:p>
         </p:txBody>
       </p:sp>
-      <mc:AlternateContent xmlns:mc="http://schemas.openxmlformats.org/markup-compatibility/2006" xmlns:a14="http://schemas.microsoft.com/office/drawing/2010/main">
-        <mc:Choice Requires="a14">
+      <mc:AlternateContent xmlns:mc="http://schemas.openxmlformats.org/markup-compatibility/2006">
+        <mc:Choice xmlns:a14="http://schemas.microsoft.com/office/drawing/2010/main" Requires="a14">
           <p:sp>
             <p:nvSpPr>
               <p:cNvPr id="28675" name="Rectangle 3"/>
@@ -23781,7 +24072,7 @@
                   <a:defRPr/>
                 </a:pPr>
                 <a:r>
-                  <a:rPr lang="en-US" altLang="ko-KR" b="1" dirty="0">
+                  <a:rPr lang="en-US" altLang="ko-KR" b="1" dirty="0" smtClean="0">
                     <a:ea typeface="굴림" panose="020B0600000101010101" pitchFamily="50" charset="-127"/>
                   </a:rPr>
                   <a:t>From     </a:t>
@@ -24057,7 +24348,7 @@
                   </m:oMath>
                 </a14:m>
                 <a:r>
-                  <a:rPr lang="en-US" altLang="ko-KR" b="1" dirty="0">
+                  <a:rPr lang="en-US" altLang="ko-KR" b="1" dirty="0" smtClean="0">
                     <a:ea typeface="굴림" panose="020B0600000101010101" pitchFamily="50" charset="-127"/>
                   </a:rPr>
                   <a:t> and </a:t>
@@ -24353,7 +24644,7 @@
                     </m:r>
                   </m:oMath>
                 </a14:m>
-                <a:endParaRPr lang="en-US" altLang="ko-KR" b="1" dirty="0">
+                <a:endParaRPr lang="en-US" altLang="ko-KR" b="1" dirty="0" smtClean="0">
                   <a:ea typeface="굴림" panose="020B0600000101010101" pitchFamily="50" charset="-127"/>
                 </a:endParaRPr>
               </a:p>
@@ -24362,7 +24653,7 @@
                   <a:buNone/>
                   <a:defRPr/>
                 </a:pPr>
-                <a:endParaRPr lang="en-US" altLang="ko-KR" b="1" i="1" dirty="0">
+                <a:endParaRPr lang="en-US" altLang="ko-KR" b="1" i="1" dirty="0" smtClean="0">
                   <a:latin typeface="+mn-lt"/>
                   <a:ea typeface="굴림" panose="020B0600000101010101" pitchFamily="50" charset="-127"/>
                 </a:endParaRPr>
@@ -24382,7 +24673,7 @@
                         <m:fPr>
                           <m:ctrlPr>
                             <a:rPr lang="en-US" altLang="ko-KR" b="1" i="1">
-                              <a:latin typeface="Cambria Math" panose="02040503050406030204" pitchFamily="18" charset="0"/>
+                              <a:latin typeface="+mn-lt"/>
                               <a:ea typeface="굴림" panose="020B0600000101010101" pitchFamily="50" charset="-127"/>
                             </a:rPr>
                           </m:ctrlPr>
@@ -24390,14 +24681,14 @@
                         <m:num>
                           <m:r>
                             <a:rPr lang="en-US" altLang="ko-KR" b="1" i="1">
-                              <a:latin typeface="Cambria Math" panose="02040503050406030204" pitchFamily="18" charset="0"/>
+                              <a:latin typeface="+mn-lt"/>
                               <a:ea typeface="굴림" panose="020B0600000101010101" pitchFamily="50" charset="-127"/>
                             </a:rPr>
                             <m:t> </m:t>
                           </m:r>
                           <m:r>
                             <a:rPr lang="en-US" altLang="ko-KR" b="1" i="1">
-                              <a:latin typeface="Cambria Math" panose="02040503050406030204" pitchFamily="18" charset="0"/>
+                              <a:latin typeface="+mn-lt"/>
                               <a:ea typeface="굴림" panose="020B0600000101010101" pitchFamily="50" charset="-127"/>
                             </a:rPr>
                             <m:t>𝟏𝟐</m:t>
@@ -24406,14 +24697,14 @@
                         <m:den>
                           <m:r>
                             <a:rPr lang="en-US" altLang="ko-KR" b="1" i="1">
-                              <a:latin typeface="Cambria Math" panose="02040503050406030204" pitchFamily="18" charset="0"/>
+                              <a:latin typeface="+mn-lt"/>
                               <a:ea typeface="굴림" panose="020B0600000101010101" pitchFamily="50" charset="-127"/>
                             </a:rPr>
                             <m:t>𝟐</m:t>
                           </m:r>
                           <m:r>
                             <a:rPr lang="en-US" altLang="ko-KR" b="1" i="1">
-                              <a:latin typeface="Cambria Math" panose="02040503050406030204" pitchFamily="18" charset="0"/>
+                              <a:latin typeface="+mn-lt"/>
                               <a:ea typeface="굴림" panose="020B0600000101010101" pitchFamily="50" charset="-127"/>
                             </a:rPr>
                             <m:t>𝒌</m:t>
@@ -24422,7 +24713,7 @@
                       </m:f>
                       <m:r>
                         <a:rPr lang="en-US" altLang="ko-KR" b="1" i="1">
-                          <a:latin typeface="Cambria Math" panose="02040503050406030204" pitchFamily="18" charset="0"/>
+                          <a:latin typeface="+mn-lt"/>
                           <a:ea typeface="굴림" panose="020B0600000101010101" pitchFamily="50" charset="-127"/>
                         </a:rPr>
                         <m:t>=</m:t>
@@ -24431,7 +24722,7 @@
                         <m:sSubPr>
                           <m:ctrlPr>
                             <a:rPr lang="en-US" altLang="ko-KR" b="1" i="1">
-                              <a:latin typeface="Cambria Math" panose="02040503050406030204" pitchFamily="18" charset="0"/>
+                              <a:latin typeface="+mn-lt"/>
                               <a:ea typeface="굴림" panose="020B0600000101010101" pitchFamily="50" charset="-127"/>
                             </a:rPr>
                           </m:ctrlPr>
@@ -24439,7 +24730,7 @@
                         <m:e>
                           <m:r>
                             <a:rPr lang="en-US" altLang="ko-KR" b="1" i="1">
-                              <a:latin typeface="Cambria Math" panose="02040503050406030204" pitchFamily="18" charset="0"/>
+                              <a:latin typeface="+mn-lt"/>
                               <a:ea typeface="굴림" panose="020B0600000101010101" pitchFamily="50" charset="-127"/>
                             </a:rPr>
                             <m:t>𝑽</m:t>
@@ -24448,7 +24739,7 @@
                         <m:sub>
                           <m:r>
                             <a:rPr lang="en-US" altLang="ko-KR" b="1" i="1">
-                              <a:latin typeface="Cambria Math" panose="02040503050406030204" pitchFamily="18" charset="0"/>
+                              <a:latin typeface="+mn-lt"/>
                               <a:ea typeface="굴림" panose="020B0600000101010101" pitchFamily="50" charset="-127"/>
                             </a:rPr>
                             <m:t>𝑩</m:t>
@@ -24459,7 +24750,7 @@
                         <m:dPr>
                           <m:ctrlPr>
                             <a:rPr lang="en-US" altLang="ko-KR" b="1" i="1">
-                              <a:latin typeface="Cambria Math" panose="02040503050406030204" pitchFamily="18" charset="0"/>
+                              <a:latin typeface="+mn-lt"/>
                               <a:ea typeface="굴림" panose="020B0600000101010101" pitchFamily="50" charset="-127"/>
                             </a:rPr>
                           </m:ctrlPr>
@@ -24469,7 +24760,7 @@
                             <m:fPr>
                               <m:ctrlPr>
                                 <a:rPr lang="en-US" altLang="ko-KR" b="1" i="1">
-                                  <a:latin typeface="Cambria Math" panose="02040503050406030204" pitchFamily="18" charset="0"/>
+                                  <a:latin typeface="+mn-lt"/>
                                   <a:ea typeface="굴림" panose="020B0600000101010101" pitchFamily="50" charset="-127"/>
                                 </a:rPr>
                               </m:ctrlPr>
@@ -24477,7 +24768,7 @@
                             <m:num>
                               <m:r>
                                 <a:rPr lang="en-US" altLang="ko-KR" b="1" i="1">
-                                  <a:latin typeface="Cambria Math" panose="02040503050406030204" pitchFamily="18" charset="0"/>
+                                  <a:latin typeface="+mn-lt"/>
                                   <a:ea typeface="굴림" panose="020B0600000101010101" pitchFamily="50" charset="-127"/>
                                 </a:rPr>
                                 <m:t>𝟏</m:t>
@@ -24486,14 +24777,14 @@
                             <m:den>
                               <m:r>
                                 <a:rPr lang="en-US" altLang="ko-KR" b="1" i="1">
-                                  <a:latin typeface="Cambria Math" panose="02040503050406030204" pitchFamily="18" charset="0"/>
+                                  <a:latin typeface="+mn-lt"/>
                                   <a:ea typeface="굴림" panose="020B0600000101010101" pitchFamily="50" charset="-127"/>
                                 </a:rPr>
                                 <m:t>𝟐</m:t>
                               </m:r>
                               <m:r>
                                 <a:rPr lang="en-US" altLang="ko-KR" b="1" i="1">
-                                  <a:latin typeface="Cambria Math" panose="02040503050406030204" pitchFamily="18" charset="0"/>
+                                  <a:latin typeface="+mn-lt"/>
                                   <a:ea typeface="굴림" panose="020B0600000101010101" pitchFamily="50" charset="-127"/>
                                 </a:rPr>
                                 <m:t>𝒌</m:t>
@@ -24502,7 +24793,7 @@
                           </m:f>
                           <m:r>
                             <a:rPr lang="en-US" altLang="ko-KR" b="1" i="1">
-                              <a:latin typeface="Cambria Math" panose="02040503050406030204" pitchFamily="18" charset="0"/>
+                              <a:latin typeface="+mn-lt"/>
                               <a:ea typeface="굴림" panose="020B0600000101010101" pitchFamily="50" charset="-127"/>
                             </a:rPr>
                             <m:t>+</m:t>
@@ -24511,7 +24802,7 @@
                             <m:fPr>
                               <m:ctrlPr>
                                 <a:rPr lang="en-US" altLang="ko-KR" b="1" i="1">
-                                  <a:latin typeface="Cambria Math" panose="02040503050406030204" pitchFamily="18" charset="0"/>
+                                  <a:latin typeface="+mn-lt"/>
                                   <a:ea typeface="굴림" panose="020B0600000101010101" pitchFamily="50" charset="-127"/>
                                 </a:rPr>
                               </m:ctrlPr>
@@ -24519,7 +24810,7 @@
                             <m:num>
                               <m:r>
                                 <a:rPr lang="en-US" altLang="ko-KR" b="1" i="1">
-                                  <a:latin typeface="Cambria Math" panose="02040503050406030204" pitchFamily="18" charset="0"/>
+                                  <a:latin typeface="+mn-lt"/>
                                   <a:ea typeface="굴림" panose="020B0600000101010101" pitchFamily="50" charset="-127"/>
                                 </a:rPr>
                                 <m:t>𝟏</m:t>
@@ -24528,14 +24819,14 @@
                             <m:den>
                               <m:r>
                                 <a:rPr lang="en-US" altLang="ko-KR" b="1" i="1">
-                                  <a:latin typeface="Cambria Math" panose="02040503050406030204" pitchFamily="18" charset="0"/>
+                                  <a:latin typeface="+mn-lt"/>
                                   <a:ea typeface="굴림" panose="020B0600000101010101" pitchFamily="50" charset="-127"/>
                                 </a:rPr>
                                 <m:t>𝟑</m:t>
                               </m:r>
                               <m:r>
                                 <a:rPr lang="en-US" altLang="ko-KR" b="1" i="1">
-                                  <a:latin typeface="Cambria Math" panose="02040503050406030204" pitchFamily="18" charset="0"/>
+                                  <a:latin typeface="+mn-lt"/>
                                   <a:ea typeface="굴림" panose="020B0600000101010101" pitchFamily="50" charset="-127"/>
                                 </a:rPr>
                                 <m:t>𝒌</m:t>
@@ -24544,7 +24835,7 @@
                           </m:f>
                           <m:r>
                             <a:rPr lang="en-US" altLang="ko-KR" b="1" i="1">
-                              <a:latin typeface="Cambria Math" panose="02040503050406030204" pitchFamily="18" charset="0"/>
+                              <a:latin typeface="+mn-lt"/>
                               <a:ea typeface="굴림" panose="020B0600000101010101" pitchFamily="50" charset="-127"/>
                             </a:rPr>
                             <m:t>+</m:t>
@@ -24553,7 +24844,7 @@
                             <m:fPr>
                               <m:ctrlPr>
                                 <a:rPr lang="en-US" altLang="ko-KR" b="1" i="1">
-                                  <a:latin typeface="Cambria Math" panose="02040503050406030204" pitchFamily="18" charset="0"/>
+                                  <a:latin typeface="+mn-lt"/>
                                   <a:ea typeface="굴림" panose="020B0600000101010101" pitchFamily="50" charset="-127"/>
                                 </a:rPr>
                               </m:ctrlPr>
@@ -24561,7 +24852,7 @@
                             <m:num>
                               <m:r>
                                 <a:rPr lang="en-US" altLang="ko-KR" b="1" i="1">
-                                  <a:latin typeface="Cambria Math" panose="02040503050406030204" pitchFamily="18" charset="0"/>
+                                  <a:latin typeface="+mn-lt"/>
                                   <a:ea typeface="굴림" panose="020B0600000101010101" pitchFamily="50" charset="-127"/>
                                 </a:rPr>
                                 <m:t>𝟏</m:t>
@@ -24570,14 +24861,14 @@
                             <m:den>
                               <m:r>
                                 <a:rPr lang="en-US" altLang="ko-KR" b="1" i="1">
-                                  <a:latin typeface="Cambria Math" panose="02040503050406030204" pitchFamily="18" charset="0"/>
+                                  <a:latin typeface="+mn-lt"/>
                                   <a:ea typeface="굴림" panose="020B0600000101010101" pitchFamily="50" charset="-127"/>
                                 </a:rPr>
                                 <m:t>𝟐</m:t>
                               </m:r>
                               <m:r>
                                 <a:rPr lang="en-US" altLang="ko-KR" b="1" i="1">
-                                  <a:latin typeface="Cambria Math" panose="02040503050406030204" pitchFamily="18" charset="0"/>
+                                  <a:latin typeface="+mn-lt"/>
                                   <a:ea typeface="굴림" panose="020B0600000101010101" pitchFamily="50" charset="-127"/>
                                 </a:rPr>
                                 <m:t>𝒌</m:t>
@@ -24588,7 +24879,7 @@
                       </m:d>
                       <m:r>
                         <a:rPr lang="en-US" altLang="ko-KR" b="1" i="1">
-                          <a:latin typeface="Cambria Math" panose="02040503050406030204" pitchFamily="18" charset="0"/>
+                          <a:latin typeface="+mn-lt"/>
                           <a:ea typeface="굴림" panose="020B0600000101010101" pitchFamily="50" charset="-127"/>
                         </a:rPr>
                         <m:t>−</m:t>
@@ -24597,7 +24888,7 @@
                         <m:sSubPr>
                           <m:ctrlPr>
                             <a:rPr lang="en-US" altLang="ko-KR" b="1" i="1">
-                              <a:latin typeface="Cambria Math" panose="02040503050406030204" pitchFamily="18" charset="0"/>
+                              <a:latin typeface="+mn-lt"/>
                               <a:ea typeface="굴림" panose="020B0600000101010101" pitchFamily="50" charset="-127"/>
                             </a:rPr>
                           </m:ctrlPr>
@@ -24605,7 +24896,7 @@
                         <m:e>
                           <m:r>
                             <a:rPr lang="en-US" altLang="ko-KR" b="1" i="1">
-                              <a:latin typeface="Cambria Math" panose="02040503050406030204" pitchFamily="18" charset="0"/>
+                              <a:latin typeface="+mn-lt"/>
                               <a:ea typeface="굴림" panose="020B0600000101010101" pitchFamily="50" charset="-127"/>
                             </a:rPr>
                             <m:t>𝑽</m:t>
@@ -24614,7 +24905,7 @@
                         <m:sub>
                           <m:r>
                             <a:rPr lang="en-US" altLang="ko-KR" b="1" i="1">
-                              <a:latin typeface="Cambria Math" panose="02040503050406030204" pitchFamily="18" charset="0"/>
+                              <a:latin typeface="+mn-lt"/>
                               <a:ea typeface="굴림" panose="020B0600000101010101" pitchFamily="50" charset="-127"/>
                             </a:rPr>
                             <m:t>𝑪</m:t>
@@ -24625,7 +24916,7 @@
                         <m:dPr>
                           <m:ctrlPr>
                             <a:rPr lang="en-US" altLang="ko-KR" b="1" i="1">
-                              <a:latin typeface="Cambria Math" panose="02040503050406030204" pitchFamily="18" charset="0"/>
+                              <a:latin typeface="+mn-lt"/>
                               <a:ea typeface="굴림" panose="020B0600000101010101" pitchFamily="50" charset="-127"/>
                             </a:rPr>
                           </m:ctrlPr>
@@ -24635,7 +24926,7 @@
                             <m:fPr>
                               <m:ctrlPr>
                                 <a:rPr lang="en-US" altLang="ko-KR" b="1" i="1">
-                                  <a:latin typeface="Cambria Math" panose="02040503050406030204" pitchFamily="18" charset="0"/>
+                                  <a:latin typeface="+mn-lt"/>
                                   <a:ea typeface="굴림" panose="020B0600000101010101" pitchFamily="50" charset="-127"/>
                                 </a:rPr>
                               </m:ctrlPr>
@@ -24643,7 +24934,7 @@
                             <m:num>
                               <m:r>
                                 <a:rPr lang="en-US" altLang="ko-KR" b="1" i="1">
-                                  <a:latin typeface="Cambria Math" panose="02040503050406030204" pitchFamily="18" charset="0"/>
+                                  <a:latin typeface="+mn-lt"/>
                                   <a:ea typeface="굴림" panose="020B0600000101010101" pitchFamily="50" charset="-127"/>
                                 </a:rPr>
                                 <m:t>𝟏</m:t>
@@ -24652,14 +24943,14 @@
                             <m:den>
                               <m:r>
                                 <a:rPr lang="en-US" altLang="ko-KR" b="1" i="1">
-                                  <a:latin typeface="Cambria Math" panose="02040503050406030204" pitchFamily="18" charset="0"/>
+                                  <a:latin typeface="+mn-lt"/>
                                   <a:ea typeface="굴림" panose="020B0600000101010101" pitchFamily="50" charset="-127"/>
                                 </a:rPr>
                                 <m:t>𝟐</m:t>
                               </m:r>
                               <m:r>
                                 <a:rPr lang="en-US" altLang="ko-KR" b="1" i="1">
-                                  <a:latin typeface="Cambria Math" panose="02040503050406030204" pitchFamily="18" charset="0"/>
+                                  <a:latin typeface="+mn-lt"/>
                                   <a:ea typeface="굴림" panose="020B0600000101010101" pitchFamily="50" charset="-127"/>
                                 </a:rPr>
                                 <m:t>𝒌</m:t>
@@ -24671,7 +24962,7 @@
                     </m:oMath>
                   </m:oMathPara>
                 </a14:m>
-                <a:endParaRPr lang="en-US" altLang="ko-KR" b="1" dirty="0">
+                <a:endParaRPr lang="en-US" altLang="ko-KR" b="1" dirty="0" smtClean="0">
                   <a:latin typeface="+mn-lt"/>
                   <a:ea typeface="굴림" panose="020B0600000101010101" pitchFamily="50" charset="-127"/>
                 </a:endParaRPr>
@@ -24994,7 +25285,7 @@
                     </m:oMath>
                   </m:oMathPara>
                 </a14:m>
-                <a:endParaRPr lang="en-US" altLang="ko-KR" b="1" dirty="0">
+                <a:endParaRPr lang="en-US" altLang="ko-KR" b="1" dirty="0" smtClean="0">
                   <a:latin typeface="+mn-lt"/>
                   <a:ea typeface="굴림" panose="020B0600000101010101" pitchFamily="50" charset="-127"/>
                 </a:endParaRPr>
@@ -25004,7 +25295,7 @@
                   <a:buNone/>
                   <a:defRPr/>
                 </a:pPr>
-                <a:endParaRPr lang="en-US" altLang="ko-KR" b="1" dirty="0">
+                <a:endParaRPr lang="en-US" altLang="ko-KR" b="1" dirty="0" smtClean="0">
                   <a:latin typeface="+mn-lt"/>
                   <a:ea typeface="굴림" panose="020B0600000101010101" pitchFamily="50" charset="-127"/>
                 </a:endParaRPr>
@@ -25570,13 +25861,20 @@
                     </m:oMath>
                   </m:oMathPara>
                 </a14:m>
+                <a:r>
+                  <a:rPr lang="en-US" altLang="ko-KR" b="1" dirty="0" smtClean="0">
+                    <a:latin typeface="+mn-lt"/>
+                    <a:ea typeface="굴림" panose="020B0600000101010101" pitchFamily="50" charset="-127"/>
+                  </a:rPr>
+                  <a:t/>
+                </a:r>
                 <a:br>
-                  <a:rPr lang="en-US" altLang="ko-KR" b="1" dirty="0">
+                  <a:rPr lang="en-US" altLang="ko-KR" b="1" dirty="0" smtClean="0">
                     <a:latin typeface="+mn-lt"/>
                     <a:ea typeface="굴림" panose="020B0600000101010101" pitchFamily="50" charset="-127"/>
                   </a:rPr>
                 </a:br>
-                <a:endParaRPr lang="en-US" altLang="ko-KR" b="1" dirty="0">
+                <a:endParaRPr lang="en-US" altLang="ko-KR" b="1" dirty="0" smtClean="0">
                   <a:latin typeface="+mn-lt"/>
                   <a:ea typeface="굴림" panose="020B0600000101010101" pitchFamily="50" charset="-127"/>
                 </a:endParaRPr>
@@ -25586,14 +25884,21 @@
                   <a:buNone/>
                   <a:defRPr/>
                 </a:pPr>
+                <a:r>
+                  <a:rPr lang="en-US" altLang="ko-KR" b="1" dirty="0" smtClean="0">
+                    <a:latin typeface="+mn-lt"/>
+                    <a:ea typeface="굴림" panose="020B0600000101010101" pitchFamily="50" charset="-127"/>
+                  </a:rPr>
+                  <a:t/>
+                </a:r>
                 <a:br>
-                  <a:rPr lang="en-US" altLang="ko-KR" b="1" dirty="0">
+                  <a:rPr lang="en-US" altLang="ko-KR" b="1" dirty="0" smtClean="0">
                     <a:latin typeface="+mn-lt"/>
                     <a:ea typeface="굴림" panose="020B0600000101010101" pitchFamily="50" charset="-127"/>
                   </a:rPr>
                 </a:br>
                 <a:r>
-                  <a:rPr lang="en-US" altLang="ko-KR" b="1" dirty="0">
+                  <a:rPr lang="en-US" altLang="ko-KR" b="1" dirty="0" smtClean="0">
                     <a:latin typeface="+mn-lt"/>
                     <a:ea typeface="굴림" panose="020B0600000101010101" pitchFamily="50" charset="-127"/>
                   </a:rPr>
@@ -25624,8 +25929,15 @@
                     </m:r>
                   </m:oMath>
                 </a14:m>
+                <a:r>
+                  <a:rPr lang="en-US" altLang="ko-KR" b="1" dirty="0" smtClean="0">
+                    <a:latin typeface="+mn-lt"/>
+                    <a:ea typeface="굴림" panose="020B0600000101010101" pitchFamily="50" charset="-127"/>
+                  </a:rPr>
+                  <a:t/>
+                </a:r>
                 <a:br>
-                  <a:rPr lang="en-US" altLang="ko-KR" b="1" dirty="0">
+                  <a:rPr lang="en-US" altLang="ko-KR" b="1" dirty="0" smtClean="0">
                     <a:latin typeface="+mn-lt"/>
                     <a:ea typeface="굴림" panose="020B0600000101010101" pitchFamily="50" charset="-127"/>
                   </a:rPr>
@@ -25710,7 +26022,7 @@
             </p:txBody>
           </p:sp>
         </mc:Choice>
-        <mc:Fallback xmlns="">
+        <mc:Fallback>
           <p:sp>
             <p:nvSpPr>
               <p:cNvPr id="28675" name="Rectangle 3"/>
@@ -25758,18 +26070,14 @@
   <p:clrMapOvr>
     <a:masterClrMapping/>
   </p:clrMapOvr>
-  <mc:AlternateContent xmlns:mc="http://schemas.openxmlformats.org/markup-compatibility/2006">
-    <mc:Choice xmlns:p159="http://schemas.microsoft.com/office/powerpoint/2015/09/main" Requires="p159">
-      <p:transition>
-        <p159:morph option="byChar"/>
-      </p:transition>
-    </mc:Choice>
-    <mc:Fallback>
-      <p:transition>
-        <p:fade/>
-      </p:transition>
-    </mc:Fallback>
-  </mc:AlternateContent>
+  <p:transition spd="med"/>
+  <p:timing>
+    <p:tnLst>
+      <p:par>
+        <p:cTn id="1" dur="indefinite" restart="never" nodeType="tmRoot"/>
+      </p:par>
+    </p:tnLst>
+  </p:timing>
 </p:sld>
 </file>
 
@@ -25807,12 +26115,12 @@
           <a:p>
             <a:pPr eaLnBrk="1" hangingPunct="1"/>
             <a:r>
-              <a:rPr lang="en-US" altLang="ko-KR" sz="2400" dirty="0">
+              <a:rPr lang="en-US" altLang="ko-KR" sz="2400" dirty="0" smtClean="0">
                 <a:ea typeface="굴림" panose="020B0600000101010101" pitchFamily="50" charset="-127"/>
               </a:rPr>
               <a:t>Nodal Analysis</a:t>
             </a:r>
-            <a:endParaRPr lang="ko-KR" altLang="en-US" sz="2400" dirty="0"/>
+            <a:endParaRPr lang="ko-KR" altLang="en-US" sz="2400" dirty="0" smtClean="0"/>
           </a:p>
         </p:txBody>
       </p:sp>
@@ -25842,7 +26150,7 @@
               <a:defRPr/>
             </a:pPr>
             <a:r>
-              <a:rPr lang="en-US" altLang="ko-KR" sz="2800" b="1" dirty="0">
+              <a:rPr lang="en-US" altLang="ko-KR" sz="2800" b="1" dirty="0" smtClean="0">
                 <a:solidFill>
                   <a:srgbClr val="0070C0"/>
                 </a:solidFill>
@@ -25850,6 +26158,12 @@
               </a:rPr>
               <a:t>The Nodal Analysis technique</a:t>
             </a:r>
+            <a:endParaRPr lang="en-US" altLang="ko-KR" sz="2800" b="1" dirty="0">
+              <a:solidFill>
+                <a:srgbClr val="0070C0"/>
+              </a:solidFill>
+              <a:ea typeface="굴림" pitchFamily="50" charset="-127"/>
+            </a:endParaRPr>
           </a:p>
           <a:p>
             <a:pPr eaLnBrk="1" hangingPunct="1">
@@ -25934,19 +26248,19 @@
               <a:t>2</a:t>
             </a:r>
             <a:r>
-              <a:rPr lang="en-US" altLang="ko-KR" b="1" i="1" dirty="0">
+              <a:rPr lang="en-US" altLang="ko-KR" b="1" i="1" dirty="0" smtClean="0">
                 <a:ea typeface="굴림" panose="020B0600000101010101" pitchFamily="50" charset="-127"/>
               </a:rPr>
               <a:t>,…v</a:t>
             </a:r>
             <a:r>
-              <a:rPr lang="en-US" altLang="ko-KR" b="1" i="1" baseline="-25000" dirty="0">
+              <a:rPr lang="en-US" altLang="ko-KR" b="1" i="1" baseline="-25000" dirty="0" smtClean="0">
                 <a:ea typeface="굴림" panose="020B0600000101010101" pitchFamily="50" charset="-127"/>
               </a:rPr>
               <a:t>n-1</a:t>
             </a:r>
             <a:r>
-              <a:rPr lang="en-US" altLang="ko-KR" b="1" i="1" dirty="0">
+              <a:rPr lang="en-US" altLang="ko-KR" b="1" i="1" dirty="0" smtClean="0">
                 <a:ea typeface="굴림" panose="020B0600000101010101" pitchFamily="50" charset="-127"/>
               </a:rPr>
               <a:t> </a:t>
@@ -26078,6 +26392,9 @@
               </a:rPr>
               <a:t>.</a:t>
             </a:r>
+            <a:endParaRPr lang="en-US" altLang="ko-KR" b="1" dirty="0">
+              <a:ea typeface="굴림" panose="020B0600000101010101" pitchFamily="50" charset="-127"/>
+            </a:endParaRPr>
           </a:p>
         </p:txBody>
       </p:sp>
@@ -26086,18 +26403,14 @@
   <p:clrMapOvr>
     <a:masterClrMapping/>
   </p:clrMapOvr>
-  <mc:AlternateContent xmlns:mc="http://schemas.openxmlformats.org/markup-compatibility/2006">
-    <mc:Choice xmlns:p159="http://schemas.microsoft.com/office/powerpoint/2015/09/main" Requires="p159">
-      <p:transition>
-        <p159:morph option="byChar"/>
-      </p:transition>
-    </mc:Choice>
-    <mc:Fallback>
-      <p:transition>
-        <p:fade/>
-      </p:transition>
-    </mc:Fallback>
-  </mc:AlternateContent>
+  <p:transition spd="med"/>
+  <p:timing>
+    <p:tnLst>
+      <p:par>
+        <p:cTn id="1" dur="indefinite" restart="never" nodeType="tmRoot"/>
+      </p:par>
+    </p:tnLst>
+  </p:timing>
 </p:sld>
 </file>
 
@@ -26134,17 +26447,17 @@
           <a:lstStyle/>
           <a:p>
             <a:r>
-              <a:rPr lang="en-US" altLang="ko-KR" dirty="0">
+              <a:rPr lang="en-US" altLang="ko-KR" dirty="0" smtClean="0">
                 <a:ea typeface="굴림" panose="020B0600000101010101" pitchFamily="50" charset="-127"/>
               </a:rPr>
               <a:t>Example 3.1</a:t>
             </a:r>
-            <a:endParaRPr lang="ko-KR" altLang="en-US" dirty="0"/>
+            <a:endParaRPr lang="ko-KR" altLang="en-US" dirty="0" smtClean="0"/>
           </a:p>
         </p:txBody>
       </p:sp>
-      <mc:AlternateContent xmlns:mc="http://schemas.openxmlformats.org/markup-compatibility/2006" xmlns:a14="http://schemas.microsoft.com/office/drawing/2010/main">
-        <mc:Choice Requires="a14">
+      <mc:AlternateContent xmlns:mc="http://schemas.openxmlformats.org/markup-compatibility/2006">
+        <mc:Choice xmlns:a14="http://schemas.microsoft.com/office/drawing/2010/main" Requires="a14">
           <p:sp>
             <p:nvSpPr>
               <p:cNvPr id="28675" name="Rectangle 3"/>
@@ -26170,7 +26483,7 @@
                   <a:defRPr/>
                 </a:pPr>
                 <a:r>
-                  <a:rPr lang="en-US" altLang="ko-KR" sz="2800" b="1" dirty="0">
+                  <a:rPr lang="en-US" altLang="ko-KR" sz="2800" b="1" dirty="0" smtClean="0">
                     <a:solidFill>
                       <a:srgbClr val="0070C0"/>
                     </a:solidFill>
@@ -26178,13 +26491,19 @@
                   </a:rPr>
                   <a:t>Example 3.1</a:t>
                 </a:r>
+                <a:endParaRPr lang="en-US" altLang="ko-KR" sz="2800" b="1" dirty="0" smtClean="0">
+                  <a:solidFill>
+                    <a:srgbClr val="0070C0"/>
+                  </a:solidFill>
+                  <a:ea typeface="굴림" pitchFamily="50" charset="-127"/>
+                </a:endParaRPr>
               </a:p>
               <a:p>
                 <a:pPr>
                   <a:defRPr/>
                 </a:pPr>
                 <a:r>
-                  <a:rPr lang="en-US" altLang="ko-KR" sz="2000" b="1" dirty="0">
+                  <a:rPr lang="en-US" altLang="ko-KR" sz="2000" b="1" dirty="0" smtClean="0">
                     <a:ea typeface="굴림" pitchFamily="50" charset="-127"/>
                   </a:rPr>
                   <a:t>We wish to find all unknown node voltage and branch currents </a:t>
@@ -26195,7 +26514,7 @@
                   <a:defRPr/>
                 </a:pPr>
                 <a:r>
-                  <a:rPr lang="en-US" altLang="ko-KR" sz="2000" b="1" dirty="0">
+                  <a:rPr lang="en-US" altLang="ko-KR" sz="2000" b="1" dirty="0" smtClean="0">
                     <a:ea typeface="굴림" pitchFamily="50" charset="-127"/>
                   </a:rPr>
                   <a:t>The following convention will be consistently employed:</a:t>
@@ -26206,13 +26525,13 @@
                   <a:defRPr/>
                 </a:pPr>
                 <a:r>
-                  <a:rPr lang="en-US" altLang="ko-KR" sz="1600" b="1" dirty="0">
+                  <a:rPr lang="en-US" altLang="ko-KR" sz="1600" b="1" dirty="0" smtClean="0">
                     <a:ea typeface="굴림" pitchFamily="50" charset="-127"/>
                   </a:rPr>
                   <a:t>Current </a:t>
                 </a:r>
                 <a:r>
-                  <a:rPr lang="en-US" altLang="ko-KR" sz="1600" b="1" i="1" dirty="0">
+                  <a:rPr lang="en-US" altLang="ko-KR" sz="1600" b="1" i="1" dirty="0" smtClean="0">
                     <a:solidFill>
                       <a:srgbClr val="A50021"/>
                     </a:solidFill>
@@ -26221,13 +26540,13 @@
                   <a:t>entering</a:t>
                 </a:r>
                 <a:r>
-                  <a:rPr lang="en-US" altLang="ko-KR" sz="1600" b="1" dirty="0">
+                  <a:rPr lang="en-US" altLang="ko-KR" sz="1600" b="1" dirty="0" smtClean="0">
                     <a:ea typeface="굴림" pitchFamily="50" charset="-127"/>
                   </a:rPr>
                   <a:t> the node will be labeled with a </a:t>
                 </a:r>
                 <a:r>
-                  <a:rPr lang="en-US" altLang="ko-KR" sz="1600" b="1" i="1" dirty="0">
+                  <a:rPr lang="en-US" altLang="ko-KR" sz="1600" b="1" i="1" dirty="0" smtClean="0">
                     <a:solidFill>
                       <a:srgbClr val="A50021"/>
                     </a:solidFill>
@@ -26236,13 +26555,13 @@
                   <a:t>negative</a:t>
                 </a:r>
                 <a:r>
-                  <a:rPr lang="en-US" altLang="ko-KR" sz="1600" b="1" dirty="0">
+                  <a:rPr lang="en-US" altLang="ko-KR" sz="1600" b="1" dirty="0" smtClean="0">
                     <a:ea typeface="굴림" pitchFamily="50" charset="-127"/>
                   </a:rPr>
                   <a:t> </a:t>
                 </a:r>
                 <a:r>
-                  <a:rPr lang="en-US" altLang="ko-KR" sz="1600" b="1" i="1" dirty="0">
+                  <a:rPr lang="en-US" altLang="ko-KR" sz="1600" b="1" i="1" dirty="0" smtClean="0">
                     <a:solidFill>
                       <a:srgbClr val="A50021"/>
                     </a:solidFill>
@@ -26256,13 +26575,13 @@
                   <a:defRPr/>
                 </a:pPr>
                 <a:r>
-                  <a:rPr lang="en-US" altLang="ko-KR" sz="1600" b="1" dirty="0">
+                  <a:rPr lang="en-US" altLang="ko-KR" sz="1600" b="1" dirty="0" smtClean="0">
                     <a:ea typeface="굴림" pitchFamily="50" charset="-127"/>
                   </a:rPr>
                   <a:t>Current </a:t>
                 </a:r>
                 <a:r>
-                  <a:rPr lang="en-US" altLang="ko-KR" sz="1600" b="1" i="1" dirty="0">
+                  <a:rPr lang="en-US" altLang="ko-KR" sz="1600" b="1" i="1" dirty="0" smtClean="0">
                     <a:solidFill>
                       <a:srgbClr val="A50021"/>
                     </a:solidFill>
@@ -26271,13 +26590,19 @@
                   <a:t>leaving</a:t>
                 </a:r>
                 <a:r>
-                  <a:rPr lang="en-US" altLang="ko-KR" sz="1600" b="1" dirty="0">
+                  <a:rPr lang="en-US" altLang="ko-KR" sz="1600" b="1" dirty="0" smtClean="0">
                     <a:ea typeface="굴림" pitchFamily="50" charset="-127"/>
                   </a:rPr>
-                  <a:t> the node will be labeled with a </a:t>
+                  <a:t> </a:t>
                 </a:r>
                 <a:r>
-                  <a:rPr lang="en-US" altLang="ko-KR" sz="1600" b="1" i="1" dirty="0">
+                  <a:rPr lang="en-US" altLang="ko-KR" sz="1600" b="1" dirty="0" smtClean="0">
+                    <a:ea typeface="굴림" pitchFamily="50" charset="-127"/>
+                  </a:rPr>
+                  <a:t>the node will be labeled with a </a:t>
+                </a:r>
+                <a:r>
+                  <a:rPr lang="en-US" altLang="ko-KR" sz="1600" b="1" i="1" dirty="0" smtClean="0">
                     <a:solidFill>
                       <a:srgbClr val="A50021"/>
                     </a:solidFill>
@@ -26285,6 +26610,12 @@
                   </a:rPr>
                   <a:t>positive sign</a:t>
                 </a:r>
+                <a:endParaRPr lang="en-US" altLang="ko-KR" sz="1600" b="1" i="1" dirty="0" smtClean="0">
+                  <a:solidFill>
+                    <a:srgbClr val="A50021"/>
+                  </a:solidFill>
+                  <a:ea typeface="굴림" pitchFamily="50" charset="-127"/>
+                </a:endParaRPr>
               </a:p>
               <a:p>
                 <a:pPr>
@@ -26294,7 +26625,7 @@
                   <a:defRPr/>
                 </a:pPr>
                 <a:r>
-                  <a:rPr lang="en-US" altLang="ko-KR" sz="2000" b="1" i="1" dirty="0">
+                  <a:rPr lang="en-US" altLang="ko-KR" sz="2000" b="1" i="1" dirty="0" smtClean="0">
                     <a:solidFill>
                       <a:srgbClr val="A50021"/>
                     </a:solidFill>
@@ -26303,7 +26634,7 @@
                   <a:t>Applying KCL</a:t>
                 </a:r>
                 <a:br>
-                  <a:rPr lang="en-US" altLang="ko-KR" sz="2000" b="1" i="1" dirty="0">
+                  <a:rPr lang="en-US" altLang="ko-KR" sz="2000" b="1" i="1" dirty="0" smtClean="0">
                     <a:solidFill>
                       <a:srgbClr val="A50021"/>
                     </a:solidFill>
@@ -26503,8 +26834,14 @@
                     </m:r>
                   </m:oMath>
                 </a14:m>
+                <a:r>
+                  <a:rPr lang="en-US" altLang="ko-KR" sz="2000" b="1" dirty="0" smtClean="0">
+                    <a:ea typeface="굴림" pitchFamily="50" charset="-127"/>
+                  </a:rPr>
+                  <a:t/>
+                </a:r>
                 <a:br>
-                  <a:rPr lang="en-US" altLang="ko-KR" sz="2000" b="1" dirty="0">
+                  <a:rPr lang="en-US" altLang="ko-KR" sz="2000" b="1" dirty="0" smtClean="0">
                     <a:ea typeface="굴림" pitchFamily="50" charset="-127"/>
                   </a:rPr>
                 </a:br>
@@ -26690,7 +27027,14 @@
                         <a:latin typeface="Cambria Math" panose="02040503050406030204" pitchFamily="18" charset="0"/>
                         <a:ea typeface="굴림" pitchFamily="50" charset="-127"/>
                       </a:rPr>
-                      <m:t>+=</m:t>
+                      <m:t>+</m:t>
+                    </m:r>
+                    <m:r>
+                      <a:rPr lang="en-US" altLang="ko-KR" sz="2000" b="1" i="1">
+                        <a:latin typeface="Cambria Math" panose="02040503050406030204" pitchFamily="18" charset="0"/>
+                        <a:ea typeface="굴림" pitchFamily="50" charset="-127"/>
+                      </a:rPr>
+                      <m:t>=</m:t>
                     </m:r>
                     <m:r>
                       <a:rPr lang="en-US" altLang="ko-KR" sz="2000" b="1" i="1">
@@ -26709,14 +27053,14 @@
                 <a:pPr>
                   <a:defRPr/>
                 </a:pPr>
-                <a:endParaRPr lang="en-US" altLang="ko-KR" sz="2000" b="1" dirty="0">
+                <a:endParaRPr lang="en-US" altLang="ko-KR" sz="2000" b="1" dirty="0" smtClean="0">
                   <a:ea typeface="굴림" pitchFamily="50" charset="-127"/>
                 </a:endParaRPr>
               </a:p>
             </p:txBody>
           </p:sp>
         </mc:Choice>
-        <mc:Fallback xmlns="">
+        <mc:Fallback>
           <p:sp>
             <p:nvSpPr>
               <p:cNvPr id="28675" name="Rectangle 3"/>
@@ -26794,18 +27138,14 @@
   <p:clrMapOvr>
     <a:masterClrMapping/>
   </p:clrMapOvr>
-  <mc:AlternateContent xmlns:mc="http://schemas.openxmlformats.org/markup-compatibility/2006">
-    <mc:Choice xmlns:p159="http://schemas.microsoft.com/office/powerpoint/2015/09/main" Requires="p159">
-      <p:transition>
-        <p159:morph option="byChar"/>
-      </p:transition>
-    </mc:Choice>
-    <mc:Fallback>
-      <p:transition>
-        <p:fade/>
-      </p:transition>
-    </mc:Fallback>
-  </mc:AlternateContent>
+  <p:transition spd="med"/>
+  <p:timing>
+    <p:tnLst>
+      <p:par>
+        <p:cTn id="1" dur="indefinite" restart="never" nodeType="tmRoot"/>
+      </p:par>
+    </p:tnLst>
+  </p:timing>
 </p:sld>
 </file>
 
@@ -26842,12 +27182,12 @@
           <a:lstStyle/>
           <a:p>
             <a:r>
-              <a:rPr lang="en-US" altLang="ko-KR" dirty="0">
+              <a:rPr lang="en-US" altLang="ko-KR" dirty="0" smtClean="0">
                 <a:ea typeface="굴림" panose="020B0600000101010101" pitchFamily="50" charset="-127"/>
               </a:rPr>
               <a:t>Example 3.2</a:t>
             </a:r>
-            <a:endParaRPr lang="ko-KR" altLang="en-US" dirty="0"/>
+            <a:endParaRPr lang="ko-KR" altLang="en-US" dirty="0" smtClean="0"/>
           </a:p>
         </p:txBody>
       </p:sp>
@@ -26876,7 +27216,7 @@
               <a:defRPr/>
             </a:pPr>
             <a:r>
-              <a:rPr lang="en-US" altLang="ko-KR" sz="2800" b="1" dirty="0">
+              <a:rPr lang="en-US" altLang="ko-KR" sz="2800" b="1" dirty="0" smtClean="0">
                 <a:solidFill>
                   <a:srgbClr val="0070C0"/>
                 </a:solidFill>
@@ -26884,13 +27224,19 @@
               </a:rPr>
               <a:t>Example 3.2</a:t>
             </a:r>
+            <a:endParaRPr lang="en-US" altLang="ko-KR" sz="2800" b="1" dirty="0" smtClean="0">
+              <a:solidFill>
+                <a:srgbClr val="0070C0"/>
+              </a:solidFill>
+              <a:ea typeface="굴림" pitchFamily="50" charset="-127"/>
+            </a:endParaRPr>
           </a:p>
           <a:p>
             <a:pPr>
               <a:defRPr/>
             </a:pPr>
             <a:r>
-              <a:rPr lang="en-US" altLang="ko-KR" sz="2000" b="1" dirty="0">
+              <a:rPr lang="en-US" altLang="ko-KR" sz="2000" b="1" dirty="0" smtClean="0">
                 <a:ea typeface="굴림" pitchFamily="50" charset="-127"/>
               </a:rPr>
               <a:t>Find all unknown node voltage and branch currents </a:t>
@@ -26904,81 +27250,81 @@
               <a:defRPr/>
             </a:pPr>
             <a:r>
-              <a:rPr lang="en-US" altLang="ko-KR" sz="1600" b="1" dirty="0">
+              <a:rPr lang="en-US" altLang="ko-KR" sz="1600" b="1" dirty="0" smtClean="0">
                 <a:ea typeface="굴림" pitchFamily="50" charset="-127"/>
               </a:rPr>
               <a:t>V</a:t>
             </a:r>
             <a:r>
-              <a:rPr lang="en-US" altLang="ko-KR" sz="1600" b="1" baseline="-25000" dirty="0">
+              <a:rPr lang="en-US" altLang="ko-KR" sz="1600" b="1" baseline="-25000" dirty="0" smtClean="0">
                 <a:ea typeface="굴림" pitchFamily="50" charset="-127"/>
               </a:rPr>
               <a:t>1</a:t>
             </a:r>
             <a:r>
-              <a:rPr lang="en-US" altLang="ko-KR" sz="1600" b="1" dirty="0">
+              <a:rPr lang="en-US" altLang="ko-KR" sz="1600" b="1" dirty="0" smtClean="0">
                 <a:ea typeface="굴림" pitchFamily="50" charset="-127"/>
               </a:rPr>
               <a:t>: </a:t>
             </a:r>
             <a:r>
-              <a:rPr lang="en-US" altLang="ko-KR" sz="1600" b="1" dirty="0">
+              <a:rPr lang="en-US" altLang="ko-KR" sz="1600" b="1" dirty="0" smtClean="0">
                 <a:latin typeface="+mn-lt"/>
                 <a:ea typeface="굴림" pitchFamily="50" charset="-127"/>
               </a:rPr>
               <a:t>-6m  + (V</a:t>
             </a:r>
             <a:r>
-              <a:rPr lang="en-US" altLang="ko-KR" sz="1600" b="1" baseline="-25000" dirty="0">
+              <a:rPr lang="en-US" altLang="ko-KR" sz="1600" b="1" baseline="-25000" dirty="0" smtClean="0">
                 <a:latin typeface="+mn-lt"/>
                 <a:ea typeface="굴림" pitchFamily="50" charset="-127"/>
               </a:rPr>
               <a:t>1</a:t>
             </a:r>
             <a:r>
-              <a:rPr lang="en-US" altLang="ko-KR" sz="1600" b="1" dirty="0">
+              <a:rPr lang="en-US" altLang="ko-KR" sz="1600" b="1" dirty="0" smtClean="0">
                 <a:latin typeface="+mn-lt"/>
                 <a:ea typeface="굴림" pitchFamily="50" charset="-127"/>
               </a:rPr>
               <a:t>-V</a:t>
             </a:r>
             <a:r>
-              <a:rPr lang="en-US" altLang="ko-KR" sz="1600" b="1" baseline="-25000" dirty="0">
+              <a:rPr lang="en-US" altLang="ko-KR" sz="1600" b="1" baseline="-25000" dirty="0" smtClean="0">
                 <a:latin typeface="+mn-lt"/>
                 <a:ea typeface="굴림" pitchFamily="50" charset="-127"/>
               </a:rPr>
               <a:t>2</a:t>
             </a:r>
             <a:r>
-              <a:rPr lang="en-US" altLang="ko-KR" sz="1600" b="1" dirty="0">
+              <a:rPr lang="en-US" altLang="ko-KR" sz="1600" b="1" dirty="0" smtClean="0">
                 <a:latin typeface="+mn-lt"/>
                 <a:ea typeface="굴림" pitchFamily="50" charset="-127"/>
               </a:rPr>
               <a:t>)/2k + (V</a:t>
             </a:r>
             <a:r>
-              <a:rPr lang="en-US" altLang="ko-KR" sz="1600" b="1" baseline="-25000" dirty="0">
+              <a:rPr lang="en-US" altLang="ko-KR" sz="1600" b="1" baseline="-25000" dirty="0" smtClean="0">
                 <a:latin typeface="+mn-lt"/>
                 <a:ea typeface="굴림" pitchFamily="50" charset="-127"/>
               </a:rPr>
               <a:t>1</a:t>
             </a:r>
             <a:r>
-              <a:rPr lang="en-US" altLang="ko-KR" sz="1600" b="1" dirty="0">
+              <a:rPr lang="en-US" altLang="ko-KR" sz="1600" b="1" dirty="0" smtClean="0">
                 <a:latin typeface="+mn-lt"/>
                 <a:ea typeface="굴림" pitchFamily="50" charset="-127"/>
               </a:rPr>
               <a:t>-V</a:t>
             </a:r>
             <a:r>
-              <a:rPr lang="en-US" altLang="ko-KR" sz="1600" b="1" baseline="-25000" dirty="0">
+              <a:rPr lang="en-US" altLang="ko-KR" sz="1600" b="1" baseline="-25000" dirty="0" smtClean="0">
                 <a:latin typeface="+mn-lt"/>
                 <a:ea typeface="굴림" pitchFamily="50" charset="-127"/>
               </a:rPr>
               <a:t>3</a:t>
             </a:r>
             <a:r>
-              <a:rPr lang="en-US" altLang="ko-KR" sz="1600" b="1" dirty="0">
+              <a:rPr lang="en-US" altLang="ko-KR" sz="1600" b="1" dirty="0" smtClean="0">
                 <a:latin typeface="+mn-lt"/>
                 <a:ea typeface="굴림" pitchFamily="50" charset="-127"/>
               </a:rPr>
@@ -26993,86 +27339,90 @@
               <a:defRPr/>
             </a:pPr>
             <a:r>
-              <a:rPr lang="en-US" altLang="ko-KR" sz="1600" b="1" dirty="0">
+              <a:rPr lang="en-US" altLang="ko-KR" sz="1600" b="1" dirty="0" smtClean="0">
                 <a:ea typeface="굴림" pitchFamily="50" charset="-127"/>
               </a:rPr>
               <a:t>V</a:t>
             </a:r>
             <a:r>
-              <a:rPr lang="en-US" altLang="ko-KR" sz="1600" b="1" baseline="-25000" dirty="0">
+              <a:rPr lang="en-US" altLang="ko-KR" sz="1600" b="1" baseline="-25000" dirty="0" smtClean="0">
                 <a:ea typeface="굴림" pitchFamily="50" charset="-127"/>
               </a:rPr>
               <a:t>2</a:t>
             </a:r>
             <a:r>
-              <a:rPr lang="en-US" altLang="ko-KR" sz="1600" b="1" dirty="0">
+              <a:rPr lang="en-US" altLang="ko-KR" sz="1600" b="1" dirty="0" smtClean="0">
                 <a:ea typeface="굴림" pitchFamily="50" charset="-127"/>
               </a:rPr>
               <a:t>: </a:t>
             </a:r>
             <a:r>
-              <a:rPr lang="en-US" altLang="ko-KR" sz="1600" b="1" dirty="0">
+              <a:rPr lang="en-US" altLang="ko-KR" sz="1600" b="1" dirty="0" smtClean="0">
                 <a:latin typeface="+mn-lt"/>
                 <a:ea typeface="굴림" pitchFamily="50" charset="-127"/>
               </a:rPr>
               <a:t>(V</a:t>
             </a:r>
             <a:r>
-              <a:rPr lang="en-US" altLang="ko-KR" sz="1600" b="1" baseline="-25000" dirty="0">
+              <a:rPr lang="en-US" altLang="ko-KR" sz="1600" b="1" baseline="-25000" dirty="0" smtClean="0">
                 <a:latin typeface="+mn-lt"/>
                 <a:ea typeface="굴림" pitchFamily="50" charset="-127"/>
               </a:rPr>
               <a:t>2</a:t>
             </a:r>
             <a:r>
-              <a:rPr lang="en-US" altLang="ko-KR" sz="1600" b="1" dirty="0">
+              <a:rPr lang="en-US" altLang="ko-KR" sz="1600" b="1" dirty="0" smtClean="0">
                 <a:latin typeface="+mn-lt"/>
                 <a:ea typeface="굴림" pitchFamily="50" charset="-127"/>
               </a:rPr>
               <a:t>-V</a:t>
             </a:r>
             <a:r>
-              <a:rPr lang="en-US" altLang="ko-KR" sz="1600" b="1" baseline="-25000" dirty="0">
+              <a:rPr lang="en-US" altLang="ko-KR" sz="1600" b="1" baseline="-25000" dirty="0" smtClean="0">
                 <a:latin typeface="+mn-lt"/>
                 <a:ea typeface="굴림" pitchFamily="50" charset="-127"/>
               </a:rPr>
               <a:t>1</a:t>
             </a:r>
             <a:r>
-              <a:rPr lang="en-US" altLang="ko-KR" sz="1600" b="1" dirty="0">
+              <a:rPr lang="en-US" altLang="ko-KR" sz="1600" b="1" dirty="0" smtClean="0">
                 <a:latin typeface="+mn-lt"/>
                 <a:ea typeface="굴림" pitchFamily="50" charset="-127"/>
               </a:rPr>
               <a:t>)/2k + V2/4k + (V</a:t>
             </a:r>
             <a:r>
-              <a:rPr lang="en-US" altLang="ko-KR" sz="1600" b="1" baseline="-25000" dirty="0">
+              <a:rPr lang="en-US" altLang="ko-KR" sz="1600" b="1" baseline="-25000" dirty="0" smtClean="0">
                 <a:latin typeface="+mn-lt"/>
                 <a:ea typeface="굴림" pitchFamily="50" charset="-127"/>
               </a:rPr>
               <a:t>2</a:t>
             </a:r>
             <a:r>
-              <a:rPr lang="en-US" altLang="ko-KR" sz="1600" b="1" dirty="0">
+              <a:rPr lang="en-US" altLang="ko-KR" sz="1600" b="1" dirty="0" smtClean="0">
                 <a:latin typeface="+mn-lt"/>
                 <a:ea typeface="굴림" pitchFamily="50" charset="-127"/>
               </a:rPr>
               <a:t>-V</a:t>
             </a:r>
             <a:r>
-              <a:rPr lang="en-US" altLang="ko-KR" sz="1600" b="1" baseline="-25000" dirty="0">
+              <a:rPr lang="en-US" altLang="ko-KR" sz="1600" b="1" baseline="-25000" dirty="0" smtClean="0">
                 <a:latin typeface="+mn-lt"/>
                 <a:ea typeface="굴림" pitchFamily="50" charset="-127"/>
               </a:rPr>
               <a:t>3</a:t>
             </a:r>
             <a:r>
-              <a:rPr lang="en-US" altLang="ko-KR" sz="1600" b="1" dirty="0">
+              <a:rPr lang="en-US" altLang="ko-KR" sz="1600" b="1" dirty="0" smtClean="0">
                 <a:latin typeface="+mn-lt"/>
                 <a:ea typeface="굴림" pitchFamily="50" charset="-127"/>
               </a:rPr>
               <a:t>)/3k = 0</a:t>
             </a:r>
+            <a:endParaRPr lang="en-US" altLang="ko-KR" sz="1600" b="1" dirty="0">
+              <a:latin typeface="+mn-lt"/>
+              <a:ea typeface="굴림" pitchFamily="50" charset="-127"/>
+            </a:endParaRPr>
           </a:p>
           <a:p>
             <a:pPr lvl="1">
@@ -27082,92 +27432,141 @@
               <a:defRPr/>
             </a:pPr>
             <a:r>
-              <a:rPr lang="en-US" altLang="ko-KR" sz="1600" b="1" dirty="0">
+              <a:rPr lang="en-US" altLang="ko-KR" sz="1600" b="1" dirty="0" smtClean="0">
                 <a:ea typeface="굴림" pitchFamily="50" charset="-127"/>
               </a:rPr>
               <a:t>V</a:t>
             </a:r>
             <a:r>
-              <a:rPr lang="en-US" altLang="ko-KR" sz="1600" b="1" baseline="-25000" dirty="0">
+              <a:rPr lang="en-US" altLang="ko-KR" sz="1600" b="1" baseline="-25000" dirty="0" smtClean="0">
                 <a:ea typeface="굴림" pitchFamily="50" charset="-127"/>
               </a:rPr>
               <a:t>3</a:t>
             </a:r>
             <a:r>
-              <a:rPr lang="en-US" altLang="ko-KR" sz="1600" b="1" dirty="0">
+              <a:rPr lang="en-US" altLang="ko-KR" sz="1600" b="1" dirty="0" smtClean="0">
                 <a:ea typeface="굴림" pitchFamily="50" charset="-127"/>
               </a:rPr>
               <a:t>: </a:t>
+            </a:r>
+            <a:r>
+              <a:rPr lang="en-US" altLang="ko-KR" sz="1600" b="1" dirty="0" smtClean="0">
+                <a:latin typeface="+mn-lt"/>
+                <a:ea typeface="굴림" pitchFamily="50" charset="-127"/>
+              </a:rPr>
+              <a:t>(V</a:t>
+            </a:r>
+            <a:r>
+              <a:rPr lang="en-US" altLang="ko-KR" sz="1600" b="1" baseline="-25000" dirty="0" smtClean="0">
+                <a:latin typeface="+mn-lt"/>
+                <a:ea typeface="굴림" pitchFamily="50" charset="-127"/>
+              </a:rPr>
+              <a:t>3</a:t>
+            </a:r>
+            <a:r>
+              <a:rPr lang="en-US" altLang="ko-KR" sz="1600" b="1" dirty="0" smtClean="0">
+                <a:latin typeface="+mn-lt"/>
+                <a:ea typeface="굴림" pitchFamily="50" charset="-127"/>
+              </a:rPr>
+              <a:t>-V</a:t>
+            </a:r>
+            <a:r>
+              <a:rPr lang="en-US" altLang="ko-KR" sz="1600" b="1" baseline="-25000" dirty="0" smtClean="0">
+                <a:latin typeface="+mn-lt"/>
+                <a:ea typeface="굴림" pitchFamily="50" charset="-127"/>
+              </a:rPr>
+              <a:t>1</a:t>
+            </a:r>
+            <a:r>
+              <a:rPr lang="en-US" altLang="ko-KR" sz="1600" b="1" dirty="0" smtClean="0">
+                <a:latin typeface="+mn-lt"/>
+                <a:ea typeface="굴림" pitchFamily="50" charset="-127"/>
+              </a:rPr>
+              <a:t>)/1k </a:t>
             </a:r>
             <a:r>
               <a:rPr lang="en-US" altLang="ko-KR" sz="1600" b="1" dirty="0">
                 <a:latin typeface="+mn-lt"/>
                 <a:ea typeface="굴림" pitchFamily="50" charset="-127"/>
               </a:rPr>
-              <a:t>(V</a:t>
-            </a:r>
-            <a:r>
-              <a:rPr lang="en-US" altLang="ko-KR" sz="1600" b="1" baseline="-25000" dirty="0">
+              <a:t>+ </a:t>
+            </a:r>
+            <a:r>
+              <a:rPr lang="en-US" altLang="ko-KR" sz="1600" b="1" dirty="0" smtClean="0">
                 <a:latin typeface="+mn-lt"/>
                 <a:ea typeface="굴림" pitchFamily="50" charset="-127"/>
               </a:rPr>
-              <a:t>3</a:t>
+              <a:t> </a:t>
             </a:r>
             <a:r>
               <a:rPr lang="en-US" altLang="ko-KR" sz="1600" b="1" dirty="0">
                 <a:latin typeface="+mn-lt"/>
                 <a:ea typeface="굴림" pitchFamily="50" charset="-127"/>
               </a:rPr>
-              <a:t>-V</a:t>
-            </a:r>
-            <a:r>
-              <a:rPr lang="en-US" altLang="ko-KR" sz="1600" b="1" baseline="-25000" dirty="0">
+              <a:t>(</a:t>
+            </a:r>
+            <a:r>
+              <a:rPr lang="en-US" altLang="ko-KR" sz="1600" b="1" dirty="0" smtClean="0">
                 <a:latin typeface="+mn-lt"/>
                 <a:ea typeface="굴림" pitchFamily="50" charset="-127"/>
               </a:rPr>
-              <a:t>1</a:t>
+              <a:t>V</a:t>
+            </a:r>
+            <a:r>
+              <a:rPr lang="en-US" altLang="ko-KR" sz="1600" b="1" baseline="-25000" dirty="0" smtClean="0">
+                <a:latin typeface="+mn-lt"/>
+                <a:ea typeface="굴림" pitchFamily="50" charset="-127"/>
+              </a:rPr>
+              <a:t>3</a:t>
+            </a:r>
+            <a:r>
+              <a:rPr lang="en-US" altLang="ko-KR" sz="1600" b="1" dirty="0" smtClean="0">
+                <a:latin typeface="+mn-lt"/>
+                <a:ea typeface="굴림" pitchFamily="50" charset="-127"/>
+              </a:rPr>
+              <a:t>-V</a:t>
+            </a:r>
+            <a:r>
+              <a:rPr lang="en-US" altLang="ko-KR" sz="1600" b="1" baseline="-25000" dirty="0" smtClean="0">
+                <a:latin typeface="+mn-lt"/>
+                <a:ea typeface="굴림" pitchFamily="50" charset="-127"/>
+              </a:rPr>
+              <a:t>2</a:t>
+            </a:r>
+            <a:r>
+              <a:rPr lang="en-US" altLang="ko-KR" sz="1600" b="1" dirty="0" smtClean="0">
+                <a:latin typeface="+mn-lt"/>
+                <a:ea typeface="굴림" pitchFamily="50" charset="-127"/>
+              </a:rPr>
+              <a:t>)/</a:t>
             </a:r>
             <a:r>
               <a:rPr lang="en-US" altLang="ko-KR" sz="1600" b="1" dirty="0">
                 <a:latin typeface="+mn-lt"/>
                 <a:ea typeface="굴림" pitchFamily="50" charset="-127"/>
               </a:rPr>
-              <a:t>)/1k +  (V</a:t>
-            </a:r>
-            <a:r>
-              <a:rPr lang="en-US" altLang="ko-KR" sz="1600" b="1" baseline="-25000" dirty="0">
+              <a:t>3k </a:t>
+            </a:r>
+            <a:r>
+              <a:rPr lang="en-US" altLang="ko-KR" sz="1600" b="1" dirty="0" smtClean="0">
                 <a:latin typeface="+mn-lt"/>
                 <a:ea typeface="굴림" pitchFamily="50" charset="-127"/>
               </a:rPr>
-              <a:t>3</a:t>
+              <a:t>+2m = </a:t>
             </a:r>
             <a:r>
               <a:rPr lang="en-US" altLang="ko-KR" sz="1600" b="1" dirty="0">
                 <a:latin typeface="+mn-lt"/>
                 <a:ea typeface="굴림" pitchFamily="50" charset="-127"/>
               </a:rPr>
-              <a:t>-V</a:t>
-            </a:r>
-            <a:r>
-              <a:rPr lang="en-US" altLang="ko-KR" sz="1600" b="1" baseline="-25000" dirty="0">
-                <a:latin typeface="+mn-lt"/>
-                <a:ea typeface="굴림" pitchFamily="50" charset="-127"/>
-              </a:rPr>
-              <a:t>2</a:t>
-            </a:r>
-            <a:r>
-              <a:rPr lang="en-US" altLang="ko-KR" sz="1600" b="1" dirty="0">
-                <a:latin typeface="+mn-lt"/>
-                <a:ea typeface="굴림" pitchFamily="50" charset="-127"/>
-              </a:rPr>
-              <a:t>)/3k +2m = 0</a:t>
+              <a:t>0</a:t>
             </a:r>
           </a:p>
           <a:p>
             <a:pPr>
               <a:defRPr/>
             </a:pPr>
-            <a:endParaRPr lang="en-US" altLang="ko-KR" sz="2000" b="1" dirty="0">
+            <a:endParaRPr lang="en-US" altLang="ko-KR" sz="2000" b="1" dirty="0" smtClean="0">
               <a:ea typeface="굴림" pitchFamily="50" charset="-127"/>
             </a:endParaRPr>
           </a:p>
@@ -27213,18 +27612,14 @@
   <p:clrMapOvr>
     <a:masterClrMapping/>
   </p:clrMapOvr>
-  <mc:AlternateContent xmlns:mc="http://schemas.openxmlformats.org/markup-compatibility/2006">
-    <mc:Choice xmlns:p159="http://schemas.microsoft.com/office/powerpoint/2015/09/main" Requires="p159">
-      <p:transition>
-        <p159:morph option="byChar"/>
-      </p:transition>
-    </mc:Choice>
-    <mc:Fallback>
-      <p:transition>
-        <p:fade/>
-      </p:transition>
-    </mc:Fallback>
-  </mc:AlternateContent>
+  <p:transition spd="med"/>
+  <p:timing>
+    <p:tnLst>
+      <p:par>
+        <p:cTn id="1" dur="indefinite" restart="never" nodeType="tmRoot"/>
+      </p:par>
+    </p:tnLst>
+  </p:timing>
 </p:sld>
 </file>
 
@@ -27298,14 +27693,29 @@
               <a:defRPr/>
             </a:pPr>
             <a:r>
-              <a:rPr lang="en-US" altLang="ko-KR" sz="2800" b="1" dirty="0">
+              <a:rPr lang="en-US" altLang="ko-KR" sz="2800" b="1" dirty="0" smtClean="0">
                 <a:solidFill>
                   <a:srgbClr val="0070C0"/>
                 </a:solidFill>
                 <a:ea typeface="굴림" pitchFamily="50" charset="-127"/>
               </a:rPr>
-              <a:t>Nodal Analysis with Voltage Source</a:t>
-            </a:r>
+              <a:t>Nodal Analysis with Voltage </a:t>
+            </a:r>
+            <a:r>
+              <a:rPr lang="en-US" altLang="ko-KR" sz="2800" b="1" dirty="0" smtClean="0">
+                <a:solidFill>
+                  <a:srgbClr val="0070C0"/>
+                </a:solidFill>
+                <a:ea typeface="굴림" pitchFamily="50" charset="-127"/>
+              </a:rPr>
+              <a:t>Source</a:t>
+            </a:r>
+            <a:endParaRPr lang="en-US" altLang="ko-KR" sz="2800" b="1" dirty="0" smtClean="0">
+              <a:solidFill>
+                <a:srgbClr val="0070C0"/>
+              </a:solidFill>
+              <a:ea typeface="굴림" pitchFamily="50" charset="-127"/>
+            </a:endParaRPr>
           </a:p>
           <a:p>
             <a:pPr marL="0" indent="0">
@@ -27313,7 +27723,7 @@
               <a:defRPr/>
             </a:pPr>
             <a:r>
-              <a:rPr lang="en-US" altLang="ko-KR" b="1" i="1" dirty="0">
+              <a:rPr lang="en-US" altLang="ko-KR" b="1" i="1" dirty="0" smtClean="0">
                 <a:solidFill>
                   <a:srgbClr val="A50021"/>
                 </a:solidFill>
@@ -27327,31 +27737,31 @@
               <a:defRPr/>
             </a:pPr>
             <a:r>
-              <a:rPr lang="en-US" altLang="ko-KR" sz="2000" b="1" dirty="0">
+              <a:rPr lang="en-US" altLang="ko-KR" sz="2000" b="1" dirty="0" smtClean="0">
                 <a:ea typeface="굴림" pitchFamily="50" charset="-127"/>
               </a:rPr>
               <a:t>We know V</a:t>
             </a:r>
             <a:r>
-              <a:rPr lang="en-US" altLang="ko-KR" sz="2000" b="1" baseline="-25000" dirty="0">
+              <a:rPr lang="en-US" altLang="ko-KR" sz="2000" b="1" baseline="-25000" dirty="0" smtClean="0">
                 <a:ea typeface="굴림" pitchFamily="50" charset="-127"/>
               </a:rPr>
               <a:t>1</a:t>
             </a:r>
             <a:r>
-              <a:rPr lang="en-US" altLang="ko-KR" sz="2000" b="1" dirty="0">
+              <a:rPr lang="en-US" altLang="ko-KR" sz="2000" b="1" dirty="0" smtClean="0">
                 <a:ea typeface="굴림" pitchFamily="50" charset="-127"/>
               </a:rPr>
               <a:t> and V</a:t>
             </a:r>
             <a:r>
-              <a:rPr lang="en-US" altLang="ko-KR" sz="2000" b="1" baseline="-25000" dirty="0">
+              <a:rPr lang="en-US" altLang="ko-KR" sz="2000" b="1" baseline="-25000" dirty="0" smtClean="0">
                 <a:ea typeface="굴림" pitchFamily="50" charset="-127"/>
               </a:rPr>
               <a:t>3</a:t>
             </a:r>
             <a:r>
-              <a:rPr lang="en-US" altLang="ko-KR" sz="2000" b="1" dirty="0">
+              <a:rPr lang="en-US" altLang="ko-KR" sz="2000" b="1" dirty="0" smtClean="0">
                 <a:ea typeface="굴림" pitchFamily="50" charset="-127"/>
               </a:rPr>
               <a:t>. Then?</a:t>
@@ -27361,7 +27771,7 @@
             <a:pPr>
               <a:defRPr/>
             </a:pPr>
-            <a:endParaRPr lang="en-US" altLang="ko-KR" sz="2000" b="1" dirty="0">
+            <a:endParaRPr lang="en-US" altLang="ko-KR" sz="2000" b="1" dirty="0" smtClean="0">
               <a:ea typeface="굴림" pitchFamily="50" charset="-127"/>
             </a:endParaRPr>
           </a:p>
@@ -27407,18 +27817,14 @@
   <p:clrMapOvr>
     <a:masterClrMapping/>
   </p:clrMapOvr>
-  <mc:AlternateContent xmlns:mc="http://schemas.openxmlformats.org/markup-compatibility/2006">
-    <mc:Choice xmlns:p159="http://schemas.microsoft.com/office/powerpoint/2015/09/main" Requires="p159">
-      <p:transition>
-        <p159:morph option="byChar"/>
-      </p:transition>
-    </mc:Choice>
-    <mc:Fallback>
-      <p:transition>
-        <p:fade/>
-      </p:transition>
-    </mc:Fallback>
-  </mc:AlternateContent>
+  <p:transition spd="med"/>
+  <p:timing>
+    <p:tnLst>
+      <p:par>
+        <p:cTn id="1" dur="indefinite" restart="never" nodeType="tmRoot"/>
+      </p:par>
+    </p:tnLst>
+  </p:timing>
 </p:sld>
 </file>
 
